--- a/Team_CS.pptx
+++ b/Team_CS.pptx
@@ -12,9 +12,10 @@
     <p:sldId id="260" r:id="rId6"/>
     <p:sldId id="261" r:id="rId7"/>
     <p:sldId id="262" r:id="rId8"/>
-    <p:sldId id="265" r:id="rId9"/>
-    <p:sldId id="263" r:id="rId10"/>
-    <p:sldId id="264" r:id="rId11"/>
+    <p:sldId id="266" r:id="rId9"/>
+    <p:sldId id="267" r:id="rId10"/>
+    <p:sldId id="265" r:id="rId11"/>
+    <p:sldId id="264" r:id="rId12"/>
   </p:sldIdLst>
   <p:sldSz cx="12192000" cy="6858000"/>
   <p:notesSz cx="6858000" cy="9144000"/>
@@ -113,6 +114,11 @@
       </a:defRPr>
     </a:lvl9pPr>
   </p:defaultTextStyle>
+  <p:extLst>
+    <p:ext uri="{EFAFB233-063F-42B5-8137-9DF3F51BA10A}">
+      <p15:sldGuideLst xmlns:p15="http://schemas.microsoft.com/office/powerpoint/2012/main"/>
+    </p:ext>
+  </p:extLst>
 </p:presentation>
 </file>
 
@@ -185,7 +191,7 @@
           <a:noFill/>
           <a:extLst>
             <a:ext uri="{909E8E84-426E-40dd-AFC4-6F175D3DCCD1}">
-              <a14:hiddenFill xmlns:a14="http://schemas.microsoft.com/office/drawing/2010/main" xmlns="">
+              <a14:hiddenFill xmlns="" xmlns:a14="http://schemas.microsoft.com/office/drawing/2010/main">
                 <a:solidFill>
                   <a:srgbClr val="FFFFFF"/>
                 </a:solidFill>
@@ -244,7 +250,7 @@
             </a:ln>
             <a:extLst>
               <a:ext uri="{91240B29-F687-4f45-9708-019B960494DF}">
-                <a14:hiddenLine xmlns:a14="http://schemas.microsoft.com/office/drawing/2010/main" xmlns="" w="9525">
+                <a14:hiddenLine xmlns="" xmlns:a14="http://schemas.microsoft.com/office/drawing/2010/main" w="9525">
                   <a:solidFill>
                     <a:srgbClr val="000000"/>
                   </a:solidFill>
@@ -334,7 +340,7 @@
             </a:ln>
             <a:extLst>
               <a:ext uri="{91240B29-F687-4f45-9708-019B960494DF}">
-                <a14:hiddenLine xmlns:a14="http://schemas.microsoft.com/office/drawing/2010/main" xmlns="" w="9525">
+                <a14:hiddenLine xmlns="" xmlns:a14="http://schemas.microsoft.com/office/drawing/2010/main" w="9525">
                   <a:solidFill>
                     <a:srgbClr val="000000"/>
                   </a:solidFill>
@@ -424,7 +430,7 @@
             </a:ln>
             <a:extLst>
               <a:ext uri="{91240B29-F687-4f45-9708-019B960494DF}">
-                <a14:hiddenLine xmlns:a14="http://schemas.microsoft.com/office/drawing/2010/main" xmlns="" w="9525">
+                <a14:hiddenLine xmlns="" xmlns:a14="http://schemas.microsoft.com/office/drawing/2010/main" w="9525">
                   <a:solidFill>
                     <a:srgbClr val="000000"/>
                   </a:solidFill>
@@ -458,7 +464,7 @@
             </a:ln>
             <a:extLst>
               <a:ext uri="{91240B29-F687-4f45-9708-019B960494DF}">
-                <a14:hiddenLine xmlns:a14="http://schemas.microsoft.com/office/drawing/2010/main" xmlns="" w="9525">
+                <a14:hiddenLine xmlns="" xmlns:a14="http://schemas.microsoft.com/office/drawing/2010/main" w="9525">
                   <a:solidFill>
                     <a:srgbClr val="000000"/>
                   </a:solidFill>
@@ -548,7 +554,7 @@
             </a:ln>
             <a:extLst>
               <a:ext uri="{91240B29-F687-4f45-9708-019B960494DF}">
-                <a14:hiddenLine xmlns:a14="http://schemas.microsoft.com/office/drawing/2010/main" xmlns="" w="9525">
+                <a14:hiddenLine xmlns="" xmlns:a14="http://schemas.microsoft.com/office/drawing/2010/main" w="9525">
                   <a:solidFill>
                     <a:srgbClr val="000000"/>
                   </a:solidFill>
@@ -610,7 +616,7 @@
             </a:ln>
             <a:extLst>
               <a:ext uri="{91240B29-F687-4f45-9708-019B960494DF}">
-                <a14:hiddenLine xmlns:a14="http://schemas.microsoft.com/office/drawing/2010/main" xmlns="" w="9525">
+                <a14:hiddenLine xmlns="" xmlns:a14="http://schemas.microsoft.com/office/drawing/2010/main" w="9525">
                   <a:solidFill>
                     <a:srgbClr val="000000"/>
                   </a:solidFill>
@@ -672,7 +678,7 @@
             </a:ln>
             <a:extLst>
               <a:ext uri="{91240B29-F687-4f45-9708-019B960494DF}">
-                <a14:hiddenLine xmlns:a14="http://schemas.microsoft.com/office/drawing/2010/main" xmlns="" w="9525">
+                <a14:hiddenLine xmlns="" xmlns:a14="http://schemas.microsoft.com/office/drawing/2010/main" w="9525">
                   <a:solidFill>
                     <a:srgbClr val="000000"/>
                   </a:solidFill>
@@ -762,7 +768,7 @@
             </a:ln>
             <a:extLst>
               <a:ext uri="{91240B29-F687-4f45-9708-019B960494DF}">
-                <a14:hiddenLine xmlns:a14="http://schemas.microsoft.com/office/drawing/2010/main" xmlns="" w="9525">
+                <a14:hiddenLine xmlns="" xmlns:a14="http://schemas.microsoft.com/office/drawing/2010/main" w="9525">
                   <a:solidFill>
                     <a:srgbClr val="000000"/>
                   </a:solidFill>
@@ -824,7 +830,7 @@
             </a:ln>
             <a:extLst>
               <a:ext uri="{91240B29-F687-4f45-9708-019B960494DF}">
-                <a14:hiddenLine xmlns:a14="http://schemas.microsoft.com/office/drawing/2010/main" xmlns="" w="9525">
+                <a14:hiddenLine xmlns="" xmlns:a14="http://schemas.microsoft.com/office/drawing/2010/main" w="9525">
                   <a:solidFill>
                     <a:srgbClr val="000000"/>
                   </a:solidFill>
@@ -886,7 +892,7 @@
             </a:ln>
             <a:extLst>
               <a:ext uri="{91240B29-F687-4f45-9708-019B960494DF}">
-                <a14:hiddenLine xmlns:a14="http://schemas.microsoft.com/office/drawing/2010/main" xmlns="" w="9525">
+                <a14:hiddenLine xmlns="" xmlns:a14="http://schemas.microsoft.com/office/drawing/2010/main" w="9525">
                   <a:solidFill>
                     <a:srgbClr val="000000"/>
                   </a:solidFill>
@@ -976,7 +982,7 @@
             </a:ln>
             <a:extLst>
               <a:ext uri="{91240B29-F687-4f45-9708-019B960494DF}">
-                <a14:hiddenLine xmlns:a14="http://schemas.microsoft.com/office/drawing/2010/main" xmlns="" w="9525">
+                <a14:hiddenLine xmlns="" xmlns:a14="http://schemas.microsoft.com/office/drawing/2010/main" w="9525">
                   <a:solidFill>
                     <a:srgbClr val="000000"/>
                   </a:solidFill>
@@ -1066,7 +1072,7 @@
             </a:ln>
             <a:extLst>
               <a:ext uri="{91240B29-F687-4f45-9708-019B960494DF}">
-                <a14:hiddenLine xmlns:a14="http://schemas.microsoft.com/office/drawing/2010/main" xmlns="" w="9525">
+                <a14:hiddenLine xmlns="" xmlns:a14="http://schemas.microsoft.com/office/drawing/2010/main" w="9525">
                   <a:solidFill>
                     <a:srgbClr val="000000"/>
                   </a:solidFill>
@@ -1128,7 +1134,7 @@
             </a:ln>
             <a:extLst>
               <a:ext uri="{91240B29-F687-4f45-9708-019B960494DF}">
-                <a14:hiddenLine xmlns:a14="http://schemas.microsoft.com/office/drawing/2010/main" xmlns="" w="9525">
+                <a14:hiddenLine xmlns="" xmlns:a14="http://schemas.microsoft.com/office/drawing/2010/main" w="9525">
                   <a:solidFill>
                     <a:srgbClr val="000000"/>
                   </a:solidFill>
@@ -1238,7 +1244,7 @@
             </a:ln>
             <a:extLst>
               <a:ext uri="{91240B29-F687-4f45-9708-019B960494DF}">
-                <a14:hiddenLine xmlns:a14="http://schemas.microsoft.com/office/drawing/2010/main" xmlns="" w="9525">
+                <a14:hiddenLine xmlns="" xmlns:a14="http://schemas.microsoft.com/office/drawing/2010/main" w="9525">
                   <a:solidFill>
                     <a:srgbClr val="000000"/>
                   </a:solidFill>
@@ -1300,7 +1306,7 @@
             </a:ln>
             <a:extLst>
               <a:ext uri="{91240B29-F687-4f45-9708-019B960494DF}">
-                <a14:hiddenLine xmlns:a14="http://schemas.microsoft.com/office/drawing/2010/main" xmlns="" w="9525">
+                <a14:hiddenLine xmlns="" xmlns:a14="http://schemas.microsoft.com/office/drawing/2010/main" w="9525">
                   <a:solidFill>
                     <a:srgbClr val="000000"/>
                   </a:solidFill>
@@ -1390,7 +1396,7 @@
             </a:ln>
             <a:extLst>
               <a:ext uri="{91240B29-F687-4f45-9708-019B960494DF}">
-                <a14:hiddenLine xmlns:a14="http://schemas.microsoft.com/office/drawing/2010/main" xmlns="" w="9525">
+                <a14:hiddenLine xmlns="" xmlns:a14="http://schemas.microsoft.com/office/drawing/2010/main" w="9525">
                   <a:solidFill>
                     <a:srgbClr val="000000"/>
                   </a:solidFill>
@@ -1480,7 +1486,7 @@
             </a:ln>
             <a:extLst>
               <a:ext uri="{91240B29-F687-4f45-9708-019B960494DF}">
-                <a14:hiddenLine xmlns:a14="http://schemas.microsoft.com/office/drawing/2010/main" xmlns="" w="9525">
+                <a14:hiddenLine xmlns="" xmlns:a14="http://schemas.microsoft.com/office/drawing/2010/main" w="9525">
                   <a:solidFill>
                     <a:srgbClr val="000000"/>
                   </a:solidFill>
@@ -1542,7 +1548,7 @@
             </a:ln>
             <a:extLst>
               <a:ext uri="{91240B29-F687-4f45-9708-019B960494DF}">
-                <a14:hiddenLine xmlns:a14="http://schemas.microsoft.com/office/drawing/2010/main" xmlns="" w="9525">
+                <a14:hiddenLine xmlns="" xmlns:a14="http://schemas.microsoft.com/office/drawing/2010/main" w="9525">
                   <a:solidFill>
                     <a:srgbClr val="000000"/>
                   </a:solidFill>
@@ -1632,7 +1638,7 @@
             </a:ln>
             <a:extLst>
               <a:ext uri="{91240B29-F687-4f45-9708-019B960494DF}">
-                <a14:hiddenLine xmlns:a14="http://schemas.microsoft.com/office/drawing/2010/main" xmlns="" w="9525">
+                <a14:hiddenLine xmlns="" xmlns:a14="http://schemas.microsoft.com/office/drawing/2010/main" w="9525">
                   <a:solidFill>
                     <a:srgbClr val="000000"/>
                   </a:solidFill>
@@ -1722,7 +1728,7 @@
             </a:ln>
             <a:extLst>
               <a:ext uri="{91240B29-F687-4f45-9708-019B960494DF}">
-                <a14:hiddenLine xmlns:a14="http://schemas.microsoft.com/office/drawing/2010/main" xmlns="" w="9525">
+                <a14:hiddenLine xmlns="" xmlns:a14="http://schemas.microsoft.com/office/drawing/2010/main" w="9525">
                   <a:solidFill>
                     <a:srgbClr val="000000"/>
                   </a:solidFill>
@@ -1778,7 +1784,7 @@
             </a:ln>
             <a:extLst>
               <a:ext uri="{91240B29-F687-4f45-9708-019B960494DF}">
-                <a14:hiddenLine xmlns:a14="http://schemas.microsoft.com/office/drawing/2010/main" xmlns="" w="9525">
+                <a14:hiddenLine xmlns="" xmlns:a14="http://schemas.microsoft.com/office/drawing/2010/main" w="9525">
                   <a:solidFill>
                     <a:srgbClr val="000000"/>
                   </a:solidFill>
@@ -1868,7 +1874,7 @@
             </a:ln>
             <a:extLst>
               <a:ext uri="{91240B29-F687-4f45-9708-019B960494DF}">
-                <a14:hiddenLine xmlns:a14="http://schemas.microsoft.com/office/drawing/2010/main" xmlns="" w="9525">
+                <a14:hiddenLine xmlns="" xmlns:a14="http://schemas.microsoft.com/office/drawing/2010/main" w="9525">
                   <a:solidFill>
                     <a:srgbClr val="000000"/>
                   </a:solidFill>
@@ -1924,7 +1930,7 @@
             </a:ln>
             <a:extLst>
               <a:ext uri="{91240B29-F687-4f45-9708-019B960494DF}">
-                <a14:hiddenLine xmlns:a14="http://schemas.microsoft.com/office/drawing/2010/main" xmlns="" w="9525">
+                <a14:hiddenLine xmlns="" xmlns:a14="http://schemas.microsoft.com/office/drawing/2010/main" w="9525">
                   <a:solidFill>
                     <a:srgbClr val="000000"/>
                   </a:solidFill>
@@ -2014,7 +2020,7 @@
             </a:ln>
             <a:extLst>
               <a:ext uri="{91240B29-F687-4f45-9708-019B960494DF}">
-                <a14:hiddenLine xmlns:a14="http://schemas.microsoft.com/office/drawing/2010/main" xmlns="" w="9525">
+                <a14:hiddenLine xmlns="" xmlns:a14="http://schemas.microsoft.com/office/drawing/2010/main" w="9525">
                   <a:solidFill>
                     <a:srgbClr val="000000"/>
                   </a:solidFill>
@@ -2082,7 +2088,7 @@
             </a:ln>
             <a:extLst>
               <a:ext uri="{91240B29-F687-4f45-9708-019B960494DF}">
-                <a14:hiddenLine xmlns:a14="http://schemas.microsoft.com/office/drawing/2010/main" xmlns="" w="9525">
+                <a14:hiddenLine xmlns="" xmlns:a14="http://schemas.microsoft.com/office/drawing/2010/main" w="9525">
                   <a:solidFill>
                     <a:srgbClr val="000000"/>
                   </a:solidFill>
@@ -2172,7 +2178,7 @@
             </a:ln>
             <a:extLst>
               <a:ext uri="{91240B29-F687-4f45-9708-019B960494DF}">
-                <a14:hiddenLine xmlns:a14="http://schemas.microsoft.com/office/drawing/2010/main" xmlns="" w="9525">
+                <a14:hiddenLine xmlns="" xmlns:a14="http://schemas.microsoft.com/office/drawing/2010/main" w="9525">
                   <a:solidFill>
                     <a:srgbClr val="000000"/>
                   </a:solidFill>
@@ -2240,7 +2246,7 @@
             </a:ln>
             <a:extLst>
               <a:ext uri="{91240B29-F687-4f45-9708-019B960494DF}">
-                <a14:hiddenLine xmlns:a14="http://schemas.microsoft.com/office/drawing/2010/main" xmlns="" w="9525">
+                <a14:hiddenLine xmlns="" xmlns:a14="http://schemas.microsoft.com/office/drawing/2010/main" w="9525">
                   <a:solidFill>
                     <a:srgbClr val="000000"/>
                   </a:solidFill>
@@ -2330,7 +2336,7 @@
             </a:ln>
             <a:extLst>
               <a:ext uri="{91240B29-F687-4f45-9708-019B960494DF}">
-                <a14:hiddenLine xmlns:a14="http://schemas.microsoft.com/office/drawing/2010/main" xmlns="" w="9525">
+                <a14:hiddenLine xmlns="" xmlns:a14="http://schemas.microsoft.com/office/drawing/2010/main" w="9525">
                   <a:solidFill>
                     <a:srgbClr val="000000"/>
                   </a:solidFill>
@@ -2364,7 +2370,7 @@
             </a:ln>
             <a:extLst>
               <a:ext uri="{91240B29-F687-4f45-9708-019B960494DF}">
-                <a14:hiddenLine xmlns:a14="http://schemas.microsoft.com/office/drawing/2010/main" xmlns="" w="9525">
+                <a14:hiddenLine xmlns="" xmlns:a14="http://schemas.microsoft.com/office/drawing/2010/main" w="9525">
                   <a:solidFill>
                     <a:srgbClr val="000000"/>
                   </a:solidFill>
@@ -2454,7 +2460,7 @@
             </a:ln>
             <a:extLst>
               <a:ext uri="{91240B29-F687-4f45-9708-019B960494DF}">
-                <a14:hiddenLine xmlns:a14="http://schemas.microsoft.com/office/drawing/2010/main" xmlns="" w="9525">
+                <a14:hiddenLine xmlns="" xmlns:a14="http://schemas.microsoft.com/office/drawing/2010/main" w="9525">
                   <a:solidFill>
                     <a:srgbClr val="000000"/>
                   </a:solidFill>
@@ -2516,7 +2522,7 @@
             </a:ln>
             <a:extLst>
               <a:ext uri="{91240B29-F687-4f45-9708-019B960494DF}">
-                <a14:hiddenLine xmlns:a14="http://schemas.microsoft.com/office/drawing/2010/main" xmlns="" w="9525">
+                <a14:hiddenLine xmlns="" xmlns:a14="http://schemas.microsoft.com/office/drawing/2010/main" w="9525">
                   <a:solidFill>
                     <a:srgbClr val="000000"/>
                   </a:solidFill>
@@ -2578,7 +2584,7 @@
             </a:ln>
             <a:extLst>
               <a:ext uri="{91240B29-F687-4f45-9708-019B960494DF}">
-                <a14:hiddenLine xmlns:a14="http://schemas.microsoft.com/office/drawing/2010/main" xmlns="" w="9525">
+                <a14:hiddenLine xmlns="" xmlns:a14="http://schemas.microsoft.com/office/drawing/2010/main" w="9525">
                   <a:solidFill>
                     <a:srgbClr val="000000"/>
                   </a:solidFill>
@@ -2668,7 +2674,7 @@
             </a:ln>
             <a:extLst>
               <a:ext uri="{91240B29-F687-4f45-9708-019B960494DF}">
-                <a14:hiddenLine xmlns:a14="http://schemas.microsoft.com/office/drawing/2010/main" xmlns="" w="9525">
+                <a14:hiddenLine xmlns="" xmlns:a14="http://schemas.microsoft.com/office/drawing/2010/main" w="9525">
                   <a:solidFill>
                     <a:srgbClr val="000000"/>
                   </a:solidFill>
@@ -2736,7 +2742,7 @@
             </a:ln>
             <a:extLst>
               <a:ext uri="{91240B29-F687-4f45-9708-019B960494DF}">
-                <a14:hiddenLine xmlns:a14="http://schemas.microsoft.com/office/drawing/2010/main" xmlns="" w="9525">
+                <a14:hiddenLine xmlns="" xmlns:a14="http://schemas.microsoft.com/office/drawing/2010/main" w="9525">
                   <a:solidFill>
                     <a:srgbClr val="000000"/>
                   </a:solidFill>
@@ -2798,7 +2804,7 @@
             </a:ln>
             <a:extLst>
               <a:ext uri="{91240B29-F687-4f45-9708-019B960494DF}">
-                <a14:hiddenLine xmlns:a14="http://schemas.microsoft.com/office/drawing/2010/main" xmlns="" w="9525">
+                <a14:hiddenLine xmlns="" xmlns:a14="http://schemas.microsoft.com/office/drawing/2010/main" w="9525">
                   <a:solidFill>
                     <a:srgbClr val="000000"/>
                   </a:solidFill>
@@ -2888,7 +2894,7 @@
             </a:ln>
             <a:extLst>
               <a:ext uri="{91240B29-F687-4f45-9708-019B960494DF}">
-                <a14:hiddenLine xmlns:a14="http://schemas.microsoft.com/office/drawing/2010/main" xmlns="" w="9525">
+                <a14:hiddenLine xmlns="" xmlns:a14="http://schemas.microsoft.com/office/drawing/2010/main" w="9525">
                   <a:solidFill>
                     <a:srgbClr val="000000"/>
                   </a:solidFill>
@@ -2950,7 +2956,7 @@
             </a:ln>
             <a:extLst>
               <a:ext uri="{91240B29-F687-4f45-9708-019B960494DF}">
-                <a14:hiddenLine xmlns:a14="http://schemas.microsoft.com/office/drawing/2010/main" xmlns="" w="9525">
+                <a14:hiddenLine xmlns="" xmlns:a14="http://schemas.microsoft.com/office/drawing/2010/main" w="9525">
                   <a:solidFill>
                     <a:srgbClr val="000000"/>
                   </a:solidFill>
@@ -3040,7 +3046,7 @@
             </a:ln>
             <a:extLst>
               <a:ext uri="{91240B29-F687-4f45-9708-019B960494DF}">
-                <a14:hiddenLine xmlns:a14="http://schemas.microsoft.com/office/drawing/2010/main" xmlns="" w="9525">
+                <a14:hiddenLine xmlns="" xmlns:a14="http://schemas.microsoft.com/office/drawing/2010/main" w="9525">
                   <a:solidFill>
                     <a:srgbClr val="000000"/>
                   </a:solidFill>
@@ -3102,7 +3108,7 @@
             </a:ln>
             <a:extLst>
               <a:ext uri="{91240B29-F687-4f45-9708-019B960494DF}">
-                <a14:hiddenLine xmlns:a14="http://schemas.microsoft.com/office/drawing/2010/main" xmlns="" w="9525">
+                <a14:hiddenLine xmlns="" xmlns:a14="http://schemas.microsoft.com/office/drawing/2010/main" w="9525">
                   <a:solidFill>
                     <a:srgbClr val="000000"/>
                   </a:solidFill>
@@ -3192,7 +3198,7 @@
             </a:ln>
             <a:extLst>
               <a:ext uri="{91240B29-F687-4f45-9708-019B960494DF}">
-                <a14:hiddenLine xmlns:a14="http://schemas.microsoft.com/office/drawing/2010/main" xmlns="" w="9525">
+                <a14:hiddenLine xmlns="" xmlns:a14="http://schemas.microsoft.com/office/drawing/2010/main" w="9525">
                   <a:solidFill>
                     <a:srgbClr val="000000"/>
                   </a:solidFill>
@@ -3226,7 +3232,7 @@
             </a:ln>
             <a:extLst>
               <a:ext uri="{91240B29-F687-4f45-9708-019B960494DF}">
-                <a14:hiddenLine xmlns:a14="http://schemas.microsoft.com/office/drawing/2010/main" xmlns="" w="9525">
+                <a14:hiddenLine xmlns="" xmlns:a14="http://schemas.microsoft.com/office/drawing/2010/main" w="9525">
                   <a:solidFill>
                     <a:srgbClr val="000000"/>
                   </a:solidFill>
@@ -3291,7 +3297,7 @@
             </a:ln>
             <a:extLst>
               <a:ext uri="{91240B29-F687-4f45-9708-019B960494DF}">
-                <a14:hiddenLine xmlns:a14="http://schemas.microsoft.com/office/drawing/2010/main" xmlns="" w="9525">
+                <a14:hiddenLine xmlns="" xmlns:a14="http://schemas.microsoft.com/office/drawing/2010/main" w="9525">
                   <a:solidFill>
                     <a:srgbClr val="000000"/>
                   </a:solidFill>
@@ -3381,7 +3387,7 @@
             </a:ln>
             <a:extLst>
               <a:ext uri="{91240B29-F687-4f45-9708-019B960494DF}">
-                <a14:hiddenLine xmlns:a14="http://schemas.microsoft.com/office/drawing/2010/main" xmlns="" w="9525">
+                <a14:hiddenLine xmlns="" xmlns:a14="http://schemas.microsoft.com/office/drawing/2010/main" w="9525">
                   <a:solidFill>
                     <a:srgbClr val="000000"/>
                   </a:solidFill>
@@ -3443,7 +3449,7 @@
             </a:ln>
             <a:extLst>
               <a:ext uri="{91240B29-F687-4f45-9708-019B960494DF}">
-                <a14:hiddenLine xmlns:a14="http://schemas.microsoft.com/office/drawing/2010/main" xmlns="" w="9525">
+                <a14:hiddenLine xmlns="" xmlns:a14="http://schemas.microsoft.com/office/drawing/2010/main" w="9525">
                   <a:solidFill>
                     <a:srgbClr val="000000"/>
                   </a:solidFill>
@@ -3533,7 +3539,7 @@
             </a:ln>
             <a:extLst>
               <a:ext uri="{91240B29-F687-4f45-9708-019B960494DF}">
-                <a14:hiddenLine xmlns:a14="http://schemas.microsoft.com/office/drawing/2010/main" xmlns="" w="9525">
+                <a14:hiddenLine xmlns="" xmlns:a14="http://schemas.microsoft.com/office/drawing/2010/main" w="9525">
                   <a:solidFill>
                     <a:srgbClr val="000000"/>
                   </a:solidFill>
@@ -3623,7 +3629,7 @@
             </a:ln>
             <a:extLst>
               <a:ext uri="{91240B29-F687-4f45-9708-019B960494DF}">
-                <a14:hiddenLine xmlns:a14="http://schemas.microsoft.com/office/drawing/2010/main" xmlns="" w="9525">
+                <a14:hiddenLine xmlns="" xmlns:a14="http://schemas.microsoft.com/office/drawing/2010/main" w="9525">
                   <a:solidFill>
                     <a:srgbClr val="000000"/>
                   </a:solidFill>
@@ -3688,7 +3694,7 @@
             </a:ln>
             <a:extLst>
               <a:ext uri="{91240B29-F687-4f45-9708-019B960494DF}">
-                <a14:hiddenLine xmlns:a14="http://schemas.microsoft.com/office/drawing/2010/main" xmlns="" w="9525">
+                <a14:hiddenLine xmlns="" xmlns:a14="http://schemas.microsoft.com/office/drawing/2010/main" w="9525">
                   <a:solidFill>
                     <a:srgbClr val="000000"/>
                   </a:solidFill>
@@ -3750,7 +3756,7 @@
             </a:ln>
             <a:extLst>
               <a:ext uri="{91240B29-F687-4f45-9708-019B960494DF}">
-                <a14:hiddenLine xmlns:a14="http://schemas.microsoft.com/office/drawing/2010/main" xmlns="" w="9525">
+                <a14:hiddenLine xmlns="" xmlns:a14="http://schemas.microsoft.com/office/drawing/2010/main" w="9525">
                   <a:solidFill>
                     <a:srgbClr val="000000"/>
                   </a:solidFill>
@@ -3840,7 +3846,7 @@
             </a:ln>
             <a:extLst>
               <a:ext uri="{91240B29-F687-4f45-9708-019B960494DF}">
-                <a14:hiddenLine xmlns:a14="http://schemas.microsoft.com/office/drawing/2010/main" xmlns="" w="9525">
+                <a14:hiddenLine xmlns="" xmlns:a14="http://schemas.microsoft.com/office/drawing/2010/main" w="9525">
                   <a:solidFill>
                     <a:srgbClr val="000000"/>
                   </a:solidFill>
@@ -3930,7 +3936,7 @@
             </a:ln>
             <a:extLst>
               <a:ext uri="{91240B29-F687-4f45-9708-019B960494DF}">
-                <a14:hiddenLine xmlns:a14="http://schemas.microsoft.com/office/drawing/2010/main" xmlns="" w="9525">
+                <a14:hiddenLine xmlns="" xmlns:a14="http://schemas.microsoft.com/office/drawing/2010/main" w="9525">
                   <a:solidFill>
                     <a:srgbClr val="000000"/>
                   </a:solidFill>
@@ -3992,7 +3998,7 @@
             </a:ln>
             <a:extLst>
               <a:ext uri="{91240B29-F687-4f45-9708-019B960494DF}">
-                <a14:hiddenLine xmlns:a14="http://schemas.microsoft.com/office/drawing/2010/main" xmlns="" w="9525">
+                <a14:hiddenLine xmlns="" xmlns:a14="http://schemas.microsoft.com/office/drawing/2010/main" w="9525">
                   <a:solidFill>
                     <a:srgbClr val="000000"/>
                   </a:solidFill>
@@ -4112,7 +4118,7 @@
             </a:ln>
             <a:extLst>
               <a:ext uri="{91240B29-F687-4f45-9708-019B960494DF}">
-                <a14:hiddenLine xmlns:a14="http://schemas.microsoft.com/office/drawing/2010/main" xmlns="" w="9525">
+                <a14:hiddenLine xmlns="" xmlns:a14="http://schemas.microsoft.com/office/drawing/2010/main" w="9525">
                   <a:solidFill>
                     <a:srgbClr val="000000"/>
                   </a:solidFill>
@@ -4180,7 +4186,7 @@
             </a:ln>
             <a:extLst>
               <a:ext uri="{91240B29-F687-4f45-9708-019B960494DF}">
-                <a14:hiddenLine xmlns:a14="http://schemas.microsoft.com/office/drawing/2010/main" xmlns="" w="9525">
+                <a14:hiddenLine xmlns="" xmlns:a14="http://schemas.microsoft.com/office/drawing/2010/main" w="9525">
                   <a:solidFill>
                     <a:srgbClr val="000000"/>
                   </a:solidFill>
@@ -4270,7 +4276,7 @@
             </a:ln>
             <a:extLst>
               <a:ext uri="{91240B29-F687-4f45-9708-019B960494DF}">
-                <a14:hiddenLine xmlns:a14="http://schemas.microsoft.com/office/drawing/2010/main" xmlns="" w="9525">
+                <a14:hiddenLine xmlns="" xmlns:a14="http://schemas.microsoft.com/office/drawing/2010/main" w="9525">
                   <a:solidFill>
                     <a:srgbClr val="000000"/>
                   </a:solidFill>
@@ -4410,7 +4416,7 @@
           <a:p>
             <a:fld id="{48A87A34-81AB-432B-8DAE-1953F412C126}" type="datetimeFigureOut">
               <a:rPr lang="en-US" dirty="0"/>
-              <a:t>11/15/2023</a:t>
+              <a:t>11/29/2023</a:t>
             </a:fld>
             <a:endParaRPr lang="en-US" dirty="0"/>
           </a:p>
@@ -4672,7 +4678,7 @@
           <a:p>
             <a:fld id="{48A87A34-81AB-432B-8DAE-1953F412C126}" type="datetimeFigureOut">
               <a:rPr lang="en-US" dirty="0"/>
-              <a:t>11/15/2023</a:t>
+              <a:t>11/29/2023</a:t>
             </a:fld>
             <a:endParaRPr lang="en-US" dirty="0"/>
           </a:p>
@@ -4863,7 +4869,7 @@
           <a:p>
             <a:fld id="{48A87A34-81AB-432B-8DAE-1953F412C126}" type="datetimeFigureOut">
               <a:rPr lang="en-US" dirty="0"/>
-              <a:t>11/15/2023</a:t>
+              <a:t>11/29/2023</a:t>
             </a:fld>
             <a:endParaRPr lang="en-US" dirty="0"/>
           </a:p>
@@ -5121,7 +5127,7 @@
           <a:p>
             <a:fld id="{48A87A34-81AB-432B-8DAE-1953F412C126}" type="datetimeFigureOut">
               <a:rPr lang="en-US" dirty="0"/>
-              <a:t>11/15/2023</a:t>
+              <a:t>11/29/2023</a:t>
             </a:fld>
             <a:endParaRPr lang="en-US" dirty="0"/>
           </a:p>
@@ -5550,7 +5556,7 @@
           <a:p>
             <a:fld id="{48A87A34-81AB-432B-8DAE-1953F412C126}" type="datetimeFigureOut">
               <a:rPr lang="en-US" dirty="0"/>
-              <a:t>11/15/2023</a:t>
+              <a:t>11/29/2023</a:t>
             </a:fld>
             <a:endParaRPr lang="en-US" dirty="0"/>
           </a:p>
@@ -6091,7 +6097,7 @@
           <a:p>
             <a:fld id="{48A87A34-81AB-432B-8DAE-1953F412C126}" type="datetimeFigureOut">
               <a:rPr lang="en-US" dirty="0"/>
-              <a:t>11/15/2023</a:t>
+              <a:t>11/29/2023</a:t>
             </a:fld>
             <a:endParaRPr lang="en-US" dirty="0"/>
           </a:p>
@@ -6806,7 +6812,7 @@
           <a:p>
             <a:fld id="{48A87A34-81AB-432B-8DAE-1953F412C126}" type="datetimeFigureOut">
               <a:rPr lang="en-US" dirty="0"/>
-              <a:t>11/15/2023</a:t>
+              <a:t>11/29/2023</a:t>
             </a:fld>
             <a:endParaRPr lang="en-US" dirty="0"/>
           </a:p>
@@ -6971,7 +6977,7 @@
           <a:p>
             <a:fld id="{48A87A34-81AB-432B-8DAE-1953F412C126}" type="datetimeFigureOut">
               <a:rPr lang="en-US" dirty="0"/>
-              <a:t>11/15/2023</a:t>
+              <a:t>11/29/2023</a:t>
             </a:fld>
             <a:endParaRPr lang="en-US" dirty="0"/>
           </a:p>
@@ -7146,7 +7152,7 @@
           <a:p>
             <a:fld id="{48A87A34-81AB-432B-8DAE-1953F412C126}" type="datetimeFigureOut">
               <a:rPr lang="en-US" dirty="0"/>
-              <a:t>11/15/2023</a:t>
+              <a:t>11/29/2023</a:t>
             </a:fld>
             <a:endParaRPr lang="en-US" dirty="0"/>
           </a:p>
@@ -7311,7 +7317,7 @@
           <a:p>
             <a:fld id="{48A87A34-81AB-432B-8DAE-1953F412C126}" type="datetimeFigureOut">
               <a:rPr lang="en-US" dirty="0"/>
-              <a:t>11/15/2023</a:t>
+              <a:t>11/29/2023</a:t>
             </a:fld>
             <a:endParaRPr lang="en-US" dirty="0"/>
           </a:p>
@@ -7556,7 +7562,7 @@
           <a:p>
             <a:fld id="{48A87A34-81AB-432B-8DAE-1953F412C126}" type="datetimeFigureOut">
               <a:rPr lang="en-US" dirty="0"/>
-              <a:t>11/15/2023</a:t>
+              <a:t>11/29/2023</a:t>
             </a:fld>
             <a:endParaRPr lang="en-US" dirty="0"/>
           </a:p>
@@ -7783,7 +7789,7 @@
           <a:p>
             <a:fld id="{48A87A34-81AB-432B-8DAE-1953F412C126}" type="datetimeFigureOut">
               <a:rPr lang="en-US" dirty="0"/>
-              <a:t>11/15/2023</a:t>
+              <a:t>11/29/2023</a:t>
             </a:fld>
             <a:endParaRPr lang="en-US" dirty="0"/>
           </a:p>
@@ -8159,7 +8165,7 @@
           <a:p>
             <a:fld id="{48A87A34-81AB-432B-8DAE-1953F412C126}" type="datetimeFigureOut">
               <a:rPr lang="en-US" dirty="0"/>
-              <a:t>11/15/2023</a:t>
+              <a:t>11/29/2023</a:t>
             </a:fld>
             <a:endParaRPr lang="en-US" dirty="0"/>
           </a:p>
@@ -8272,7 +8278,7 @@
           <a:p>
             <a:fld id="{48A87A34-81AB-432B-8DAE-1953F412C126}" type="datetimeFigureOut">
               <a:rPr lang="en-US" dirty="0"/>
-              <a:t>11/15/2023</a:t>
+              <a:t>11/29/2023</a:t>
             </a:fld>
             <a:endParaRPr lang="en-US" dirty="0"/>
           </a:p>
@@ -8362,7 +8368,7 @@
           <a:p>
             <a:fld id="{48A87A34-81AB-432B-8DAE-1953F412C126}" type="datetimeFigureOut">
               <a:rPr lang="en-US" dirty="0"/>
-              <a:t>11/15/2023</a:t>
+              <a:t>11/29/2023</a:t>
             </a:fld>
             <a:endParaRPr lang="en-US" dirty="0"/>
           </a:p>
@@ -8606,7 +8612,7 @@
           <a:p>
             <a:fld id="{48A87A34-81AB-432B-8DAE-1953F412C126}" type="datetimeFigureOut">
               <a:rPr lang="en-US" dirty="0"/>
-              <a:t>11/15/2023</a:t>
+              <a:t>11/29/2023</a:t>
             </a:fld>
             <a:endParaRPr lang="en-US" dirty="0"/>
           </a:p>
@@ -8881,7 +8887,7 @@
           <a:p>
             <a:fld id="{48A87A34-81AB-432B-8DAE-1953F412C126}" type="datetimeFigureOut">
               <a:rPr lang="en-US" dirty="0"/>
-              <a:t>11/15/2023</a:t>
+              <a:t>11/29/2023</a:t>
             </a:fld>
             <a:endParaRPr lang="en-US" dirty="0"/>
           </a:p>
@@ -8999,7 +9005,7 @@
           <a:noFill/>
           <a:extLst>
             <a:ext uri="{909E8E84-426E-40dd-AFC4-6F175D3DCCD1}">
-              <a14:hiddenFill xmlns:a14="http://schemas.microsoft.com/office/drawing/2010/main" xmlns="">
+              <a14:hiddenFill xmlns="" xmlns:a14="http://schemas.microsoft.com/office/drawing/2010/main">
                 <a:solidFill>
                   <a:srgbClr val="FFFFFF"/>
                 </a:solidFill>
@@ -9073,7 +9079,7 @@
               </a:ln>
               <a:extLst>
                 <a:ext uri="{91240B29-F687-4f45-9708-019B960494DF}">
-                  <a14:hiddenLine xmlns:a14="http://schemas.microsoft.com/office/drawing/2010/main" xmlns="" w="9525">
+                  <a14:hiddenLine xmlns="" xmlns:a14="http://schemas.microsoft.com/office/drawing/2010/main" w="9525">
                     <a:solidFill>
                       <a:srgbClr val="000000"/>
                     </a:solidFill>
@@ -9163,7 +9169,7 @@
               </a:ln>
               <a:extLst>
                 <a:ext uri="{91240B29-F687-4f45-9708-019B960494DF}">
-                  <a14:hiddenLine xmlns:a14="http://schemas.microsoft.com/office/drawing/2010/main" xmlns="" w="9525">
+                  <a14:hiddenLine xmlns="" xmlns:a14="http://schemas.microsoft.com/office/drawing/2010/main" w="9525">
                     <a:solidFill>
                       <a:srgbClr val="000000"/>
                     </a:solidFill>
@@ -9253,7 +9259,7 @@
               </a:ln>
               <a:extLst>
                 <a:ext uri="{91240B29-F687-4f45-9708-019B960494DF}">
-                  <a14:hiddenLine xmlns:a14="http://schemas.microsoft.com/office/drawing/2010/main" xmlns="" w="9525">
+                  <a14:hiddenLine xmlns="" xmlns:a14="http://schemas.microsoft.com/office/drawing/2010/main" w="9525">
                     <a:solidFill>
                       <a:srgbClr val="000000"/>
                     </a:solidFill>
@@ -9315,7 +9321,7 @@
               </a:ln>
               <a:extLst>
                 <a:ext uri="{91240B29-F687-4f45-9708-019B960494DF}">
-                  <a14:hiddenLine xmlns:a14="http://schemas.microsoft.com/office/drawing/2010/main" xmlns="" w="9525">
+                  <a14:hiddenLine xmlns="" xmlns:a14="http://schemas.microsoft.com/office/drawing/2010/main" w="9525">
                     <a:solidFill>
                       <a:srgbClr val="000000"/>
                     </a:solidFill>
@@ -9405,7 +9411,7 @@
               </a:ln>
               <a:extLst>
                 <a:ext uri="{91240B29-F687-4f45-9708-019B960494DF}">
-                  <a14:hiddenLine xmlns:a14="http://schemas.microsoft.com/office/drawing/2010/main" xmlns="" w="9525">
+                  <a14:hiddenLine xmlns="" xmlns:a14="http://schemas.microsoft.com/office/drawing/2010/main" w="9525">
                     <a:solidFill>
                       <a:srgbClr val="000000"/>
                     </a:solidFill>
@@ -9467,7 +9473,7 @@
               </a:ln>
               <a:extLst>
                 <a:ext uri="{91240B29-F687-4f45-9708-019B960494DF}">
-                  <a14:hiddenLine xmlns:a14="http://schemas.microsoft.com/office/drawing/2010/main" xmlns="" w="9525">
+                  <a14:hiddenLine xmlns="" xmlns:a14="http://schemas.microsoft.com/office/drawing/2010/main" w="9525">
                     <a:solidFill>
                       <a:srgbClr val="000000"/>
                     </a:solidFill>
@@ -9529,7 +9535,7 @@
               </a:ln>
               <a:extLst>
                 <a:ext uri="{91240B29-F687-4f45-9708-019B960494DF}">
-                  <a14:hiddenLine xmlns:a14="http://schemas.microsoft.com/office/drawing/2010/main" xmlns="" w="9525">
+                  <a14:hiddenLine xmlns="" xmlns:a14="http://schemas.microsoft.com/office/drawing/2010/main" w="9525">
                     <a:solidFill>
                       <a:srgbClr val="000000"/>
                     </a:solidFill>
@@ -9619,7 +9625,7 @@
               </a:ln>
               <a:extLst>
                 <a:ext uri="{91240B29-F687-4f45-9708-019B960494DF}">
-                  <a14:hiddenLine xmlns:a14="http://schemas.microsoft.com/office/drawing/2010/main" xmlns="" w="9525">
+                  <a14:hiddenLine xmlns="" xmlns:a14="http://schemas.microsoft.com/office/drawing/2010/main" w="9525">
                     <a:solidFill>
                       <a:srgbClr val="000000"/>
                     </a:solidFill>
@@ -9709,7 +9715,7 @@
               </a:ln>
               <a:extLst>
                 <a:ext uri="{91240B29-F687-4f45-9708-019B960494DF}">
-                  <a14:hiddenLine xmlns:a14="http://schemas.microsoft.com/office/drawing/2010/main" xmlns="" w="9525">
+                  <a14:hiddenLine xmlns="" xmlns:a14="http://schemas.microsoft.com/office/drawing/2010/main" w="9525">
                     <a:solidFill>
                       <a:srgbClr val="000000"/>
                     </a:solidFill>
@@ -9771,7 +9777,7 @@
               </a:ln>
               <a:extLst>
                 <a:ext uri="{91240B29-F687-4f45-9708-019B960494DF}">
-                  <a14:hiddenLine xmlns:a14="http://schemas.microsoft.com/office/drawing/2010/main" xmlns="" w="9525">
+                  <a14:hiddenLine xmlns="" xmlns:a14="http://schemas.microsoft.com/office/drawing/2010/main" w="9525">
                     <a:solidFill>
                       <a:srgbClr val="000000"/>
                     </a:solidFill>
@@ -9881,7 +9887,7 @@
               </a:ln>
               <a:extLst>
                 <a:ext uri="{91240B29-F687-4f45-9708-019B960494DF}">
-                  <a14:hiddenLine xmlns:a14="http://schemas.microsoft.com/office/drawing/2010/main" xmlns="" w="9525">
+                  <a14:hiddenLine xmlns="" xmlns:a14="http://schemas.microsoft.com/office/drawing/2010/main" w="9525">
                     <a:solidFill>
                       <a:srgbClr val="000000"/>
                     </a:solidFill>
@@ -9965,7 +9971,7 @@
               </a:ln>
               <a:extLst>
                 <a:ext uri="{91240B29-F687-4f45-9708-019B960494DF}">
-                  <a14:hiddenLine xmlns:a14="http://schemas.microsoft.com/office/drawing/2010/main" xmlns="" w="9525">
+                  <a14:hiddenLine xmlns="" xmlns:a14="http://schemas.microsoft.com/office/drawing/2010/main" w="9525">
                     <a:solidFill>
                       <a:srgbClr val="000000"/>
                     </a:solidFill>
@@ -10027,7 +10033,7 @@
               </a:ln>
               <a:extLst>
                 <a:ext uri="{91240B29-F687-4f45-9708-019B960494DF}">
-                  <a14:hiddenLine xmlns:a14="http://schemas.microsoft.com/office/drawing/2010/main" xmlns="" w="9525">
+                  <a14:hiddenLine xmlns="" xmlns:a14="http://schemas.microsoft.com/office/drawing/2010/main" w="9525">
                     <a:solidFill>
                       <a:srgbClr val="000000"/>
                     </a:solidFill>
@@ -10089,7 +10095,7 @@
               </a:ln>
               <a:extLst>
                 <a:ext uri="{91240B29-F687-4f45-9708-019B960494DF}">
-                  <a14:hiddenLine xmlns:a14="http://schemas.microsoft.com/office/drawing/2010/main" xmlns="" w="9525">
+                  <a14:hiddenLine xmlns="" xmlns:a14="http://schemas.microsoft.com/office/drawing/2010/main" w="9525">
                     <a:solidFill>
                       <a:srgbClr val="000000"/>
                     </a:solidFill>
@@ -10179,7 +10185,7 @@
               </a:ln>
               <a:extLst>
                 <a:ext uri="{91240B29-F687-4f45-9708-019B960494DF}">
-                  <a14:hiddenLine xmlns:a14="http://schemas.microsoft.com/office/drawing/2010/main" xmlns="" w="9525">
+                  <a14:hiddenLine xmlns="" xmlns:a14="http://schemas.microsoft.com/office/drawing/2010/main" w="9525">
                     <a:solidFill>
                       <a:srgbClr val="000000"/>
                     </a:solidFill>
@@ -10213,7 +10219,7 @@
               </a:ln>
               <a:extLst>
                 <a:ext uri="{91240B29-F687-4f45-9708-019B960494DF}">
-                  <a14:hiddenLine xmlns:a14="http://schemas.microsoft.com/office/drawing/2010/main" xmlns="" w="9525">
+                  <a14:hiddenLine xmlns="" xmlns:a14="http://schemas.microsoft.com/office/drawing/2010/main" w="9525">
                     <a:solidFill>
                       <a:srgbClr val="000000"/>
                     </a:solidFill>
@@ -10278,7 +10284,7 @@
               </a:ln>
               <a:extLst>
                 <a:ext uri="{91240B29-F687-4f45-9708-019B960494DF}">
-                  <a14:hiddenLine xmlns:a14="http://schemas.microsoft.com/office/drawing/2010/main" xmlns="" w="9525">
+                  <a14:hiddenLine xmlns="" xmlns:a14="http://schemas.microsoft.com/office/drawing/2010/main" w="9525">
                     <a:solidFill>
                       <a:srgbClr val="000000"/>
                     </a:solidFill>
@@ -10368,7 +10374,7 @@
               </a:ln>
               <a:extLst>
                 <a:ext uri="{91240B29-F687-4f45-9708-019B960494DF}">
-                  <a14:hiddenLine xmlns:a14="http://schemas.microsoft.com/office/drawing/2010/main" xmlns="" w="9525">
+                  <a14:hiddenLine xmlns="" xmlns:a14="http://schemas.microsoft.com/office/drawing/2010/main" w="9525">
                     <a:solidFill>
                       <a:srgbClr val="000000"/>
                     </a:solidFill>
@@ -10430,7 +10436,7 @@
               </a:ln>
               <a:extLst>
                 <a:ext uri="{91240B29-F687-4f45-9708-019B960494DF}">
-                  <a14:hiddenLine xmlns:a14="http://schemas.microsoft.com/office/drawing/2010/main" xmlns="" w="9525">
+                  <a14:hiddenLine xmlns="" xmlns:a14="http://schemas.microsoft.com/office/drawing/2010/main" w="9525">
                     <a:solidFill>
                       <a:srgbClr val="000000"/>
                     </a:solidFill>
@@ -10520,7 +10526,7 @@
               </a:ln>
               <a:extLst>
                 <a:ext uri="{91240B29-F687-4f45-9708-019B960494DF}">
-                  <a14:hiddenLine xmlns:a14="http://schemas.microsoft.com/office/drawing/2010/main" xmlns="" w="9525">
+                  <a14:hiddenLine xmlns="" xmlns:a14="http://schemas.microsoft.com/office/drawing/2010/main" w="9525">
                     <a:solidFill>
                       <a:srgbClr val="000000"/>
                     </a:solidFill>
@@ -10585,7 +10591,7 @@
               </a:ln>
               <a:extLst>
                 <a:ext uri="{91240B29-F687-4f45-9708-019B960494DF}">
-                  <a14:hiddenLine xmlns:a14="http://schemas.microsoft.com/office/drawing/2010/main" xmlns="" w="9525">
+                  <a14:hiddenLine xmlns="" xmlns:a14="http://schemas.microsoft.com/office/drawing/2010/main" w="9525">
                     <a:solidFill>
                       <a:srgbClr val="000000"/>
                     </a:solidFill>
@@ -10647,7 +10653,7 @@
               </a:ln>
               <a:extLst>
                 <a:ext uri="{91240B29-F687-4f45-9708-019B960494DF}">
-                  <a14:hiddenLine xmlns:a14="http://schemas.microsoft.com/office/drawing/2010/main" xmlns="" w="9525">
+                  <a14:hiddenLine xmlns="" xmlns:a14="http://schemas.microsoft.com/office/drawing/2010/main" w="9525">
                     <a:solidFill>
                       <a:srgbClr val="000000"/>
                     </a:solidFill>
@@ -10737,7 +10743,7 @@
               </a:ln>
               <a:extLst>
                 <a:ext uri="{91240B29-F687-4f45-9708-019B960494DF}">
-                  <a14:hiddenLine xmlns:a14="http://schemas.microsoft.com/office/drawing/2010/main" xmlns="" w="9525">
+                  <a14:hiddenLine xmlns="" xmlns:a14="http://schemas.microsoft.com/office/drawing/2010/main" w="9525">
                     <a:solidFill>
                       <a:srgbClr val="000000"/>
                     </a:solidFill>
@@ -10827,7 +10833,7 @@
               </a:ln>
               <a:extLst>
                 <a:ext uri="{91240B29-F687-4f45-9708-019B960494DF}">
-                  <a14:hiddenLine xmlns:a14="http://schemas.microsoft.com/office/drawing/2010/main" xmlns="" w="9525">
+                  <a14:hiddenLine xmlns="" xmlns:a14="http://schemas.microsoft.com/office/drawing/2010/main" w="9525">
                     <a:solidFill>
                       <a:srgbClr val="000000"/>
                     </a:solidFill>
@@ -10892,7 +10898,7 @@
               </a:ln>
               <a:extLst>
                 <a:ext uri="{91240B29-F687-4f45-9708-019B960494DF}">
-                  <a14:hiddenLine xmlns:a14="http://schemas.microsoft.com/office/drawing/2010/main" xmlns="" w="9525">
+                  <a14:hiddenLine xmlns="" xmlns:a14="http://schemas.microsoft.com/office/drawing/2010/main" w="9525">
                     <a:solidFill>
                       <a:srgbClr val="000000"/>
                     </a:solidFill>
@@ -11012,7 +11018,7 @@
               </a:ln>
               <a:extLst>
                 <a:ext uri="{91240B29-F687-4f45-9708-019B960494DF}">
-                  <a14:hiddenLine xmlns:a14="http://schemas.microsoft.com/office/drawing/2010/main" xmlns="" w="9525">
+                  <a14:hiddenLine xmlns="" xmlns:a14="http://schemas.microsoft.com/office/drawing/2010/main" w="9525">
                     <a:solidFill>
                       <a:srgbClr val="000000"/>
                     </a:solidFill>
@@ -11093,7 +11099,7 @@
               </a:ln>
               <a:extLst>
                 <a:ext uri="{91240B29-F687-4f45-9708-019B960494DF}">
-                  <a14:hiddenLine xmlns:a14="http://schemas.microsoft.com/office/drawing/2010/main" xmlns="" w="9525">
+                  <a14:hiddenLine xmlns="" xmlns:a14="http://schemas.microsoft.com/office/drawing/2010/main" w="9525">
                     <a:solidFill>
                       <a:srgbClr val="000000"/>
                     </a:solidFill>
@@ -11208,7 +11214,7 @@
               </a:ln>
               <a:extLst>
                 <a:ext uri="{91240B29-F687-4f45-9708-019B960494DF}">
-                  <a14:hiddenLine xmlns:a14="http://schemas.microsoft.com/office/drawing/2010/main" xmlns="" w="9525">
+                  <a14:hiddenLine xmlns="" xmlns:a14="http://schemas.microsoft.com/office/drawing/2010/main" w="9525">
                     <a:solidFill>
                       <a:srgbClr val="000000"/>
                     </a:solidFill>
@@ -11298,7 +11304,7 @@
               </a:ln>
               <a:extLst>
                 <a:ext uri="{91240B29-F687-4f45-9708-019B960494DF}">
-                  <a14:hiddenLine xmlns:a14="http://schemas.microsoft.com/office/drawing/2010/main" xmlns="" w="9525">
+                  <a14:hiddenLine xmlns="" xmlns:a14="http://schemas.microsoft.com/office/drawing/2010/main" w="9525">
                     <a:solidFill>
                       <a:srgbClr val="000000"/>
                     </a:solidFill>
@@ -11363,7 +11369,7 @@
               </a:ln>
               <a:extLst>
                 <a:ext uri="{91240B29-F687-4f45-9708-019B960494DF}">
-                  <a14:hiddenLine xmlns:a14="http://schemas.microsoft.com/office/drawing/2010/main" xmlns="" w="9525">
+                  <a14:hiddenLine xmlns="" xmlns:a14="http://schemas.microsoft.com/office/drawing/2010/main" w="9525">
                     <a:solidFill>
                       <a:srgbClr val="000000"/>
                     </a:solidFill>
@@ -11453,7 +11459,7 @@
               </a:ln>
               <a:extLst>
                 <a:ext uri="{91240B29-F687-4f45-9708-019B960494DF}">
-                  <a14:hiddenLine xmlns:a14="http://schemas.microsoft.com/office/drawing/2010/main" xmlns="" w="9525">
+                  <a14:hiddenLine xmlns="" xmlns:a14="http://schemas.microsoft.com/office/drawing/2010/main" w="9525">
                     <a:solidFill>
                       <a:srgbClr val="000000"/>
                     </a:solidFill>
@@ -11521,7 +11527,7 @@
               </a:ln>
               <a:extLst>
                 <a:ext uri="{91240B29-F687-4f45-9708-019B960494DF}">
-                  <a14:hiddenLine xmlns:a14="http://schemas.microsoft.com/office/drawing/2010/main" xmlns="" w="9525">
+                  <a14:hiddenLine xmlns="" xmlns:a14="http://schemas.microsoft.com/office/drawing/2010/main" w="9525">
                     <a:solidFill>
                       <a:srgbClr val="000000"/>
                     </a:solidFill>
@@ -11611,7 +11617,7 @@
               </a:ln>
               <a:extLst>
                 <a:ext uri="{91240B29-F687-4f45-9708-019B960494DF}">
-                  <a14:hiddenLine xmlns:a14="http://schemas.microsoft.com/office/drawing/2010/main" xmlns="" w="9525">
+                  <a14:hiddenLine xmlns="" xmlns:a14="http://schemas.microsoft.com/office/drawing/2010/main" w="9525">
                     <a:solidFill>
                       <a:srgbClr val="000000"/>
                     </a:solidFill>
@@ -11679,7 +11685,7 @@
               </a:ln>
               <a:extLst>
                 <a:ext uri="{91240B29-F687-4f45-9708-019B960494DF}">
-                  <a14:hiddenLine xmlns:a14="http://schemas.microsoft.com/office/drawing/2010/main" xmlns="" w="9525">
+                  <a14:hiddenLine xmlns="" xmlns:a14="http://schemas.microsoft.com/office/drawing/2010/main" w="9525">
                     <a:solidFill>
                       <a:srgbClr val="000000"/>
                     </a:solidFill>
@@ -11769,7 +11775,7 @@
               </a:ln>
               <a:extLst>
                 <a:ext uri="{91240B29-F687-4f45-9708-019B960494DF}">
-                  <a14:hiddenLine xmlns:a14="http://schemas.microsoft.com/office/drawing/2010/main" xmlns="" w="9525">
+                  <a14:hiddenLine xmlns="" xmlns:a14="http://schemas.microsoft.com/office/drawing/2010/main" w="9525">
                     <a:solidFill>
                       <a:srgbClr val="000000"/>
                     </a:solidFill>
@@ -11803,7 +11809,7 @@
               </a:ln>
               <a:extLst>
                 <a:ext uri="{91240B29-F687-4f45-9708-019B960494DF}">
-                  <a14:hiddenLine xmlns:a14="http://schemas.microsoft.com/office/drawing/2010/main" xmlns="" w="9525">
+                  <a14:hiddenLine xmlns="" xmlns:a14="http://schemas.microsoft.com/office/drawing/2010/main" w="9525">
                     <a:solidFill>
                       <a:srgbClr val="000000"/>
                     </a:solidFill>
@@ -11944,7 +11950,7 @@
             <a:fld id="{48A87A34-81AB-432B-8DAE-1953F412C126}" type="datetimeFigureOut">
               <a:rPr lang="en-US" dirty="0"/>
               <a:pPr/>
-              <a:t>11/15/2023</a:t>
+              <a:t>11/29/2023</a:t>
             </a:fld>
             <a:endParaRPr lang="en-US" dirty="0"/>
           </a:p>
@@ -12586,456 +12592,6 @@
             <a:spLocks noGrp="1"/>
           </p:cNvSpPr>
           <p:nvPr>
-            <p:ph type="ctrTitle"/>
-          </p:nvPr>
-        </p:nvSpPr>
-        <p:spPr/>
-        <p:txBody>
-          <a:bodyPr/>
-          <a:lstStyle/>
-          <a:p>
-            <a:pPr algn="ctr"/>
-            <a:r>
-              <a:rPr lang="hu-HU" dirty="0" smtClean="0"/>
-              <a:t>Köszönjük a figyelmet</a:t>
-            </a:r>
-            <a:endParaRPr lang="hu-HU" dirty="0"/>
-          </a:p>
-        </p:txBody>
-      </p:sp>
-      <p:sp>
-        <p:nvSpPr>
-          <p:cNvPr id="3" name="Alcím 2"/>
-          <p:cNvSpPr>
-            <a:spLocks noGrp="1"/>
-          </p:cNvSpPr>
-          <p:nvPr>
-            <p:ph type="subTitle" idx="1"/>
-          </p:nvPr>
-        </p:nvSpPr>
-        <p:spPr/>
-        <p:txBody>
-          <a:bodyPr/>
-          <a:lstStyle/>
-          <a:p>
-            <a:r>
-              <a:rPr lang="hu-HU" dirty="0" err="1" smtClean="0"/>
-              <a:t>Sources</a:t>
-            </a:r>
-            <a:endParaRPr lang="hu-HU" dirty="0" smtClean="0"/>
-          </a:p>
-          <a:p>
-            <a:r>
-              <a:rPr lang="hu-HU" dirty="0"/>
-              <a:t>-https://</a:t>
-            </a:r>
-            <a:r>
-              <a:rPr lang="hu-HU" dirty="0" smtClean="0"/>
-              <a:t>trello.com/b/nV2823zs/team-</a:t>
-            </a:r>
-            <a:r>
-              <a:rPr lang="hu-HU" dirty="0" err="1" smtClean="0"/>
-              <a:t>csicska</a:t>
-            </a:r>
-            <a:endParaRPr lang="hu-HU" dirty="0" smtClean="0"/>
-          </a:p>
-          <a:p>
-            <a:r>
-              <a:rPr lang="hu-HU" dirty="0"/>
-              <a:t>-https://github.com/</a:t>
-            </a:r>
-            <a:r>
-              <a:rPr lang="hu-HU" dirty="0" err="1"/>
-              <a:t>sandorrobert</a:t>
-            </a:r>
-            <a:r>
-              <a:rPr lang="hu-HU" dirty="0"/>
-              <a:t>/TEAM_CS</a:t>
-            </a:r>
-          </a:p>
-        </p:txBody>
-      </p:sp>
-    </p:spTree>
-    <p:extLst>
-      <p:ext uri="{BB962C8B-B14F-4D97-AF65-F5344CB8AC3E}">
-        <p14:creationId xmlns:p14="http://schemas.microsoft.com/office/powerpoint/2010/main" val="3556614038"/>
-      </p:ext>
-    </p:extLst>
-  </p:cSld>
-  <p:clrMapOvr>
-    <a:masterClrMapping/>
-  </p:clrMapOvr>
-  <p:timing>
-    <p:tnLst>
-      <p:par>
-        <p:cTn id="1" dur="indefinite" restart="never" nodeType="tmRoot">
-          <p:childTnLst>
-            <p:seq concurrent="1" nextAc="seek">
-              <p:cTn id="2" dur="indefinite" nodeType="mainSeq">
-                <p:childTnLst>
-                  <p:par>
-                    <p:cTn id="3" fill="hold">
-                      <p:stCondLst>
-                        <p:cond delay="indefinite"/>
-                        <p:cond evt="onBegin" delay="0">
-                          <p:tn val="2"/>
-                        </p:cond>
-                      </p:stCondLst>
-                      <p:childTnLst>
-                        <p:par>
-                          <p:cTn id="4" fill="hold">
-                            <p:stCondLst>
-                              <p:cond delay="0"/>
-                            </p:stCondLst>
-                            <p:childTnLst>
-                              <p:par>
-                                <p:cTn id="5" presetID="6" presetClass="entr" presetSubtype="16" fill="hold" grpId="0" nodeType="afterEffect">
-                                  <p:stCondLst>
-                                    <p:cond delay="0"/>
-                                  </p:stCondLst>
-                                  <p:childTnLst>
-                                    <p:set>
-                                      <p:cBhvr>
-                                        <p:cTn id="6" dur="1" fill="hold">
-                                          <p:stCondLst>
-                                            <p:cond delay="0"/>
-                                          </p:stCondLst>
-                                        </p:cTn>
-                                        <p:tgtEl>
-                                          <p:spTgt spid="2"/>
-                                        </p:tgtEl>
-                                        <p:attrNameLst>
-                                          <p:attrName>style.visibility</p:attrName>
-                                        </p:attrNameLst>
-                                      </p:cBhvr>
-                                      <p:to>
-                                        <p:strVal val="visible"/>
-                                      </p:to>
-                                    </p:set>
-                                    <p:animEffect transition="in" filter="circle(in)">
-                                      <p:cBhvr>
-                                        <p:cTn id="7" dur="2000"/>
-                                        <p:tgtEl>
-                                          <p:spTgt spid="2"/>
-                                        </p:tgtEl>
-                                      </p:cBhvr>
-                                    </p:animEffect>
-                                  </p:childTnLst>
-                                </p:cTn>
-                              </p:par>
-                              <p:par>
-                                <p:cTn id="8" presetID="2" presetClass="entr" presetSubtype="8" fill="hold" nodeType="withEffect">
-                                  <p:stCondLst>
-                                    <p:cond delay="0"/>
-                                  </p:stCondLst>
-                                  <p:childTnLst>
-                                    <p:set>
-                                      <p:cBhvr>
-                                        <p:cTn id="9" dur="1" fill="hold">
-                                          <p:stCondLst>
-                                            <p:cond delay="0"/>
-                                          </p:stCondLst>
-                                        </p:cTn>
-                                        <p:tgtEl>
-                                          <p:spTgt spid="3">
-                                            <p:txEl>
-                                              <p:pRg st="0" end="0"/>
-                                            </p:txEl>
-                                          </p:spTgt>
-                                        </p:tgtEl>
-                                        <p:attrNameLst>
-                                          <p:attrName>style.visibility</p:attrName>
-                                        </p:attrNameLst>
-                                      </p:cBhvr>
-                                      <p:to>
-                                        <p:strVal val="visible"/>
-                                      </p:to>
-                                    </p:set>
-                                    <p:anim calcmode="lin" valueType="num">
-                                      <p:cBhvr additive="base">
-                                        <p:cTn id="10" dur="500" fill="hold"/>
-                                        <p:tgtEl>
-                                          <p:spTgt spid="3">
-                                            <p:txEl>
-                                              <p:pRg st="0" end="0"/>
-                                            </p:txEl>
-                                          </p:spTgt>
-                                        </p:tgtEl>
-                                        <p:attrNameLst>
-                                          <p:attrName>ppt_x</p:attrName>
-                                        </p:attrNameLst>
-                                      </p:cBhvr>
-                                      <p:tavLst>
-                                        <p:tav tm="0">
-                                          <p:val>
-                                            <p:strVal val="0-#ppt_w/2"/>
-                                          </p:val>
-                                        </p:tav>
-                                        <p:tav tm="100000">
-                                          <p:val>
-                                            <p:strVal val="#ppt_x"/>
-                                          </p:val>
-                                        </p:tav>
-                                      </p:tavLst>
-                                    </p:anim>
-                                    <p:anim calcmode="lin" valueType="num">
-                                      <p:cBhvr additive="base">
-                                        <p:cTn id="11" dur="500" fill="hold"/>
-                                        <p:tgtEl>
-                                          <p:spTgt spid="3">
-                                            <p:txEl>
-                                              <p:pRg st="0" end="0"/>
-                                            </p:txEl>
-                                          </p:spTgt>
-                                        </p:tgtEl>
-                                        <p:attrNameLst>
-                                          <p:attrName>ppt_y</p:attrName>
-                                        </p:attrNameLst>
-                                      </p:cBhvr>
-                                      <p:tavLst>
-                                        <p:tav tm="0">
-                                          <p:val>
-                                            <p:strVal val="#ppt_y"/>
-                                          </p:val>
-                                        </p:tav>
-                                        <p:tav tm="100000">
-                                          <p:val>
-                                            <p:strVal val="#ppt_y"/>
-                                          </p:val>
-                                        </p:tav>
-                                      </p:tavLst>
-                                    </p:anim>
-                                  </p:childTnLst>
-                                </p:cTn>
-                              </p:par>
-                              <p:par>
-                                <p:cTn id="12" presetID="2" presetClass="entr" presetSubtype="8" fill="hold" nodeType="withEffect">
-                                  <p:stCondLst>
-                                    <p:cond delay="0"/>
-                                  </p:stCondLst>
-                                  <p:childTnLst>
-                                    <p:set>
-                                      <p:cBhvr>
-                                        <p:cTn id="13" dur="1" fill="hold">
-                                          <p:stCondLst>
-                                            <p:cond delay="0"/>
-                                          </p:stCondLst>
-                                        </p:cTn>
-                                        <p:tgtEl>
-                                          <p:spTgt spid="3">
-                                            <p:txEl>
-                                              <p:pRg st="1" end="1"/>
-                                            </p:txEl>
-                                          </p:spTgt>
-                                        </p:tgtEl>
-                                        <p:attrNameLst>
-                                          <p:attrName>style.visibility</p:attrName>
-                                        </p:attrNameLst>
-                                      </p:cBhvr>
-                                      <p:to>
-                                        <p:strVal val="visible"/>
-                                      </p:to>
-                                    </p:set>
-                                    <p:anim calcmode="lin" valueType="num">
-                                      <p:cBhvr additive="base">
-                                        <p:cTn id="14" dur="500" fill="hold"/>
-                                        <p:tgtEl>
-                                          <p:spTgt spid="3">
-                                            <p:txEl>
-                                              <p:pRg st="1" end="1"/>
-                                            </p:txEl>
-                                          </p:spTgt>
-                                        </p:tgtEl>
-                                        <p:attrNameLst>
-                                          <p:attrName>ppt_x</p:attrName>
-                                        </p:attrNameLst>
-                                      </p:cBhvr>
-                                      <p:tavLst>
-                                        <p:tav tm="0">
-                                          <p:val>
-                                            <p:strVal val="0-#ppt_w/2"/>
-                                          </p:val>
-                                        </p:tav>
-                                        <p:tav tm="100000">
-                                          <p:val>
-                                            <p:strVal val="#ppt_x"/>
-                                          </p:val>
-                                        </p:tav>
-                                      </p:tavLst>
-                                    </p:anim>
-                                    <p:anim calcmode="lin" valueType="num">
-                                      <p:cBhvr additive="base">
-                                        <p:cTn id="15" dur="500" fill="hold"/>
-                                        <p:tgtEl>
-                                          <p:spTgt spid="3">
-                                            <p:txEl>
-                                              <p:pRg st="1" end="1"/>
-                                            </p:txEl>
-                                          </p:spTgt>
-                                        </p:tgtEl>
-                                        <p:attrNameLst>
-                                          <p:attrName>ppt_y</p:attrName>
-                                        </p:attrNameLst>
-                                      </p:cBhvr>
-                                      <p:tavLst>
-                                        <p:tav tm="0">
-                                          <p:val>
-                                            <p:strVal val="#ppt_y"/>
-                                          </p:val>
-                                        </p:tav>
-                                        <p:tav tm="100000">
-                                          <p:val>
-                                            <p:strVal val="#ppt_y"/>
-                                          </p:val>
-                                        </p:tav>
-                                      </p:tavLst>
-                                    </p:anim>
-                                  </p:childTnLst>
-                                </p:cTn>
-                              </p:par>
-                              <p:par>
-                                <p:cTn id="16" presetID="2" presetClass="entr" presetSubtype="8" fill="hold" nodeType="withEffect">
-                                  <p:stCondLst>
-                                    <p:cond delay="0"/>
-                                  </p:stCondLst>
-                                  <p:childTnLst>
-                                    <p:set>
-                                      <p:cBhvr>
-                                        <p:cTn id="17" dur="1" fill="hold">
-                                          <p:stCondLst>
-                                            <p:cond delay="0"/>
-                                          </p:stCondLst>
-                                        </p:cTn>
-                                        <p:tgtEl>
-                                          <p:spTgt spid="3">
-                                            <p:txEl>
-                                              <p:pRg st="2" end="2"/>
-                                            </p:txEl>
-                                          </p:spTgt>
-                                        </p:tgtEl>
-                                        <p:attrNameLst>
-                                          <p:attrName>style.visibility</p:attrName>
-                                        </p:attrNameLst>
-                                      </p:cBhvr>
-                                      <p:to>
-                                        <p:strVal val="visible"/>
-                                      </p:to>
-                                    </p:set>
-                                    <p:anim calcmode="lin" valueType="num">
-                                      <p:cBhvr additive="base">
-                                        <p:cTn id="18" dur="500" fill="hold"/>
-                                        <p:tgtEl>
-                                          <p:spTgt spid="3">
-                                            <p:txEl>
-                                              <p:pRg st="2" end="2"/>
-                                            </p:txEl>
-                                          </p:spTgt>
-                                        </p:tgtEl>
-                                        <p:attrNameLst>
-                                          <p:attrName>ppt_x</p:attrName>
-                                        </p:attrNameLst>
-                                      </p:cBhvr>
-                                      <p:tavLst>
-                                        <p:tav tm="0">
-                                          <p:val>
-                                            <p:strVal val="0-#ppt_w/2"/>
-                                          </p:val>
-                                        </p:tav>
-                                        <p:tav tm="100000">
-                                          <p:val>
-                                            <p:strVal val="#ppt_x"/>
-                                          </p:val>
-                                        </p:tav>
-                                      </p:tavLst>
-                                    </p:anim>
-                                    <p:anim calcmode="lin" valueType="num">
-                                      <p:cBhvr additive="base">
-                                        <p:cTn id="19" dur="500" fill="hold"/>
-                                        <p:tgtEl>
-                                          <p:spTgt spid="3">
-                                            <p:txEl>
-                                              <p:pRg st="2" end="2"/>
-                                            </p:txEl>
-                                          </p:spTgt>
-                                        </p:tgtEl>
-                                        <p:attrNameLst>
-                                          <p:attrName>ppt_y</p:attrName>
-                                        </p:attrNameLst>
-                                      </p:cBhvr>
-                                      <p:tavLst>
-                                        <p:tav tm="0">
-                                          <p:val>
-                                            <p:strVal val="#ppt_y"/>
-                                          </p:val>
-                                        </p:tav>
-                                        <p:tav tm="100000">
-                                          <p:val>
-                                            <p:strVal val="#ppt_y"/>
-                                          </p:val>
-                                        </p:tav>
-                                      </p:tavLst>
-                                    </p:anim>
-                                  </p:childTnLst>
-                                </p:cTn>
-                              </p:par>
-                            </p:childTnLst>
-                          </p:cTn>
-                        </p:par>
-                      </p:childTnLst>
-                    </p:cTn>
-                  </p:par>
-                </p:childTnLst>
-              </p:cTn>
-              <p:prevCondLst>
-                <p:cond evt="onPrev" delay="0">
-                  <p:tgtEl>
-                    <p:sldTgt/>
-                  </p:tgtEl>
-                </p:cond>
-              </p:prevCondLst>
-              <p:nextCondLst>
-                <p:cond evt="onNext" delay="0">
-                  <p:tgtEl>
-                    <p:sldTgt/>
-                  </p:tgtEl>
-                </p:cond>
-              </p:nextCondLst>
-            </p:seq>
-          </p:childTnLst>
-        </p:cTn>
-      </p:par>
-    </p:tnLst>
-    <p:bldLst>
-      <p:bldP spid="2" grpId="0"/>
-    </p:bldLst>
-  </p:timing>
-</p:sld>
-</file>
-
-<file path=ppt/slides/slide2.xml><?xml version="1.0" encoding="utf-8"?>
-<p:sld xmlns:a="http://schemas.openxmlformats.org/drawingml/2006/main" xmlns:r="http://schemas.openxmlformats.org/officeDocument/2006/relationships" xmlns:p="http://schemas.openxmlformats.org/presentationml/2006/main">
-  <p:cSld>
-    <p:spTree>
-      <p:nvGrpSpPr>
-        <p:cNvPr id="1" name=""/>
-        <p:cNvGrpSpPr/>
-        <p:nvPr/>
-      </p:nvGrpSpPr>
-      <p:grpSpPr>
-        <a:xfrm>
-          <a:off x="0" y="0"/>
-          <a:ext cx="0" cy="0"/>
-          <a:chOff x="0" y="0"/>
-          <a:chExt cx="0" cy="0"/>
-        </a:xfrm>
-      </p:grpSpPr>
-      <p:sp>
-        <p:nvSpPr>
-          <p:cNvPr id="2" name="Cím 1"/>
-          <p:cNvSpPr>
-            <a:spLocks noGrp="1"/>
-          </p:cNvSpPr>
-          <p:nvPr>
             <p:ph type="title"/>
           </p:nvPr>
         </p:nvSpPr>
@@ -13046,8 +12602,8 @@
           <a:p>
             <a:pPr algn="ctr"/>
             <a:r>
-              <a:rPr lang="hu-HU" dirty="0" smtClean="0"/>
-              <a:t>design</a:t>
+              <a:rPr lang="hu-HU" dirty="0" err="1" smtClean="0"/>
+              <a:t>technologies</a:t>
             </a:r>
             <a:endParaRPr lang="hu-HU" dirty="0"/>
           </a:p>
@@ -13065,2752 +12621,9 @@
         </p:nvSpPr>
         <p:spPr/>
         <p:txBody>
-          <a:bodyPr/>
-          <a:lstStyle/>
-          <a:p>
-            <a:pPr>
-              <a:buFontTx/>
-              <a:buChar char="-"/>
-            </a:pPr>
-            <a:r>
-              <a:rPr lang="hu-HU" dirty="0" err="1" smtClean="0"/>
-              <a:t>All</a:t>
-            </a:r>
-            <a:r>
-              <a:rPr lang="hu-HU" dirty="0" smtClean="0"/>
-              <a:t> in </a:t>
-            </a:r>
-            <a:r>
-              <a:rPr lang="hu-HU" dirty="0" err="1" smtClean="0"/>
-              <a:t>one</a:t>
-            </a:r>
-            <a:r>
-              <a:rPr lang="hu-HU" dirty="0" smtClean="0"/>
-              <a:t>: Minden egy ablakon van rajta.</a:t>
-            </a:r>
-          </a:p>
-          <a:p>
-            <a:pPr>
-              <a:buFontTx/>
-              <a:buChar char="-"/>
-            </a:pPr>
-            <a:r>
-              <a:rPr lang="hu-HU" dirty="0" smtClean="0"/>
-              <a:t>Egyszerű, lényeg a használhatóság.</a:t>
-            </a:r>
-          </a:p>
-          <a:p>
-            <a:pPr marL="0" indent="0">
-              <a:buNone/>
-            </a:pPr>
-            <a:endParaRPr lang="hu-HU" dirty="0" smtClean="0"/>
-          </a:p>
-        </p:txBody>
-      </p:sp>
-      <p:pic>
-        <p:nvPicPr>
-          <p:cNvPr id="4" name="Kép 3"/>
-          <p:cNvPicPr>
-            <a:picLocks noChangeAspect="1"/>
-          </p:cNvPicPr>
-          <p:nvPr/>
-        </p:nvPicPr>
-        <p:blipFill>
-          <a:blip r:embed="rId2"/>
-          <a:stretch>
-            <a:fillRect/>
-          </a:stretch>
-        </p:blipFill>
-        <p:spPr>
-          <a:xfrm>
-            <a:off x="1510689" y="3400611"/>
-            <a:ext cx="4234078" cy="3158513"/>
-          </a:xfrm>
-          <a:prstGeom prst="rect">
-            <a:avLst/>
-          </a:prstGeom>
-        </p:spPr>
-      </p:pic>
-    </p:spTree>
-    <p:extLst>
-      <p:ext uri="{BB962C8B-B14F-4D97-AF65-F5344CB8AC3E}">
-        <p14:creationId xmlns:p14="http://schemas.microsoft.com/office/powerpoint/2010/main" val="1171665109"/>
-      </p:ext>
-    </p:extLst>
-  </p:cSld>
-  <p:clrMapOvr>
-    <a:masterClrMapping/>
-  </p:clrMapOvr>
-  <p:timing>
-    <p:tnLst>
-      <p:par>
-        <p:cTn id="1" dur="indefinite" restart="never" nodeType="tmRoot">
-          <p:childTnLst>
-            <p:seq concurrent="1" nextAc="seek">
-              <p:cTn id="2" dur="indefinite" nodeType="mainSeq">
-                <p:childTnLst>
-                  <p:par>
-                    <p:cTn id="3" fill="hold">
-                      <p:stCondLst>
-                        <p:cond delay="indefinite"/>
-                        <p:cond evt="onBegin" delay="0">
-                          <p:tn val="2"/>
-                        </p:cond>
-                      </p:stCondLst>
-                      <p:childTnLst>
-                        <p:par>
-                          <p:cTn id="4" fill="hold">
-                            <p:stCondLst>
-                              <p:cond delay="0"/>
-                            </p:stCondLst>
-                            <p:childTnLst>
-                              <p:par>
-                                <p:cTn id="5" presetID="6" presetClass="entr" presetSubtype="16" fill="hold" grpId="0" nodeType="afterEffect">
-                                  <p:stCondLst>
-                                    <p:cond delay="0"/>
-                                  </p:stCondLst>
-                                  <p:childTnLst>
-                                    <p:set>
-                                      <p:cBhvr>
-                                        <p:cTn id="6" dur="1" fill="hold">
-                                          <p:stCondLst>
-                                            <p:cond delay="0"/>
-                                          </p:stCondLst>
-                                        </p:cTn>
-                                        <p:tgtEl>
-                                          <p:spTgt spid="2"/>
-                                        </p:tgtEl>
-                                        <p:attrNameLst>
-                                          <p:attrName>style.visibility</p:attrName>
-                                        </p:attrNameLst>
-                                      </p:cBhvr>
-                                      <p:to>
-                                        <p:strVal val="visible"/>
-                                      </p:to>
-                                    </p:set>
-                                    <p:animEffect transition="in" filter="circle(in)">
-                                      <p:cBhvr>
-                                        <p:cTn id="7" dur="2000"/>
-                                        <p:tgtEl>
-                                          <p:spTgt spid="2"/>
-                                        </p:tgtEl>
-                                      </p:cBhvr>
-                                    </p:animEffect>
-                                  </p:childTnLst>
-                                </p:cTn>
-                              </p:par>
-                            </p:childTnLst>
-                          </p:cTn>
-                        </p:par>
-                      </p:childTnLst>
-                    </p:cTn>
-                  </p:par>
-                  <p:par>
-                    <p:cTn id="8" fill="hold">
-                      <p:stCondLst>
-                        <p:cond delay="indefinite"/>
-                      </p:stCondLst>
-                      <p:childTnLst>
-                        <p:par>
-                          <p:cTn id="9" fill="hold">
-                            <p:stCondLst>
-                              <p:cond delay="0"/>
-                            </p:stCondLst>
-                            <p:childTnLst>
-                              <p:par>
-                                <p:cTn id="10" presetID="16" presetClass="entr" presetSubtype="21" fill="hold" nodeType="clickEffect">
-                                  <p:stCondLst>
-                                    <p:cond delay="0"/>
-                                  </p:stCondLst>
-                                  <p:childTnLst>
-                                    <p:set>
-                                      <p:cBhvr>
-                                        <p:cTn id="11" dur="1" fill="hold">
-                                          <p:stCondLst>
-                                            <p:cond delay="0"/>
-                                          </p:stCondLst>
-                                        </p:cTn>
-                                        <p:tgtEl>
-                                          <p:spTgt spid="3">
-                                            <p:txEl>
-                                              <p:pRg st="0" end="0"/>
-                                            </p:txEl>
-                                          </p:spTgt>
-                                        </p:tgtEl>
-                                        <p:attrNameLst>
-                                          <p:attrName>style.visibility</p:attrName>
-                                        </p:attrNameLst>
-                                      </p:cBhvr>
-                                      <p:to>
-                                        <p:strVal val="visible"/>
-                                      </p:to>
-                                    </p:set>
-                                    <p:animEffect transition="in" filter="barn(inVertical)">
-                                      <p:cBhvr>
-                                        <p:cTn id="12" dur="500"/>
-                                        <p:tgtEl>
-                                          <p:spTgt spid="3">
-                                            <p:txEl>
-                                              <p:pRg st="0" end="0"/>
-                                            </p:txEl>
-                                          </p:spTgt>
-                                        </p:tgtEl>
-                                      </p:cBhvr>
-                                    </p:animEffect>
-                                  </p:childTnLst>
-                                </p:cTn>
-                              </p:par>
-                            </p:childTnLst>
-                          </p:cTn>
-                        </p:par>
-                      </p:childTnLst>
-                    </p:cTn>
-                  </p:par>
-                  <p:par>
-                    <p:cTn id="13" fill="hold">
-                      <p:stCondLst>
-                        <p:cond delay="indefinite"/>
-                      </p:stCondLst>
-                      <p:childTnLst>
-                        <p:par>
-                          <p:cTn id="14" fill="hold">
-                            <p:stCondLst>
-                              <p:cond delay="0"/>
-                            </p:stCondLst>
-                            <p:childTnLst>
-                              <p:par>
-                                <p:cTn id="15" presetID="16" presetClass="entr" presetSubtype="21" fill="hold" nodeType="clickEffect">
-                                  <p:stCondLst>
-                                    <p:cond delay="0"/>
-                                  </p:stCondLst>
-                                  <p:childTnLst>
-                                    <p:set>
-                                      <p:cBhvr>
-                                        <p:cTn id="16" dur="1" fill="hold">
-                                          <p:stCondLst>
-                                            <p:cond delay="0"/>
-                                          </p:stCondLst>
-                                        </p:cTn>
-                                        <p:tgtEl>
-                                          <p:spTgt spid="3">
-                                            <p:txEl>
-                                              <p:pRg st="1" end="1"/>
-                                            </p:txEl>
-                                          </p:spTgt>
-                                        </p:tgtEl>
-                                        <p:attrNameLst>
-                                          <p:attrName>style.visibility</p:attrName>
-                                        </p:attrNameLst>
-                                      </p:cBhvr>
-                                      <p:to>
-                                        <p:strVal val="visible"/>
-                                      </p:to>
-                                    </p:set>
-                                    <p:animEffect transition="in" filter="barn(inVertical)">
-                                      <p:cBhvr>
-                                        <p:cTn id="17" dur="500"/>
-                                        <p:tgtEl>
-                                          <p:spTgt spid="3">
-                                            <p:txEl>
-                                              <p:pRg st="1" end="1"/>
-                                            </p:txEl>
-                                          </p:spTgt>
-                                        </p:tgtEl>
-                                      </p:cBhvr>
-                                    </p:animEffect>
-                                  </p:childTnLst>
-                                </p:cTn>
-                              </p:par>
-                            </p:childTnLst>
-                          </p:cTn>
-                        </p:par>
-                      </p:childTnLst>
-                    </p:cTn>
-                  </p:par>
-                  <p:par>
-                    <p:cTn id="18" fill="hold">
-                      <p:stCondLst>
-                        <p:cond delay="indefinite"/>
-                      </p:stCondLst>
-                      <p:childTnLst>
-                        <p:par>
-                          <p:cTn id="19" fill="hold">
-                            <p:stCondLst>
-                              <p:cond delay="0"/>
-                            </p:stCondLst>
-                            <p:childTnLst>
-                              <p:par>
-                                <p:cTn id="20" presetID="2" presetClass="entr" presetSubtype="4" fill="hold" nodeType="clickEffect">
-                                  <p:stCondLst>
-                                    <p:cond delay="0"/>
-                                  </p:stCondLst>
-                                  <p:childTnLst>
-                                    <p:set>
-                                      <p:cBhvr>
-                                        <p:cTn id="21" dur="1" fill="hold">
-                                          <p:stCondLst>
-                                            <p:cond delay="0"/>
-                                          </p:stCondLst>
-                                        </p:cTn>
-                                        <p:tgtEl>
-                                          <p:spTgt spid="4"/>
-                                        </p:tgtEl>
-                                        <p:attrNameLst>
-                                          <p:attrName>style.visibility</p:attrName>
-                                        </p:attrNameLst>
-                                      </p:cBhvr>
-                                      <p:to>
-                                        <p:strVal val="visible"/>
-                                      </p:to>
-                                    </p:set>
-                                    <p:anim calcmode="lin" valueType="num">
-                                      <p:cBhvr additive="base">
-                                        <p:cTn id="22" dur="500" fill="hold"/>
-                                        <p:tgtEl>
-                                          <p:spTgt spid="4"/>
-                                        </p:tgtEl>
-                                        <p:attrNameLst>
-                                          <p:attrName>ppt_x</p:attrName>
-                                        </p:attrNameLst>
-                                      </p:cBhvr>
-                                      <p:tavLst>
-                                        <p:tav tm="0">
-                                          <p:val>
-                                            <p:strVal val="#ppt_x"/>
-                                          </p:val>
-                                        </p:tav>
-                                        <p:tav tm="100000">
-                                          <p:val>
-                                            <p:strVal val="#ppt_x"/>
-                                          </p:val>
-                                        </p:tav>
-                                      </p:tavLst>
-                                    </p:anim>
-                                    <p:anim calcmode="lin" valueType="num">
-                                      <p:cBhvr additive="base">
-                                        <p:cTn id="23" dur="500" fill="hold"/>
-                                        <p:tgtEl>
-                                          <p:spTgt spid="4"/>
-                                        </p:tgtEl>
-                                        <p:attrNameLst>
-                                          <p:attrName>ppt_y</p:attrName>
-                                        </p:attrNameLst>
-                                      </p:cBhvr>
-                                      <p:tavLst>
-                                        <p:tav tm="0">
-                                          <p:val>
-                                            <p:strVal val="1+#ppt_h/2"/>
-                                          </p:val>
-                                        </p:tav>
-                                        <p:tav tm="100000">
-                                          <p:val>
-                                            <p:strVal val="#ppt_y"/>
-                                          </p:val>
-                                        </p:tav>
-                                      </p:tavLst>
-                                    </p:anim>
-                                  </p:childTnLst>
-                                </p:cTn>
-                              </p:par>
-                            </p:childTnLst>
-                          </p:cTn>
-                        </p:par>
-                      </p:childTnLst>
-                    </p:cTn>
-                  </p:par>
-                </p:childTnLst>
-              </p:cTn>
-              <p:prevCondLst>
-                <p:cond evt="onPrev" delay="0">
-                  <p:tgtEl>
-                    <p:sldTgt/>
-                  </p:tgtEl>
-                </p:cond>
-              </p:prevCondLst>
-              <p:nextCondLst>
-                <p:cond evt="onNext" delay="0">
-                  <p:tgtEl>
-                    <p:sldTgt/>
-                  </p:tgtEl>
-                </p:cond>
-              </p:nextCondLst>
-            </p:seq>
-          </p:childTnLst>
-        </p:cTn>
-      </p:par>
-    </p:tnLst>
-    <p:bldLst>
-      <p:bldP spid="2" grpId="0"/>
-    </p:bldLst>
-  </p:timing>
-</p:sld>
-</file>
-
-<file path=ppt/slides/slide3.xml><?xml version="1.0" encoding="utf-8"?>
-<p:sld xmlns:a="http://schemas.openxmlformats.org/drawingml/2006/main" xmlns:r="http://schemas.openxmlformats.org/officeDocument/2006/relationships" xmlns:p="http://schemas.openxmlformats.org/presentationml/2006/main">
-  <p:cSld>
-    <p:spTree>
-      <p:nvGrpSpPr>
-        <p:cNvPr id="1" name=""/>
-        <p:cNvGrpSpPr/>
-        <p:nvPr/>
-      </p:nvGrpSpPr>
-      <p:grpSpPr>
-        <a:xfrm>
-          <a:off x="0" y="0"/>
-          <a:ext cx="0" cy="0"/>
-          <a:chOff x="0" y="0"/>
-          <a:chExt cx="0" cy="0"/>
-        </a:xfrm>
-      </p:grpSpPr>
-      <p:sp>
-        <p:nvSpPr>
-          <p:cNvPr id="2" name="Cím 1"/>
-          <p:cNvSpPr>
-            <a:spLocks noGrp="1"/>
-          </p:cNvSpPr>
-          <p:nvPr>
-            <p:ph type="title"/>
-          </p:nvPr>
-        </p:nvSpPr>
-        <p:spPr/>
-        <p:txBody>
-          <a:bodyPr/>
-          <a:lstStyle/>
-          <a:p>
-            <a:pPr algn="ctr"/>
-            <a:r>
-              <a:rPr lang="hu-HU" dirty="0" smtClean="0"/>
-              <a:t>List of </a:t>
-            </a:r>
-            <a:r>
-              <a:rPr lang="hu-HU" dirty="0" err="1" smtClean="0"/>
-              <a:t>games</a:t>
-            </a:r>
-            <a:endParaRPr lang="hu-HU" dirty="0"/>
-          </a:p>
-        </p:txBody>
-      </p:sp>
-      <p:sp>
-        <p:nvSpPr>
-          <p:cNvPr id="3" name="Tartalom helye 2"/>
-          <p:cNvSpPr>
-            <a:spLocks noGrp="1"/>
-          </p:cNvSpPr>
-          <p:nvPr>
-            <p:ph idx="1"/>
-          </p:nvPr>
-        </p:nvSpPr>
-        <p:spPr/>
-        <p:txBody>
-          <a:bodyPr/>
-          <a:lstStyle/>
-          <a:p>
-            <a:pPr marL="0" indent="0">
-              <a:buNone/>
-            </a:pPr>
-            <a:endParaRPr lang="hu-HU" dirty="0"/>
-          </a:p>
-        </p:txBody>
-      </p:sp>
-      <p:pic>
-        <p:nvPicPr>
-          <p:cNvPr id="4" name="Kép 3"/>
-          <p:cNvPicPr>
-            <a:picLocks noChangeAspect="1"/>
-          </p:cNvPicPr>
-          <p:nvPr/>
-        </p:nvPicPr>
-        <p:blipFill>
-          <a:blip r:embed="rId2"/>
-          <a:stretch>
-            <a:fillRect/>
-          </a:stretch>
-        </p:blipFill>
-        <p:spPr>
-          <a:xfrm>
-            <a:off x="2794665" y="2513255"/>
-            <a:ext cx="6599492" cy="2865368"/>
-          </a:xfrm>
-          <a:prstGeom prst="rect">
-            <a:avLst/>
-          </a:prstGeom>
-        </p:spPr>
-      </p:pic>
-    </p:spTree>
-    <p:extLst>
-      <p:ext uri="{BB962C8B-B14F-4D97-AF65-F5344CB8AC3E}">
-        <p14:creationId xmlns:p14="http://schemas.microsoft.com/office/powerpoint/2010/main" val="1108815225"/>
-      </p:ext>
-    </p:extLst>
-  </p:cSld>
-  <p:clrMapOvr>
-    <a:masterClrMapping/>
-  </p:clrMapOvr>
-  <p:timing>
-    <p:tnLst>
-      <p:par>
-        <p:cTn id="1" dur="indefinite" restart="never" nodeType="tmRoot">
-          <p:childTnLst>
-            <p:seq concurrent="1" nextAc="seek">
-              <p:cTn id="2" dur="indefinite" nodeType="mainSeq">
-                <p:childTnLst>
-                  <p:par>
-                    <p:cTn id="3" fill="hold">
-                      <p:stCondLst>
-                        <p:cond delay="indefinite"/>
-                        <p:cond evt="onBegin" delay="0">
-                          <p:tn val="2"/>
-                        </p:cond>
-                      </p:stCondLst>
-                      <p:childTnLst>
-                        <p:par>
-                          <p:cTn id="4" fill="hold">
-                            <p:stCondLst>
-                              <p:cond delay="0"/>
-                            </p:stCondLst>
-                            <p:childTnLst>
-                              <p:par>
-                                <p:cTn id="5" presetID="6" presetClass="entr" presetSubtype="16" fill="hold" grpId="0" nodeType="afterEffect">
-                                  <p:stCondLst>
-                                    <p:cond delay="0"/>
-                                  </p:stCondLst>
-                                  <p:childTnLst>
-                                    <p:set>
-                                      <p:cBhvr>
-                                        <p:cTn id="6" dur="1" fill="hold">
-                                          <p:stCondLst>
-                                            <p:cond delay="0"/>
-                                          </p:stCondLst>
-                                        </p:cTn>
-                                        <p:tgtEl>
-                                          <p:spTgt spid="2"/>
-                                        </p:tgtEl>
-                                        <p:attrNameLst>
-                                          <p:attrName>style.visibility</p:attrName>
-                                        </p:attrNameLst>
-                                      </p:cBhvr>
-                                      <p:to>
-                                        <p:strVal val="visible"/>
-                                      </p:to>
-                                    </p:set>
-                                    <p:animEffect transition="in" filter="circle(in)">
-                                      <p:cBhvr>
-                                        <p:cTn id="7" dur="2000"/>
-                                        <p:tgtEl>
-                                          <p:spTgt spid="2"/>
-                                        </p:tgtEl>
-                                      </p:cBhvr>
-                                    </p:animEffect>
-                                  </p:childTnLst>
-                                </p:cTn>
-                              </p:par>
-                            </p:childTnLst>
-                          </p:cTn>
-                        </p:par>
-                      </p:childTnLst>
-                    </p:cTn>
-                  </p:par>
-                  <p:par>
-                    <p:cTn id="8" fill="hold">
-                      <p:stCondLst>
-                        <p:cond delay="indefinite"/>
-                      </p:stCondLst>
-                      <p:childTnLst>
-                        <p:par>
-                          <p:cTn id="9" fill="hold">
-                            <p:stCondLst>
-                              <p:cond delay="0"/>
-                            </p:stCondLst>
-                            <p:childTnLst>
-                              <p:par>
-                                <p:cTn id="10" presetID="2" presetClass="entr" presetSubtype="4" fill="hold" nodeType="clickEffect">
-                                  <p:stCondLst>
-                                    <p:cond delay="0"/>
-                                  </p:stCondLst>
-                                  <p:childTnLst>
-                                    <p:set>
-                                      <p:cBhvr>
-                                        <p:cTn id="11" dur="1" fill="hold">
-                                          <p:stCondLst>
-                                            <p:cond delay="0"/>
-                                          </p:stCondLst>
-                                        </p:cTn>
-                                        <p:tgtEl>
-                                          <p:spTgt spid="4"/>
-                                        </p:tgtEl>
-                                        <p:attrNameLst>
-                                          <p:attrName>style.visibility</p:attrName>
-                                        </p:attrNameLst>
-                                      </p:cBhvr>
-                                      <p:to>
-                                        <p:strVal val="visible"/>
-                                      </p:to>
-                                    </p:set>
-                                    <p:anim calcmode="lin" valueType="num">
-                                      <p:cBhvr additive="base">
-                                        <p:cTn id="12" dur="500" fill="hold"/>
-                                        <p:tgtEl>
-                                          <p:spTgt spid="4"/>
-                                        </p:tgtEl>
-                                        <p:attrNameLst>
-                                          <p:attrName>ppt_x</p:attrName>
-                                        </p:attrNameLst>
-                                      </p:cBhvr>
-                                      <p:tavLst>
-                                        <p:tav tm="0">
-                                          <p:val>
-                                            <p:strVal val="#ppt_x"/>
-                                          </p:val>
-                                        </p:tav>
-                                        <p:tav tm="100000">
-                                          <p:val>
-                                            <p:strVal val="#ppt_x"/>
-                                          </p:val>
-                                        </p:tav>
-                                      </p:tavLst>
-                                    </p:anim>
-                                    <p:anim calcmode="lin" valueType="num">
-                                      <p:cBhvr additive="base">
-                                        <p:cTn id="13" dur="500" fill="hold"/>
-                                        <p:tgtEl>
-                                          <p:spTgt spid="4"/>
-                                        </p:tgtEl>
-                                        <p:attrNameLst>
-                                          <p:attrName>ppt_y</p:attrName>
-                                        </p:attrNameLst>
-                                      </p:cBhvr>
-                                      <p:tavLst>
-                                        <p:tav tm="0">
-                                          <p:val>
-                                            <p:strVal val="1+#ppt_h/2"/>
-                                          </p:val>
-                                        </p:tav>
-                                        <p:tav tm="100000">
-                                          <p:val>
-                                            <p:strVal val="#ppt_y"/>
-                                          </p:val>
-                                        </p:tav>
-                                      </p:tavLst>
-                                    </p:anim>
-                                  </p:childTnLst>
-                                </p:cTn>
-                              </p:par>
-                            </p:childTnLst>
-                          </p:cTn>
-                        </p:par>
-                      </p:childTnLst>
-                    </p:cTn>
-                  </p:par>
-                </p:childTnLst>
-              </p:cTn>
-              <p:prevCondLst>
-                <p:cond evt="onPrev" delay="0">
-                  <p:tgtEl>
-                    <p:sldTgt/>
-                  </p:tgtEl>
-                </p:cond>
-              </p:prevCondLst>
-              <p:nextCondLst>
-                <p:cond evt="onNext" delay="0">
-                  <p:tgtEl>
-                    <p:sldTgt/>
-                  </p:tgtEl>
-                </p:cond>
-              </p:nextCondLst>
-            </p:seq>
-          </p:childTnLst>
-        </p:cTn>
-      </p:par>
-    </p:tnLst>
-    <p:bldLst>
-      <p:bldP spid="2" grpId="0"/>
-    </p:bldLst>
-  </p:timing>
-</p:sld>
-</file>
-
-<file path=ppt/slides/slide4.xml><?xml version="1.0" encoding="utf-8"?>
-<p:sld xmlns:a="http://schemas.openxmlformats.org/drawingml/2006/main" xmlns:r="http://schemas.openxmlformats.org/officeDocument/2006/relationships" xmlns:p="http://schemas.openxmlformats.org/presentationml/2006/main">
-  <p:cSld>
-    <p:spTree>
-      <p:nvGrpSpPr>
-        <p:cNvPr id="1" name=""/>
-        <p:cNvGrpSpPr/>
-        <p:nvPr/>
-      </p:nvGrpSpPr>
-      <p:grpSpPr>
-        <a:xfrm>
-          <a:off x="0" y="0"/>
-          <a:ext cx="0" cy="0"/>
-          <a:chOff x="0" y="0"/>
-          <a:chExt cx="0" cy="0"/>
-        </a:xfrm>
-      </p:grpSpPr>
-      <p:sp>
-        <p:nvSpPr>
-          <p:cNvPr id="2" name="Cím 1"/>
-          <p:cNvSpPr>
-            <a:spLocks noGrp="1"/>
-          </p:cNvSpPr>
-          <p:nvPr>
-            <p:ph type="title"/>
-          </p:nvPr>
-        </p:nvSpPr>
-        <p:spPr/>
-        <p:txBody>
-          <a:bodyPr/>
-          <a:lstStyle/>
-          <a:p>
-            <a:pPr algn="ctr"/>
-            <a:r>
-              <a:rPr lang="hu-HU" dirty="0" smtClean="0"/>
-              <a:t>List of </a:t>
-            </a:r>
-            <a:r>
-              <a:rPr lang="hu-HU" dirty="0" err="1" smtClean="0"/>
-              <a:t>rentals</a:t>
-            </a:r>
-            <a:endParaRPr lang="hu-HU" dirty="0"/>
-          </a:p>
-        </p:txBody>
-      </p:sp>
-      <p:pic>
-        <p:nvPicPr>
-          <p:cNvPr id="4" name="Tartalom helye 3"/>
-          <p:cNvPicPr>
-            <a:picLocks noGrp="1" noChangeAspect="1"/>
-          </p:cNvPicPr>
-          <p:nvPr>
-            <p:ph idx="1"/>
-          </p:nvPr>
-        </p:nvPicPr>
-        <p:blipFill>
-          <a:blip r:embed="rId2"/>
-          <a:stretch>
-            <a:fillRect/>
-          </a:stretch>
-        </p:blipFill>
-        <p:spPr>
-          <a:xfrm>
-            <a:off x="2783236" y="2606711"/>
-            <a:ext cx="6622354" cy="2827265"/>
-          </a:xfrm>
-          <a:prstGeom prst="rect">
-            <a:avLst/>
-          </a:prstGeom>
-        </p:spPr>
-      </p:pic>
-    </p:spTree>
-    <p:extLst>
-      <p:ext uri="{BB962C8B-B14F-4D97-AF65-F5344CB8AC3E}">
-        <p14:creationId xmlns:p14="http://schemas.microsoft.com/office/powerpoint/2010/main" val="2715239425"/>
-      </p:ext>
-    </p:extLst>
-  </p:cSld>
-  <p:clrMapOvr>
-    <a:masterClrMapping/>
-  </p:clrMapOvr>
-  <p:timing>
-    <p:tnLst>
-      <p:par>
-        <p:cTn id="1" dur="indefinite" restart="never" nodeType="tmRoot">
-          <p:childTnLst>
-            <p:seq concurrent="1" nextAc="seek">
-              <p:cTn id="2" dur="indefinite" nodeType="mainSeq">
-                <p:childTnLst>
-                  <p:par>
-                    <p:cTn id="3" fill="hold">
-                      <p:stCondLst>
-                        <p:cond delay="indefinite"/>
-                        <p:cond evt="onBegin" delay="0">
-                          <p:tn val="2"/>
-                        </p:cond>
-                      </p:stCondLst>
-                      <p:childTnLst>
-                        <p:par>
-                          <p:cTn id="4" fill="hold">
-                            <p:stCondLst>
-                              <p:cond delay="0"/>
-                            </p:stCondLst>
-                            <p:childTnLst>
-                              <p:par>
-                                <p:cTn id="5" presetID="6" presetClass="entr" presetSubtype="16" fill="hold" grpId="0" nodeType="afterEffect">
-                                  <p:stCondLst>
-                                    <p:cond delay="0"/>
-                                  </p:stCondLst>
-                                  <p:childTnLst>
-                                    <p:set>
-                                      <p:cBhvr>
-                                        <p:cTn id="6" dur="1" fill="hold">
-                                          <p:stCondLst>
-                                            <p:cond delay="0"/>
-                                          </p:stCondLst>
-                                        </p:cTn>
-                                        <p:tgtEl>
-                                          <p:spTgt spid="2"/>
-                                        </p:tgtEl>
-                                        <p:attrNameLst>
-                                          <p:attrName>style.visibility</p:attrName>
-                                        </p:attrNameLst>
-                                      </p:cBhvr>
-                                      <p:to>
-                                        <p:strVal val="visible"/>
-                                      </p:to>
-                                    </p:set>
-                                    <p:animEffect transition="in" filter="circle(in)">
-                                      <p:cBhvr>
-                                        <p:cTn id="7" dur="2000"/>
-                                        <p:tgtEl>
-                                          <p:spTgt spid="2"/>
-                                        </p:tgtEl>
-                                      </p:cBhvr>
-                                    </p:animEffect>
-                                  </p:childTnLst>
-                                </p:cTn>
-                              </p:par>
-                            </p:childTnLst>
-                          </p:cTn>
-                        </p:par>
-                      </p:childTnLst>
-                    </p:cTn>
-                  </p:par>
-                  <p:par>
-                    <p:cTn id="8" fill="hold">
-                      <p:stCondLst>
-                        <p:cond delay="indefinite"/>
-                      </p:stCondLst>
-                      <p:childTnLst>
-                        <p:par>
-                          <p:cTn id="9" fill="hold">
-                            <p:stCondLst>
-                              <p:cond delay="0"/>
-                            </p:stCondLst>
-                            <p:childTnLst>
-                              <p:par>
-                                <p:cTn id="10" presetID="2" presetClass="entr" presetSubtype="4" fill="hold" nodeType="clickEffect">
-                                  <p:stCondLst>
-                                    <p:cond delay="0"/>
-                                  </p:stCondLst>
-                                  <p:childTnLst>
-                                    <p:set>
-                                      <p:cBhvr>
-                                        <p:cTn id="11" dur="1" fill="hold">
-                                          <p:stCondLst>
-                                            <p:cond delay="0"/>
-                                          </p:stCondLst>
-                                        </p:cTn>
-                                        <p:tgtEl>
-                                          <p:spTgt spid="4"/>
-                                        </p:tgtEl>
-                                        <p:attrNameLst>
-                                          <p:attrName>style.visibility</p:attrName>
-                                        </p:attrNameLst>
-                                      </p:cBhvr>
-                                      <p:to>
-                                        <p:strVal val="visible"/>
-                                      </p:to>
-                                    </p:set>
-                                    <p:anim calcmode="lin" valueType="num">
-                                      <p:cBhvr additive="base">
-                                        <p:cTn id="12" dur="500" fill="hold"/>
-                                        <p:tgtEl>
-                                          <p:spTgt spid="4"/>
-                                        </p:tgtEl>
-                                        <p:attrNameLst>
-                                          <p:attrName>ppt_x</p:attrName>
-                                        </p:attrNameLst>
-                                      </p:cBhvr>
-                                      <p:tavLst>
-                                        <p:tav tm="0">
-                                          <p:val>
-                                            <p:strVal val="#ppt_x"/>
-                                          </p:val>
-                                        </p:tav>
-                                        <p:tav tm="100000">
-                                          <p:val>
-                                            <p:strVal val="#ppt_x"/>
-                                          </p:val>
-                                        </p:tav>
-                                      </p:tavLst>
-                                    </p:anim>
-                                    <p:anim calcmode="lin" valueType="num">
-                                      <p:cBhvr additive="base">
-                                        <p:cTn id="13" dur="500" fill="hold"/>
-                                        <p:tgtEl>
-                                          <p:spTgt spid="4"/>
-                                        </p:tgtEl>
-                                        <p:attrNameLst>
-                                          <p:attrName>ppt_y</p:attrName>
-                                        </p:attrNameLst>
-                                      </p:cBhvr>
-                                      <p:tavLst>
-                                        <p:tav tm="0">
-                                          <p:val>
-                                            <p:strVal val="1+#ppt_h/2"/>
-                                          </p:val>
-                                        </p:tav>
-                                        <p:tav tm="100000">
-                                          <p:val>
-                                            <p:strVal val="#ppt_y"/>
-                                          </p:val>
-                                        </p:tav>
-                                      </p:tavLst>
-                                    </p:anim>
-                                  </p:childTnLst>
-                                </p:cTn>
-                              </p:par>
-                            </p:childTnLst>
-                          </p:cTn>
-                        </p:par>
-                      </p:childTnLst>
-                    </p:cTn>
-                  </p:par>
-                </p:childTnLst>
-              </p:cTn>
-              <p:prevCondLst>
-                <p:cond evt="onPrev" delay="0">
-                  <p:tgtEl>
-                    <p:sldTgt/>
-                  </p:tgtEl>
-                </p:cond>
-              </p:prevCondLst>
-              <p:nextCondLst>
-                <p:cond evt="onNext" delay="0">
-                  <p:tgtEl>
-                    <p:sldTgt/>
-                  </p:tgtEl>
-                </p:cond>
-              </p:nextCondLst>
-            </p:seq>
-          </p:childTnLst>
-        </p:cTn>
-      </p:par>
-    </p:tnLst>
-    <p:bldLst>
-      <p:bldP spid="2" grpId="0"/>
-    </p:bldLst>
-  </p:timing>
-</p:sld>
-</file>
-
-<file path=ppt/slides/slide5.xml><?xml version="1.0" encoding="utf-8"?>
-<p:sld xmlns:a="http://schemas.openxmlformats.org/drawingml/2006/main" xmlns:r="http://schemas.openxmlformats.org/officeDocument/2006/relationships" xmlns:p="http://schemas.openxmlformats.org/presentationml/2006/main">
-  <p:cSld>
-    <p:spTree>
-      <p:nvGrpSpPr>
-        <p:cNvPr id="1" name=""/>
-        <p:cNvGrpSpPr/>
-        <p:nvPr/>
-      </p:nvGrpSpPr>
-      <p:grpSpPr>
-        <a:xfrm>
-          <a:off x="0" y="0"/>
-          <a:ext cx="0" cy="0"/>
-          <a:chOff x="0" y="0"/>
-          <a:chExt cx="0" cy="0"/>
-        </a:xfrm>
-      </p:grpSpPr>
-      <p:sp>
-        <p:nvSpPr>
-          <p:cNvPr id="2" name="Cím 1"/>
-          <p:cNvSpPr>
-            <a:spLocks noGrp="1"/>
-          </p:cNvSpPr>
-          <p:nvPr>
-            <p:ph type="title"/>
-          </p:nvPr>
-        </p:nvSpPr>
-        <p:spPr/>
-        <p:txBody>
-          <a:bodyPr/>
-          <a:lstStyle/>
-          <a:p>
-            <a:pPr algn="ctr"/>
-            <a:r>
-              <a:rPr lang="hu-HU" dirty="0" err="1" smtClean="0"/>
-              <a:t>features</a:t>
-            </a:r>
-            <a:endParaRPr lang="hu-HU" dirty="0"/>
-          </a:p>
-        </p:txBody>
-      </p:sp>
-      <p:pic>
-        <p:nvPicPr>
-          <p:cNvPr id="4" name="Tartalom helye 3"/>
-          <p:cNvPicPr>
-            <a:picLocks noGrp="1" noChangeAspect="1"/>
-          </p:cNvPicPr>
-          <p:nvPr>
-            <p:ph idx="1"/>
-          </p:nvPr>
-        </p:nvPicPr>
-        <p:blipFill>
-          <a:blip r:embed="rId2"/>
-          <a:stretch>
-            <a:fillRect/>
-          </a:stretch>
-        </p:blipFill>
-        <p:spPr>
-          <a:xfrm>
-            <a:off x="6628203" y="2592062"/>
-            <a:ext cx="4541914" cy="2751058"/>
-          </a:xfrm>
-          <a:prstGeom prst="rect">
-            <a:avLst/>
-          </a:prstGeom>
-        </p:spPr>
-      </p:pic>
-      <p:sp>
-        <p:nvSpPr>
-          <p:cNvPr id="5" name="Szövegdoboz 4"/>
-          <p:cNvSpPr txBox="1"/>
-          <p:nvPr/>
-        </p:nvSpPr>
-        <p:spPr>
-          <a:xfrm>
-            <a:off x="756138" y="2613574"/>
-            <a:ext cx="5758961" cy="1569660"/>
-          </a:xfrm>
-          <a:prstGeom prst="rect">
-            <a:avLst/>
-          </a:prstGeom>
-          <a:noFill/>
-        </p:spPr>
-        <p:txBody>
-          <a:bodyPr wrap="square" rtlCol="0">
-            <a:spAutoFit/>
+          <a:bodyPr>
+            <a:normAutofit/>
           </a:bodyPr>
-          <a:lstStyle/>
-          <a:p>
-            <a:r>
-              <a:rPr lang="hu-HU" sz="2400" dirty="0"/>
-              <a:t>Új kölcsönzés felvétele :</a:t>
-            </a:r>
-          </a:p>
-          <a:p>
-            <a:r>
-              <a:rPr lang="hu-HU" sz="2400" dirty="0"/>
-              <a:t>-kiválasztjuk a </a:t>
-            </a:r>
-            <a:r>
-              <a:rPr lang="hu-HU" sz="2400" dirty="0" smtClean="0"/>
-              <a:t>regisztrált </a:t>
-            </a:r>
-            <a:r>
-              <a:rPr lang="hu-HU" sz="2400" dirty="0"/>
-              <a:t>felhasználót</a:t>
-            </a:r>
-          </a:p>
-          <a:p>
-            <a:r>
-              <a:rPr lang="hu-HU" sz="2400" dirty="0"/>
-              <a:t>-majd a játékot és </a:t>
-            </a:r>
-            <a:r>
-              <a:rPr lang="hu-HU" sz="2400" dirty="0" smtClean="0"/>
-              <a:t>megadjuk,</a:t>
-            </a:r>
-            <a:br>
-              <a:rPr lang="hu-HU" sz="2400" dirty="0" smtClean="0"/>
-            </a:br>
-            <a:r>
-              <a:rPr lang="hu-HU" sz="2400" dirty="0" smtClean="0"/>
-              <a:t> </a:t>
-            </a:r>
-            <a:r>
-              <a:rPr lang="hu-HU" sz="2400" dirty="0"/>
-              <a:t>hogy hány napra veszi ki</a:t>
-            </a:r>
-            <a:endParaRPr lang="hu-HU" sz="2400" dirty="0"/>
-          </a:p>
-        </p:txBody>
-      </p:sp>
-      <p:pic>
-        <p:nvPicPr>
-          <p:cNvPr id="6" name="Kép 5"/>
-          <p:cNvPicPr>
-            <a:picLocks noChangeAspect="1"/>
-          </p:cNvPicPr>
-          <p:nvPr/>
-        </p:nvPicPr>
-        <p:blipFill>
-          <a:blip r:embed="rId3"/>
-          <a:stretch>
-            <a:fillRect/>
-          </a:stretch>
-        </p:blipFill>
-        <p:spPr>
-          <a:xfrm>
-            <a:off x="4495129" y="4294117"/>
-            <a:ext cx="1935648" cy="1851820"/>
-          </a:xfrm>
-          <a:prstGeom prst="rect">
-            <a:avLst/>
-          </a:prstGeom>
-        </p:spPr>
-      </p:pic>
-    </p:spTree>
-    <p:extLst>
-      <p:ext uri="{BB962C8B-B14F-4D97-AF65-F5344CB8AC3E}">
-        <p14:creationId xmlns:p14="http://schemas.microsoft.com/office/powerpoint/2010/main" val="477804239"/>
-      </p:ext>
-    </p:extLst>
-  </p:cSld>
-  <p:clrMapOvr>
-    <a:masterClrMapping/>
-  </p:clrMapOvr>
-  <p:timing>
-    <p:tnLst>
-      <p:par>
-        <p:cTn id="1" dur="indefinite" restart="never" nodeType="tmRoot">
-          <p:childTnLst>
-            <p:seq concurrent="1" nextAc="seek">
-              <p:cTn id="2" dur="indefinite" nodeType="mainSeq">
-                <p:childTnLst>
-                  <p:par>
-                    <p:cTn id="3" fill="hold">
-                      <p:stCondLst>
-                        <p:cond delay="indefinite"/>
-                        <p:cond evt="onBegin" delay="0">
-                          <p:tn val="2"/>
-                        </p:cond>
-                      </p:stCondLst>
-                      <p:childTnLst>
-                        <p:par>
-                          <p:cTn id="4" fill="hold">
-                            <p:stCondLst>
-                              <p:cond delay="0"/>
-                            </p:stCondLst>
-                            <p:childTnLst>
-                              <p:par>
-                                <p:cTn id="5" presetID="6" presetClass="entr" presetSubtype="16" fill="hold" grpId="0" nodeType="afterEffect">
-                                  <p:stCondLst>
-                                    <p:cond delay="0"/>
-                                  </p:stCondLst>
-                                  <p:childTnLst>
-                                    <p:set>
-                                      <p:cBhvr>
-                                        <p:cTn id="6" dur="1" fill="hold">
-                                          <p:stCondLst>
-                                            <p:cond delay="0"/>
-                                          </p:stCondLst>
-                                        </p:cTn>
-                                        <p:tgtEl>
-                                          <p:spTgt spid="2"/>
-                                        </p:tgtEl>
-                                        <p:attrNameLst>
-                                          <p:attrName>style.visibility</p:attrName>
-                                        </p:attrNameLst>
-                                      </p:cBhvr>
-                                      <p:to>
-                                        <p:strVal val="visible"/>
-                                      </p:to>
-                                    </p:set>
-                                    <p:animEffect transition="in" filter="circle(in)">
-                                      <p:cBhvr>
-                                        <p:cTn id="7" dur="2000"/>
-                                        <p:tgtEl>
-                                          <p:spTgt spid="2"/>
-                                        </p:tgtEl>
-                                      </p:cBhvr>
-                                    </p:animEffect>
-                                  </p:childTnLst>
-                                </p:cTn>
-                              </p:par>
-                            </p:childTnLst>
-                          </p:cTn>
-                        </p:par>
-                      </p:childTnLst>
-                    </p:cTn>
-                  </p:par>
-                  <p:par>
-                    <p:cTn id="8" fill="hold">
-                      <p:stCondLst>
-                        <p:cond delay="indefinite"/>
-                      </p:stCondLst>
-                      <p:childTnLst>
-                        <p:par>
-                          <p:cTn id="9" fill="hold">
-                            <p:stCondLst>
-                              <p:cond delay="0"/>
-                            </p:stCondLst>
-                            <p:childTnLst>
-                              <p:par>
-                                <p:cTn id="10" presetID="2" presetClass="entr" presetSubtype="8" fill="hold" nodeType="clickEffect">
-                                  <p:stCondLst>
-                                    <p:cond delay="0"/>
-                                  </p:stCondLst>
-                                  <p:childTnLst>
-                                    <p:set>
-                                      <p:cBhvr>
-                                        <p:cTn id="11" dur="1" fill="hold">
-                                          <p:stCondLst>
-                                            <p:cond delay="0"/>
-                                          </p:stCondLst>
-                                        </p:cTn>
-                                        <p:tgtEl>
-                                          <p:spTgt spid="5">
-                                            <p:txEl>
-                                              <p:pRg st="0" end="0"/>
-                                            </p:txEl>
-                                          </p:spTgt>
-                                        </p:tgtEl>
-                                        <p:attrNameLst>
-                                          <p:attrName>style.visibility</p:attrName>
-                                        </p:attrNameLst>
-                                      </p:cBhvr>
-                                      <p:to>
-                                        <p:strVal val="visible"/>
-                                      </p:to>
-                                    </p:set>
-                                    <p:anim calcmode="lin" valueType="num">
-                                      <p:cBhvr additive="base">
-                                        <p:cTn id="12" dur="500" fill="hold"/>
-                                        <p:tgtEl>
-                                          <p:spTgt spid="5">
-                                            <p:txEl>
-                                              <p:pRg st="0" end="0"/>
-                                            </p:txEl>
-                                          </p:spTgt>
-                                        </p:tgtEl>
-                                        <p:attrNameLst>
-                                          <p:attrName>ppt_x</p:attrName>
-                                        </p:attrNameLst>
-                                      </p:cBhvr>
-                                      <p:tavLst>
-                                        <p:tav tm="0">
-                                          <p:val>
-                                            <p:strVal val="0-#ppt_w/2"/>
-                                          </p:val>
-                                        </p:tav>
-                                        <p:tav tm="100000">
-                                          <p:val>
-                                            <p:strVal val="#ppt_x"/>
-                                          </p:val>
-                                        </p:tav>
-                                      </p:tavLst>
-                                    </p:anim>
-                                    <p:anim calcmode="lin" valueType="num">
-                                      <p:cBhvr additive="base">
-                                        <p:cTn id="13" dur="500" fill="hold"/>
-                                        <p:tgtEl>
-                                          <p:spTgt spid="5">
-                                            <p:txEl>
-                                              <p:pRg st="0" end="0"/>
-                                            </p:txEl>
-                                          </p:spTgt>
-                                        </p:tgtEl>
-                                        <p:attrNameLst>
-                                          <p:attrName>ppt_y</p:attrName>
-                                        </p:attrNameLst>
-                                      </p:cBhvr>
-                                      <p:tavLst>
-                                        <p:tav tm="0">
-                                          <p:val>
-                                            <p:strVal val="#ppt_y"/>
-                                          </p:val>
-                                        </p:tav>
-                                        <p:tav tm="100000">
-                                          <p:val>
-                                            <p:strVal val="#ppt_y"/>
-                                          </p:val>
-                                        </p:tav>
-                                      </p:tavLst>
-                                    </p:anim>
-                                  </p:childTnLst>
-                                </p:cTn>
-                              </p:par>
-                              <p:par>
-                                <p:cTn id="14" presetID="2" presetClass="entr" presetSubtype="8" fill="hold" nodeType="withEffect">
-                                  <p:stCondLst>
-                                    <p:cond delay="0"/>
-                                  </p:stCondLst>
-                                  <p:childTnLst>
-                                    <p:set>
-                                      <p:cBhvr>
-                                        <p:cTn id="15" dur="1" fill="hold">
-                                          <p:stCondLst>
-                                            <p:cond delay="0"/>
-                                          </p:stCondLst>
-                                        </p:cTn>
-                                        <p:tgtEl>
-                                          <p:spTgt spid="5">
-                                            <p:txEl>
-                                              <p:pRg st="1" end="1"/>
-                                            </p:txEl>
-                                          </p:spTgt>
-                                        </p:tgtEl>
-                                        <p:attrNameLst>
-                                          <p:attrName>style.visibility</p:attrName>
-                                        </p:attrNameLst>
-                                      </p:cBhvr>
-                                      <p:to>
-                                        <p:strVal val="visible"/>
-                                      </p:to>
-                                    </p:set>
-                                    <p:anim calcmode="lin" valueType="num">
-                                      <p:cBhvr additive="base">
-                                        <p:cTn id="16" dur="500" fill="hold"/>
-                                        <p:tgtEl>
-                                          <p:spTgt spid="5">
-                                            <p:txEl>
-                                              <p:pRg st="1" end="1"/>
-                                            </p:txEl>
-                                          </p:spTgt>
-                                        </p:tgtEl>
-                                        <p:attrNameLst>
-                                          <p:attrName>ppt_x</p:attrName>
-                                        </p:attrNameLst>
-                                      </p:cBhvr>
-                                      <p:tavLst>
-                                        <p:tav tm="0">
-                                          <p:val>
-                                            <p:strVal val="0-#ppt_w/2"/>
-                                          </p:val>
-                                        </p:tav>
-                                        <p:tav tm="100000">
-                                          <p:val>
-                                            <p:strVal val="#ppt_x"/>
-                                          </p:val>
-                                        </p:tav>
-                                      </p:tavLst>
-                                    </p:anim>
-                                    <p:anim calcmode="lin" valueType="num">
-                                      <p:cBhvr additive="base">
-                                        <p:cTn id="17" dur="500" fill="hold"/>
-                                        <p:tgtEl>
-                                          <p:spTgt spid="5">
-                                            <p:txEl>
-                                              <p:pRg st="1" end="1"/>
-                                            </p:txEl>
-                                          </p:spTgt>
-                                        </p:tgtEl>
-                                        <p:attrNameLst>
-                                          <p:attrName>ppt_y</p:attrName>
-                                        </p:attrNameLst>
-                                      </p:cBhvr>
-                                      <p:tavLst>
-                                        <p:tav tm="0">
-                                          <p:val>
-                                            <p:strVal val="#ppt_y"/>
-                                          </p:val>
-                                        </p:tav>
-                                        <p:tav tm="100000">
-                                          <p:val>
-                                            <p:strVal val="#ppt_y"/>
-                                          </p:val>
-                                        </p:tav>
-                                      </p:tavLst>
-                                    </p:anim>
-                                  </p:childTnLst>
-                                </p:cTn>
-                              </p:par>
-                              <p:par>
-                                <p:cTn id="18" presetID="2" presetClass="entr" presetSubtype="8" fill="hold" nodeType="withEffect">
-                                  <p:stCondLst>
-                                    <p:cond delay="0"/>
-                                  </p:stCondLst>
-                                  <p:childTnLst>
-                                    <p:set>
-                                      <p:cBhvr>
-                                        <p:cTn id="19" dur="1" fill="hold">
-                                          <p:stCondLst>
-                                            <p:cond delay="0"/>
-                                          </p:stCondLst>
-                                        </p:cTn>
-                                        <p:tgtEl>
-                                          <p:spTgt spid="5">
-                                            <p:txEl>
-                                              <p:pRg st="2" end="2"/>
-                                            </p:txEl>
-                                          </p:spTgt>
-                                        </p:tgtEl>
-                                        <p:attrNameLst>
-                                          <p:attrName>style.visibility</p:attrName>
-                                        </p:attrNameLst>
-                                      </p:cBhvr>
-                                      <p:to>
-                                        <p:strVal val="visible"/>
-                                      </p:to>
-                                    </p:set>
-                                    <p:anim calcmode="lin" valueType="num">
-                                      <p:cBhvr additive="base">
-                                        <p:cTn id="20" dur="500" fill="hold"/>
-                                        <p:tgtEl>
-                                          <p:spTgt spid="5">
-                                            <p:txEl>
-                                              <p:pRg st="2" end="2"/>
-                                            </p:txEl>
-                                          </p:spTgt>
-                                        </p:tgtEl>
-                                        <p:attrNameLst>
-                                          <p:attrName>ppt_x</p:attrName>
-                                        </p:attrNameLst>
-                                      </p:cBhvr>
-                                      <p:tavLst>
-                                        <p:tav tm="0">
-                                          <p:val>
-                                            <p:strVal val="0-#ppt_w/2"/>
-                                          </p:val>
-                                        </p:tav>
-                                        <p:tav tm="100000">
-                                          <p:val>
-                                            <p:strVal val="#ppt_x"/>
-                                          </p:val>
-                                        </p:tav>
-                                      </p:tavLst>
-                                    </p:anim>
-                                    <p:anim calcmode="lin" valueType="num">
-                                      <p:cBhvr additive="base">
-                                        <p:cTn id="21" dur="500" fill="hold"/>
-                                        <p:tgtEl>
-                                          <p:spTgt spid="5">
-                                            <p:txEl>
-                                              <p:pRg st="2" end="2"/>
-                                            </p:txEl>
-                                          </p:spTgt>
-                                        </p:tgtEl>
-                                        <p:attrNameLst>
-                                          <p:attrName>ppt_y</p:attrName>
-                                        </p:attrNameLst>
-                                      </p:cBhvr>
-                                      <p:tavLst>
-                                        <p:tav tm="0">
-                                          <p:val>
-                                            <p:strVal val="#ppt_y"/>
-                                          </p:val>
-                                        </p:tav>
-                                        <p:tav tm="100000">
-                                          <p:val>
-                                            <p:strVal val="#ppt_y"/>
-                                          </p:val>
-                                        </p:tav>
-                                      </p:tavLst>
-                                    </p:anim>
-                                  </p:childTnLst>
-                                </p:cTn>
-                              </p:par>
-                            </p:childTnLst>
-                          </p:cTn>
-                        </p:par>
-                      </p:childTnLst>
-                    </p:cTn>
-                  </p:par>
-                  <p:par>
-                    <p:cTn id="22" fill="hold">
-                      <p:stCondLst>
-                        <p:cond delay="indefinite"/>
-                      </p:stCondLst>
-                      <p:childTnLst>
-                        <p:par>
-                          <p:cTn id="23" fill="hold">
-                            <p:stCondLst>
-                              <p:cond delay="0"/>
-                            </p:stCondLst>
-                            <p:childTnLst>
-                              <p:par>
-                                <p:cTn id="24" presetID="2" presetClass="entr" presetSubtype="4" fill="hold" nodeType="clickEffect">
-                                  <p:stCondLst>
-                                    <p:cond delay="0"/>
-                                  </p:stCondLst>
-                                  <p:childTnLst>
-                                    <p:set>
-                                      <p:cBhvr>
-                                        <p:cTn id="25" dur="1" fill="hold">
-                                          <p:stCondLst>
-                                            <p:cond delay="0"/>
-                                          </p:stCondLst>
-                                        </p:cTn>
-                                        <p:tgtEl>
-                                          <p:spTgt spid="4"/>
-                                        </p:tgtEl>
-                                        <p:attrNameLst>
-                                          <p:attrName>style.visibility</p:attrName>
-                                        </p:attrNameLst>
-                                      </p:cBhvr>
-                                      <p:to>
-                                        <p:strVal val="visible"/>
-                                      </p:to>
-                                    </p:set>
-                                    <p:anim calcmode="lin" valueType="num">
-                                      <p:cBhvr additive="base">
-                                        <p:cTn id="26" dur="500" fill="hold"/>
-                                        <p:tgtEl>
-                                          <p:spTgt spid="4"/>
-                                        </p:tgtEl>
-                                        <p:attrNameLst>
-                                          <p:attrName>ppt_x</p:attrName>
-                                        </p:attrNameLst>
-                                      </p:cBhvr>
-                                      <p:tavLst>
-                                        <p:tav tm="0">
-                                          <p:val>
-                                            <p:strVal val="#ppt_x"/>
-                                          </p:val>
-                                        </p:tav>
-                                        <p:tav tm="100000">
-                                          <p:val>
-                                            <p:strVal val="#ppt_x"/>
-                                          </p:val>
-                                        </p:tav>
-                                      </p:tavLst>
-                                    </p:anim>
-                                    <p:anim calcmode="lin" valueType="num">
-                                      <p:cBhvr additive="base">
-                                        <p:cTn id="27" dur="500" fill="hold"/>
-                                        <p:tgtEl>
-                                          <p:spTgt spid="4"/>
-                                        </p:tgtEl>
-                                        <p:attrNameLst>
-                                          <p:attrName>ppt_y</p:attrName>
-                                        </p:attrNameLst>
-                                      </p:cBhvr>
-                                      <p:tavLst>
-                                        <p:tav tm="0">
-                                          <p:val>
-                                            <p:strVal val="1+#ppt_h/2"/>
-                                          </p:val>
-                                        </p:tav>
-                                        <p:tav tm="100000">
-                                          <p:val>
-                                            <p:strVal val="#ppt_y"/>
-                                          </p:val>
-                                        </p:tav>
-                                      </p:tavLst>
-                                    </p:anim>
-                                  </p:childTnLst>
-                                </p:cTn>
-                              </p:par>
-                            </p:childTnLst>
-                          </p:cTn>
-                        </p:par>
-                      </p:childTnLst>
-                    </p:cTn>
-                  </p:par>
-                  <p:par>
-                    <p:cTn id="28" fill="hold">
-                      <p:stCondLst>
-                        <p:cond delay="indefinite"/>
-                      </p:stCondLst>
-                      <p:childTnLst>
-                        <p:par>
-                          <p:cTn id="29" fill="hold">
-                            <p:stCondLst>
-                              <p:cond delay="0"/>
-                            </p:stCondLst>
-                            <p:childTnLst>
-                              <p:par>
-                                <p:cTn id="30" presetID="2" presetClass="entr" presetSubtype="4" fill="hold" nodeType="clickEffect">
-                                  <p:stCondLst>
-                                    <p:cond delay="0"/>
-                                  </p:stCondLst>
-                                  <p:childTnLst>
-                                    <p:set>
-                                      <p:cBhvr>
-                                        <p:cTn id="31" dur="1" fill="hold">
-                                          <p:stCondLst>
-                                            <p:cond delay="0"/>
-                                          </p:stCondLst>
-                                        </p:cTn>
-                                        <p:tgtEl>
-                                          <p:spTgt spid="6"/>
-                                        </p:tgtEl>
-                                        <p:attrNameLst>
-                                          <p:attrName>style.visibility</p:attrName>
-                                        </p:attrNameLst>
-                                      </p:cBhvr>
-                                      <p:to>
-                                        <p:strVal val="visible"/>
-                                      </p:to>
-                                    </p:set>
-                                    <p:anim calcmode="lin" valueType="num">
-                                      <p:cBhvr additive="base">
-                                        <p:cTn id="32" dur="500" fill="hold"/>
-                                        <p:tgtEl>
-                                          <p:spTgt spid="6"/>
-                                        </p:tgtEl>
-                                        <p:attrNameLst>
-                                          <p:attrName>ppt_x</p:attrName>
-                                        </p:attrNameLst>
-                                      </p:cBhvr>
-                                      <p:tavLst>
-                                        <p:tav tm="0">
-                                          <p:val>
-                                            <p:strVal val="#ppt_x"/>
-                                          </p:val>
-                                        </p:tav>
-                                        <p:tav tm="100000">
-                                          <p:val>
-                                            <p:strVal val="#ppt_x"/>
-                                          </p:val>
-                                        </p:tav>
-                                      </p:tavLst>
-                                    </p:anim>
-                                    <p:anim calcmode="lin" valueType="num">
-                                      <p:cBhvr additive="base">
-                                        <p:cTn id="33" dur="500" fill="hold"/>
-                                        <p:tgtEl>
-                                          <p:spTgt spid="6"/>
-                                        </p:tgtEl>
-                                        <p:attrNameLst>
-                                          <p:attrName>ppt_y</p:attrName>
-                                        </p:attrNameLst>
-                                      </p:cBhvr>
-                                      <p:tavLst>
-                                        <p:tav tm="0">
-                                          <p:val>
-                                            <p:strVal val="1+#ppt_h/2"/>
-                                          </p:val>
-                                        </p:tav>
-                                        <p:tav tm="100000">
-                                          <p:val>
-                                            <p:strVal val="#ppt_y"/>
-                                          </p:val>
-                                        </p:tav>
-                                      </p:tavLst>
-                                    </p:anim>
-                                  </p:childTnLst>
-                                </p:cTn>
-                              </p:par>
-                            </p:childTnLst>
-                          </p:cTn>
-                        </p:par>
-                      </p:childTnLst>
-                    </p:cTn>
-                  </p:par>
-                </p:childTnLst>
-              </p:cTn>
-              <p:prevCondLst>
-                <p:cond evt="onPrev" delay="0">
-                  <p:tgtEl>
-                    <p:sldTgt/>
-                  </p:tgtEl>
-                </p:cond>
-              </p:prevCondLst>
-              <p:nextCondLst>
-                <p:cond evt="onNext" delay="0">
-                  <p:tgtEl>
-                    <p:sldTgt/>
-                  </p:tgtEl>
-                </p:cond>
-              </p:nextCondLst>
-            </p:seq>
-          </p:childTnLst>
-        </p:cTn>
-      </p:par>
-    </p:tnLst>
-    <p:bldLst>
-      <p:bldP spid="2" grpId="0"/>
-    </p:bldLst>
-  </p:timing>
-</p:sld>
-</file>
-
-<file path=ppt/slides/slide6.xml><?xml version="1.0" encoding="utf-8"?>
-<p:sld xmlns:a="http://schemas.openxmlformats.org/drawingml/2006/main" xmlns:r="http://schemas.openxmlformats.org/officeDocument/2006/relationships" xmlns:p="http://schemas.openxmlformats.org/presentationml/2006/main">
-  <p:cSld>
-    <p:spTree>
-      <p:nvGrpSpPr>
-        <p:cNvPr id="1" name=""/>
-        <p:cNvGrpSpPr/>
-        <p:nvPr/>
-      </p:nvGrpSpPr>
-      <p:grpSpPr>
-        <a:xfrm>
-          <a:off x="0" y="0"/>
-          <a:ext cx="0" cy="0"/>
-          <a:chOff x="0" y="0"/>
-          <a:chExt cx="0" cy="0"/>
-        </a:xfrm>
-      </p:grpSpPr>
-      <p:sp>
-        <p:nvSpPr>
-          <p:cNvPr id="2" name="Cím 1"/>
-          <p:cNvSpPr>
-            <a:spLocks noGrp="1"/>
-          </p:cNvSpPr>
-          <p:nvPr>
-            <p:ph type="title"/>
-          </p:nvPr>
-        </p:nvSpPr>
-        <p:spPr/>
-        <p:txBody>
-          <a:bodyPr/>
-          <a:lstStyle/>
-          <a:p>
-            <a:pPr algn="ctr"/>
-            <a:r>
-              <a:rPr lang="hu-HU" dirty="0" err="1" smtClean="0"/>
-              <a:t>features</a:t>
-            </a:r>
-            <a:endParaRPr lang="hu-HU" dirty="0"/>
-          </a:p>
-        </p:txBody>
-      </p:sp>
-      <p:sp>
-        <p:nvSpPr>
-          <p:cNvPr id="3" name="Tartalom helye 2"/>
-          <p:cNvSpPr>
-            <a:spLocks noGrp="1"/>
-          </p:cNvSpPr>
-          <p:nvPr>
-            <p:ph idx="1"/>
-          </p:nvPr>
-        </p:nvSpPr>
-        <p:spPr/>
-        <p:txBody>
-          <a:bodyPr/>
-          <a:lstStyle/>
-          <a:p>
-            <a:r>
-              <a:rPr lang="hu-HU" dirty="0" smtClean="0"/>
-              <a:t>Új játékok felvétele az adatbázisba</a:t>
-            </a:r>
-          </a:p>
-          <a:p>
-            <a:r>
-              <a:rPr lang="hu-HU" dirty="0" smtClean="0"/>
-              <a:t>Új kölcsönzők felvétele az adatbázisba</a:t>
-            </a:r>
-            <a:endParaRPr lang="hu-HU" dirty="0"/>
-          </a:p>
-        </p:txBody>
-      </p:sp>
-      <p:pic>
-        <p:nvPicPr>
-          <p:cNvPr id="4" name="Kép 3"/>
-          <p:cNvPicPr>
-            <a:picLocks noChangeAspect="1"/>
-          </p:cNvPicPr>
-          <p:nvPr/>
-        </p:nvPicPr>
-        <p:blipFill>
-          <a:blip r:embed="rId2"/>
-          <a:stretch>
-            <a:fillRect/>
-          </a:stretch>
-        </p:blipFill>
-        <p:spPr>
-          <a:xfrm>
-            <a:off x="7425312" y="2414900"/>
-            <a:ext cx="2677050" cy="1660187"/>
-          </a:xfrm>
-          <a:prstGeom prst="rect">
-            <a:avLst/>
-          </a:prstGeom>
-        </p:spPr>
-      </p:pic>
-    </p:spTree>
-    <p:extLst>
-      <p:ext uri="{BB962C8B-B14F-4D97-AF65-F5344CB8AC3E}">
-        <p14:creationId xmlns:p14="http://schemas.microsoft.com/office/powerpoint/2010/main" val="1842969930"/>
-      </p:ext>
-    </p:extLst>
-  </p:cSld>
-  <p:clrMapOvr>
-    <a:masterClrMapping/>
-  </p:clrMapOvr>
-  <p:timing>
-    <p:tnLst>
-      <p:par>
-        <p:cTn id="1" dur="indefinite" restart="never" nodeType="tmRoot">
-          <p:childTnLst>
-            <p:seq concurrent="1" nextAc="seek">
-              <p:cTn id="2" dur="indefinite" nodeType="mainSeq">
-                <p:childTnLst>
-                  <p:par>
-                    <p:cTn id="3" fill="hold">
-                      <p:stCondLst>
-                        <p:cond delay="indefinite"/>
-                        <p:cond evt="onBegin" delay="0">
-                          <p:tn val="2"/>
-                        </p:cond>
-                      </p:stCondLst>
-                      <p:childTnLst>
-                        <p:par>
-                          <p:cTn id="4" fill="hold">
-                            <p:stCondLst>
-                              <p:cond delay="0"/>
-                            </p:stCondLst>
-                            <p:childTnLst>
-                              <p:par>
-                                <p:cTn id="5" presetID="6" presetClass="entr" presetSubtype="16" fill="hold" grpId="0" nodeType="afterEffect">
-                                  <p:stCondLst>
-                                    <p:cond delay="0"/>
-                                  </p:stCondLst>
-                                  <p:childTnLst>
-                                    <p:set>
-                                      <p:cBhvr>
-                                        <p:cTn id="6" dur="1" fill="hold">
-                                          <p:stCondLst>
-                                            <p:cond delay="0"/>
-                                          </p:stCondLst>
-                                        </p:cTn>
-                                        <p:tgtEl>
-                                          <p:spTgt spid="2"/>
-                                        </p:tgtEl>
-                                        <p:attrNameLst>
-                                          <p:attrName>style.visibility</p:attrName>
-                                        </p:attrNameLst>
-                                      </p:cBhvr>
-                                      <p:to>
-                                        <p:strVal val="visible"/>
-                                      </p:to>
-                                    </p:set>
-                                    <p:animEffect transition="in" filter="circle(in)">
-                                      <p:cBhvr>
-                                        <p:cTn id="7" dur="2000"/>
-                                        <p:tgtEl>
-                                          <p:spTgt spid="2"/>
-                                        </p:tgtEl>
-                                      </p:cBhvr>
-                                    </p:animEffect>
-                                  </p:childTnLst>
-                                </p:cTn>
-                              </p:par>
-                            </p:childTnLst>
-                          </p:cTn>
-                        </p:par>
-                      </p:childTnLst>
-                    </p:cTn>
-                  </p:par>
-                  <p:par>
-                    <p:cTn id="8" fill="hold">
-                      <p:stCondLst>
-                        <p:cond delay="indefinite"/>
-                      </p:stCondLst>
-                      <p:childTnLst>
-                        <p:par>
-                          <p:cTn id="9" fill="hold">
-                            <p:stCondLst>
-                              <p:cond delay="0"/>
-                            </p:stCondLst>
-                            <p:childTnLst>
-                              <p:par>
-                                <p:cTn id="10" presetID="2" presetClass="entr" presetSubtype="8" fill="hold" nodeType="clickEffect">
-                                  <p:stCondLst>
-                                    <p:cond delay="0"/>
-                                  </p:stCondLst>
-                                  <p:childTnLst>
-                                    <p:set>
-                                      <p:cBhvr>
-                                        <p:cTn id="11" dur="1" fill="hold">
-                                          <p:stCondLst>
-                                            <p:cond delay="0"/>
-                                          </p:stCondLst>
-                                        </p:cTn>
-                                        <p:tgtEl>
-                                          <p:spTgt spid="3">
-                                            <p:txEl>
-                                              <p:pRg st="0" end="0"/>
-                                            </p:txEl>
-                                          </p:spTgt>
-                                        </p:tgtEl>
-                                        <p:attrNameLst>
-                                          <p:attrName>style.visibility</p:attrName>
-                                        </p:attrNameLst>
-                                      </p:cBhvr>
-                                      <p:to>
-                                        <p:strVal val="visible"/>
-                                      </p:to>
-                                    </p:set>
-                                    <p:anim calcmode="lin" valueType="num">
-                                      <p:cBhvr additive="base">
-                                        <p:cTn id="12" dur="500" fill="hold"/>
-                                        <p:tgtEl>
-                                          <p:spTgt spid="3">
-                                            <p:txEl>
-                                              <p:pRg st="0" end="0"/>
-                                            </p:txEl>
-                                          </p:spTgt>
-                                        </p:tgtEl>
-                                        <p:attrNameLst>
-                                          <p:attrName>ppt_x</p:attrName>
-                                        </p:attrNameLst>
-                                      </p:cBhvr>
-                                      <p:tavLst>
-                                        <p:tav tm="0">
-                                          <p:val>
-                                            <p:strVal val="0-#ppt_w/2"/>
-                                          </p:val>
-                                        </p:tav>
-                                        <p:tav tm="100000">
-                                          <p:val>
-                                            <p:strVal val="#ppt_x"/>
-                                          </p:val>
-                                        </p:tav>
-                                      </p:tavLst>
-                                    </p:anim>
-                                    <p:anim calcmode="lin" valueType="num">
-                                      <p:cBhvr additive="base">
-                                        <p:cTn id="13" dur="500" fill="hold"/>
-                                        <p:tgtEl>
-                                          <p:spTgt spid="3">
-                                            <p:txEl>
-                                              <p:pRg st="0" end="0"/>
-                                            </p:txEl>
-                                          </p:spTgt>
-                                        </p:tgtEl>
-                                        <p:attrNameLst>
-                                          <p:attrName>ppt_y</p:attrName>
-                                        </p:attrNameLst>
-                                      </p:cBhvr>
-                                      <p:tavLst>
-                                        <p:tav tm="0">
-                                          <p:val>
-                                            <p:strVal val="#ppt_y"/>
-                                          </p:val>
-                                        </p:tav>
-                                        <p:tav tm="100000">
-                                          <p:val>
-                                            <p:strVal val="#ppt_y"/>
-                                          </p:val>
-                                        </p:tav>
-                                      </p:tavLst>
-                                    </p:anim>
-                                  </p:childTnLst>
-                                </p:cTn>
-                              </p:par>
-                              <p:par>
-                                <p:cTn id="14" presetID="2" presetClass="entr" presetSubtype="8" fill="hold" nodeType="withEffect">
-                                  <p:stCondLst>
-                                    <p:cond delay="0"/>
-                                  </p:stCondLst>
-                                  <p:childTnLst>
-                                    <p:set>
-                                      <p:cBhvr>
-                                        <p:cTn id="15" dur="1" fill="hold">
-                                          <p:stCondLst>
-                                            <p:cond delay="0"/>
-                                          </p:stCondLst>
-                                        </p:cTn>
-                                        <p:tgtEl>
-                                          <p:spTgt spid="3">
-                                            <p:txEl>
-                                              <p:pRg st="1" end="1"/>
-                                            </p:txEl>
-                                          </p:spTgt>
-                                        </p:tgtEl>
-                                        <p:attrNameLst>
-                                          <p:attrName>style.visibility</p:attrName>
-                                        </p:attrNameLst>
-                                      </p:cBhvr>
-                                      <p:to>
-                                        <p:strVal val="visible"/>
-                                      </p:to>
-                                    </p:set>
-                                    <p:anim calcmode="lin" valueType="num">
-                                      <p:cBhvr additive="base">
-                                        <p:cTn id="16" dur="500" fill="hold"/>
-                                        <p:tgtEl>
-                                          <p:spTgt spid="3">
-                                            <p:txEl>
-                                              <p:pRg st="1" end="1"/>
-                                            </p:txEl>
-                                          </p:spTgt>
-                                        </p:tgtEl>
-                                        <p:attrNameLst>
-                                          <p:attrName>ppt_x</p:attrName>
-                                        </p:attrNameLst>
-                                      </p:cBhvr>
-                                      <p:tavLst>
-                                        <p:tav tm="0">
-                                          <p:val>
-                                            <p:strVal val="0-#ppt_w/2"/>
-                                          </p:val>
-                                        </p:tav>
-                                        <p:tav tm="100000">
-                                          <p:val>
-                                            <p:strVal val="#ppt_x"/>
-                                          </p:val>
-                                        </p:tav>
-                                      </p:tavLst>
-                                    </p:anim>
-                                    <p:anim calcmode="lin" valueType="num">
-                                      <p:cBhvr additive="base">
-                                        <p:cTn id="17" dur="500" fill="hold"/>
-                                        <p:tgtEl>
-                                          <p:spTgt spid="3">
-                                            <p:txEl>
-                                              <p:pRg st="1" end="1"/>
-                                            </p:txEl>
-                                          </p:spTgt>
-                                        </p:tgtEl>
-                                        <p:attrNameLst>
-                                          <p:attrName>ppt_y</p:attrName>
-                                        </p:attrNameLst>
-                                      </p:cBhvr>
-                                      <p:tavLst>
-                                        <p:tav tm="0">
-                                          <p:val>
-                                            <p:strVal val="#ppt_y"/>
-                                          </p:val>
-                                        </p:tav>
-                                        <p:tav tm="100000">
-                                          <p:val>
-                                            <p:strVal val="#ppt_y"/>
-                                          </p:val>
-                                        </p:tav>
-                                      </p:tavLst>
-                                    </p:anim>
-                                  </p:childTnLst>
-                                </p:cTn>
-                              </p:par>
-                            </p:childTnLst>
-                          </p:cTn>
-                        </p:par>
-                      </p:childTnLst>
-                    </p:cTn>
-                  </p:par>
-                  <p:par>
-                    <p:cTn id="18" fill="hold">
-                      <p:stCondLst>
-                        <p:cond delay="indefinite"/>
-                      </p:stCondLst>
-                      <p:childTnLst>
-                        <p:par>
-                          <p:cTn id="19" fill="hold">
-                            <p:stCondLst>
-                              <p:cond delay="0"/>
-                            </p:stCondLst>
-                            <p:childTnLst>
-                              <p:par>
-                                <p:cTn id="20" presetID="2" presetClass="entr" presetSubtype="4" fill="hold" nodeType="clickEffect">
-                                  <p:stCondLst>
-                                    <p:cond delay="0"/>
-                                  </p:stCondLst>
-                                  <p:childTnLst>
-                                    <p:set>
-                                      <p:cBhvr>
-                                        <p:cTn id="21" dur="1" fill="hold">
-                                          <p:stCondLst>
-                                            <p:cond delay="0"/>
-                                          </p:stCondLst>
-                                        </p:cTn>
-                                        <p:tgtEl>
-                                          <p:spTgt spid="4"/>
-                                        </p:tgtEl>
-                                        <p:attrNameLst>
-                                          <p:attrName>style.visibility</p:attrName>
-                                        </p:attrNameLst>
-                                      </p:cBhvr>
-                                      <p:to>
-                                        <p:strVal val="visible"/>
-                                      </p:to>
-                                    </p:set>
-                                    <p:anim calcmode="lin" valueType="num">
-                                      <p:cBhvr additive="base">
-                                        <p:cTn id="22" dur="500" fill="hold"/>
-                                        <p:tgtEl>
-                                          <p:spTgt spid="4"/>
-                                        </p:tgtEl>
-                                        <p:attrNameLst>
-                                          <p:attrName>ppt_x</p:attrName>
-                                        </p:attrNameLst>
-                                      </p:cBhvr>
-                                      <p:tavLst>
-                                        <p:tav tm="0">
-                                          <p:val>
-                                            <p:strVal val="#ppt_x"/>
-                                          </p:val>
-                                        </p:tav>
-                                        <p:tav tm="100000">
-                                          <p:val>
-                                            <p:strVal val="#ppt_x"/>
-                                          </p:val>
-                                        </p:tav>
-                                      </p:tavLst>
-                                    </p:anim>
-                                    <p:anim calcmode="lin" valueType="num">
-                                      <p:cBhvr additive="base">
-                                        <p:cTn id="23" dur="500" fill="hold"/>
-                                        <p:tgtEl>
-                                          <p:spTgt spid="4"/>
-                                        </p:tgtEl>
-                                        <p:attrNameLst>
-                                          <p:attrName>ppt_y</p:attrName>
-                                        </p:attrNameLst>
-                                      </p:cBhvr>
-                                      <p:tavLst>
-                                        <p:tav tm="0">
-                                          <p:val>
-                                            <p:strVal val="1+#ppt_h/2"/>
-                                          </p:val>
-                                        </p:tav>
-                                        <p:tav tm="100000">
-                                          <p:val>
-                                            <p:strVal val="#ppt_y"/>
-                                          </p:val>
-                                        </p:tav>
-                                      </p:tavLst>
-                                    </p:anim>
-                                  </p:childTnLst>
-                                </p:cTn>
-                              </p:par>
-                            </p:childTnLst>
-                          </p:cTn>
-                        </p:par>
-                      </p:childTnLst>
-                    </p:cTn>
-                  </p:par>
-                </p:childTnLst>
-              </p:cTn>
-              <p:prevCondLst>
-                <p:cond evt="onPrev" delay="0">
-                  <p:tgtEl>
-                    <p:sldTgt/>
-                  </p:tgtEl>
-                </p:cond>
-              </p:prevCondLst>
-              <p:nextCondLst>
-                <p:cond evt="onNext" delay="0">
-                  <p:tgtEl>
-                    <p:sldTgt/>
-                  </p:tgtEl>
-                </p:cond>
-              </p:nextCondLst>
-            </p:seq>
-          </p:childTnLst>
-        </p:cTn>
-      </p:par>
-    </p:tnLst>
-    <p:bldLst>
-      <p:bldP spid="2" grpId="0"/>
-    </p:bldLst>
-  </p:timing>
-</p:sld>
-</file>
-
-<file path=ppt/slides/slide7.xml><?xml version="1.0" encoding="utf-8"?>
-<p:sld xmlns:a="http://schemas.openxmlformats.org/drawingml/2006/main" xmlns:r="http://schemas.openxmlformats.org/officeDocument/2006/relationships" xmlns:p="http://schemas.openxmlformats.org/presentationml/2006/main">
-  <p:cSld>
-    <p:spTree>
-      <p:nvGrpSpPr>
-        <p:cNvPr id="1" name=""/>
-        <p:cNvGrpSpPr/>
-        <p:nvPr/>
-      </p:nvGrpSpPr>
-      <p:grpSpPr>
-        <a:xfrm>
-          <a:off x="0" y="0"/>
-          <a:ext cx="0" cy="0"/>
-          <a:chOff x="0" y="0"/>
-          <a:chExt cx="0" cy="0"/>
-        </a:xfrm>
-      </p:grpSpPr>
-      <p:sp>
-        <p:nvSpPr>
-          <p:cNvPr id="2" name="Cím 1"/>
-          <p:cNvSpPr>
-            <a:spLocks noGrp="1"/>
-          </p:cNvSpPr>
-          <p:nvPr>
-            <p:ph type="title"/>
-          </p:nvPr>
-        </p:nvSpPr>
-        <p:spPr/>
-        <p:txBody>
-          <a:bodyPr/>
-          <a:lstStyle/>
-          <a:p>
-            <a:pPr algn="ctr"/>
-            <a:r>
-              <a:rPr lang="hu-HU" dirty="0" err="1" smtClean="0"/>
-              <a:t>features</a:t>
-            </a:r>
-            <a:endParaRPr lang="hu-HU" dirty="0"/>
-          </a:p>
-        </p:txBody>
-      </p:sp>
-      <p:pic>
-        <p:nvPicPr>
-          <p:cNvPr id="4" name="Tartalom helye 3"/>
-          <p:cNvPicPr>
-            <a:picLocks noGrp="1" noChangeAspect="1"/>
-          </p:cNvPicPr>
-          <p:nvPr>
-            <p:ph idx="1"/>
-          </p:nvPr>
-        </p:nvPicPr>
-        <p:blipFill>
-          <a:blip r:embed="rId2"/>
-          <a:stretch>
-            <a:fillRect/>
-          </a:stretch>
-        </p:blipFill>
-        <p:spPr>
-          <a:xfrm>
-            <a:off x="6696666" y="2240696"/>
-            <a:ext cx="4070879" cy="3541712"/>
-          </a:xfrm>
-          <a:prstGeom prst="rect">
-            <a:avLst/>
-          </a:prstGeom>
-        </p:spPr>
-      </p:pic>
-      <p:sp>
-        <p:nvSpPr>
-          <p:cNvPr id="5" name="Szövegdoboz 4"/>
-          <p:cNvSpPr txBox="1"/>
-          <p:nvPr/>
-        </p:nvSpPr>
-        <p:spPr>
-          <a:xfrm>
-            <a:off x="2417884" y="2256938"/>
-            <a:ext cx="3894992" cy="1938992"/>
-          </a:xfrm>
-          <a:prstGeom prst="rect">
-            <a:avLst/>
-          </a:prstGeom>
-          <a:noFill/>
-        </p:spPr>
-        <p:txBody>
-          <a:bodyPr wrap="square" rtlCol="0">
-            <a:spAutoFit/>
-          </a:bodyPr>
-          <a:lstStyle/>
-          <a:p>
-            <a:r>
-              <a:rPr lang="hu-HU" sz="2400" dirty="0"/>
-              <a:t>Játékok visszavételezése:</a:t>
-            </a:r>
-          </a:p>
-          <a:p>
-            <a:r>
-              <a:rPr lang="hu-HU" sz="2400" dirty="0"/>
-              <a:t>-kiválasztjuk a listából az adott játékot</a:t>
-            </a:r>
-          </a:p>
-          <a:p>
-            <a:r>
-              <a:rPr lang="hu-HU" sz="2400" dirty="0"/>
-              <a:t>-visszavisz gombra kattintva töröljük a kölcsönzést</a:t>
-            </a:r>
-            <a:endParaRPr lang="hu-HU" sz="2400" dirty="0"/>
-          </a:p>
-        </p:txBody>
-      </p:sp>
-    </p:spTree>
-    <p:extLst>
-      <p:ext uri="{BB962C8B-B14F-4D97-AF65-F5344CB8AC3E}">
-        <p14:creationId xmlns:p14="http://schemas.microsoft.com/office/powerpoint/2010/main" val="2466119580"/>
-      </p:ext>
-    </p:extLst>
-  </p:cSld>
-  <p:clrMapOvr>
-    <a:masterClrMapping/>
-  </p:clrMapOvr>
-  <p:timing>
-    <p:tnLst>
-      <p:par>
-        <p:cTn id="1" dur="indefinite" restart="never" nodeType="tmRoot">
-          <p:childTnLst>
-            <p:seq concurrent="1" nextAc="seek">
-              <p:cTn id="2" dur="indefinite" nodeType="mainSeq">
-                <p:childTnLst>
-                  <p:par>
-                    <p:cTn id="3" fill="hold">
-                      <p:stCondLst>
-                        <p:cond delay="indefinite"/>
-                        <p:cond evt="onBegin" delay="0">
-                          <p:tn val="2"/>
-                        </p:cond>
-                      </p:stCondLst>
-                      <p:childTnLst>
-                        <p:par>
-                          <p:cTn id="4" fill="hold">
-                            <p:stCondLst>
-                              <p:cond delay="0"/>
-                            </p:stCondLst>
-                            <p:childTnLst>
-                              <p:par>
-                                <p:cTn id="5" presetID="6" presetClass="entr" presetSubtype="16" fill="hold" grpId="0" nodeType="afterEffect">
-                                  <p:stCondLst>
-                                    <p:cond delay="0"/>
-                                  </p:stCondLst>
-                                  <p:childTnLst>
-                                    <p:set>
-                                      <p:cBhvr>
-                                        <p:cTn id="6" dur="1" fill="hold">
-                                          <p:stCondLst>
-                                            <p:cond delay="0"/>
-                                          </p:stCondLst>
-                                        </p:cTn>
-                                        <p:tgtEl>
-                                          <p:spTgt spid="2"/>
-                                        </p:tgtEl>
-                                        <p:attrNameLst>
-                                          <p:attrName>style.visibility</p:attrName>
-                                        </p:attrNameLst>
-                                      </p:cBhvr>
-                                      <p:to>
-                                        <p:strVal val="visible"/>
-                                      </p:to>
-                                    </p:set>
-                                    <p:animEffect transition="in" filter="circle(in)">
-                                      <p:cBhvr>
-                                        <p:cTn id="7" dur="2000"/>
-                                        <p:tgtEl>
-                                          <p:spTgt spid="2"/>
-                                        </p:tgtEl>
-                                      </p:cBhvr>
-                                    </p:animEffect>
-                                  </p:childTnLst>
-                                </p:cTn>
-                              </p:par>
-                            </p:childTnLst>
-                          </p:cTn>
-                        </p:par>
-                      </p:childTnLst>
-                    </p:cTn>
-                  </p:par>
-                  <p:par>
-                    <p:cTn id="8" fill="hold">
-                      <p:stCondLst>
-                        <p:cond delay="indefinite"/>
-                      </p:stCondLst>
-                      <p:childTnLst>
-                        <p:par>
-                          <p:cTn id="9" fill="hold">
-                            <p:stCondLst>
-                              <p:cond delay="0"/>
-                            </p:stCondLst>
-                            <p:childTnLst>
-                              <p:par>
-                                <p:cTn id="10" presetID="2" presetClass="entr" presetSubtype="8" fill="hold" nodeType="clickEffect">
-                                  <p:stCondLst>
-                                    <p:cond delay="0"/>
-                                  </p:stCondLst>
-                                  <p:childTnLst>
-                                    <p:set>
-                                      <p:cBhvr>
-                                        <p:cTn id="11" dur="1" fill="hold">
-                                          <p:stCondLst>
-                                            <p:cond delay="0"/>
-                                          </p:stCondLst>
-                                        </p:cTn>
-                                        <p:tgtEl>
-                                          <p:spTgt spid="5">
-                                            <p:txEl>
-                                              <p:pRg st="0" end="0"/>
-                                            </p:txEl>
-                                          </p:spTgt>
-                                        </p:tgtEl>
-                                        <p:attrNameLst>
-                                          <p:attrName>style.visibility</p:attrName>
-                                        </p:attrNameLst>
-                                      </p:cBhvr>
-                                      <p:to>
-                                        <p:strVal val="visible"/>
-                                      </p:to>
-                                    </p:set>
-                                    <p:anim calcmode="lin" valueType="num">
-                                      <p:cBhvr additive="base">
-                                        <p:cTn id="12" dur="500" fill="hold"/>
-                                        <p:tgtEl>
-                                          <p:spTgt spid="5">
-                                            <p:txEl>
-                                              <p:pRg st="0" end="0"/>
-                                            </p:txEl>
-                                          </p:spTgt>
-                                        </p:tgtEl>
-                                        <p:attrNameLst>
-                                          <p:attrName>ppt_x</p:attrName>
-                                        </p:attrNameLst>
-                                      </p:cBhvr>
-                                      <p:tavLst>
-                                        <p:tav tm="0">
-                                          <p:val>
-                                            <p:strVal val="0-#ppt_w/2"/>
-                                          </p:val>
-                                        </p:tav>
-                                        <p:tav tm="100000">
-                                          <p:val>
-                                            <p:strVal val="#ppt_x"/>
-                                          </p:val>
-                                        </p:tav>
-                                      </p:tavLst>
-                                    </p:anim>
-                                    <p:anim calcmode="lin" valueType="num">
-                                      <p:cBhvr additive="base">
-                                        <p:cTn id="13" dur="500" fill="hold"/>
-                                        <p:tgtEl>
-                                          <p:spTgt spid="5">
-                                            <p:txEl>
-                                              <p:pRg st="0" end="0"/>
-                                            </p:txEl>
-                                          </p:spTgt>
-                                        </p:tgtEl>
-                                        <p:attrNameLst>
-                                          <p:attrName>ppt_y</p:attrName>
-                                        </p:attrNameLst>
-                                      </p:cBhvr>
-                                      <p:tavLst>
-                                        <p:tav tm="0">
-                                          <p:val>
-                                            <p:strVal val="#ppt_y"/>
-                                          </p:val>
-                                        </p:tav>
-                                        <p:tav tm="100000">
-                                          <p:val>
-                                            <p:strVal val="#ppt_y"/>
-                                          </p:val>
-                                        </p:tav>
-                                      </p:tavLst>
-                                    </p:anim>
-                                  </p:childTnLst>
-                                </p:cTn>
-                              </p:par>
-                              <p:par>
-                                <p:cTn id="14" presetID="2" presetClass="entr" presetSubtype="8" fill="hold" nodeType="withEffect">
-                                  <p:stCondLst>
-                                    <p:cond delay="0"/>
-                                  </p:stCondLst>
-                                  <p:childTnLst>
-                                    <p:set>
-                                      <p:cBhvr>
-                                        <p:cTn id="15" dur="1" fill="hold">
-                                          <p:stCondLst>
-                                            <p:cond delay="0"/>
-                                          </p:stCondLst>
-                                        </p:cTn>
-                                        <p:tgtEl>
-                                          <p:spTgt spid="5">
-                                            <p:txEl>
-                                              <p:pRg st="1" end="1"/>
-                                            </p:txEl>
-                                          </p:spTgt>
-                                        </p:tgtEl>
-                                        <p:attrNameLst>
-                                          <p:attrName>style.visibility</p:attrName>
-                                        </p:attrNameLst>
-                                      </p:cBhvr>
-                                      <p:to>
-                                        <p:strVal val="visible"/>
-                                      </p:to>
-                                    </p:set>
-                                    <p:anim calcmode="lin" valueType="num">
-                                      <p:cBhvr additive="base">
-                                        <p:cTn id="16" dur="500" fill="hold"/>
-                                        <p:tgtEl>
-                                          <p:spTgt spid="5">
-                                            <p:txEl>
-                                              <p:pRg st="1" end="1"/>
-                                            </p:txEl>
-                                          </p:spTgt>
-                                        </p:tgtEl>
-                                        <p:attrNameLst>
-                                          <p:attrName>ppt_x</p:attrName>
-                                        </p:attrNameLst>
-                                      </p:cBhvr>
-                                      <p:tavLst>
-                                        <p:tav tm="0">
-                                          <p:val>
-                                            <p:strVal val="0-#ppt_w/2"/>
-                                          </p:val>
-                                        </p:tav>
-                                        <p:tav tm="100000">
-                                          <p:val>
-                                            <p:strVal val="#ppt_x"/>
-                                          </p:val>
-                                        </p:tav>
-                                      </p:tavLst>
-                                    </p:anim>
-                                    <p:anim calcmode="lin" valueType="num">
-                                      <p:cBhvr additive="base">
-                                        <p:cTn id="17" dur="500" fill="hold"/>
-                                        <p:tgtEl>
-                                          <p:spTgt spid="5">
-                                            <p:txEl>
-                                              <p:pRg st="1" end="1"/>
-                                            </p:txEl>
-                                          </p:spTgt>
-                                        </p:tgtEl>
-                                        <p:attrNameLst>
-                                          <p:attrName>ppt_y</p:attrName>
-                                        </p:attrNameLst>
-                                      </p:cBhvr>
-                                      <p:tavLst>
-                                        <p:tav tm="0">
-                                          <p:val>
-                                            <p:strVal val="#ppt_y"/>
-                                          </p:val>
-                                        </p:tav>
-                                        <p:tav tm="100000">
-                                          <p:val>
-                                            <p:strVal val="#ppt_y"/>
-                                          </p:val>
-                                        </p:tav>
-                                      </p:tavLst>
-                                    </p:anim>
-                                  </p:childTnLst>
-                                </p:cTn>
-                              </p:par>
-                              <p:par>
-                                <p:cTn id="18" presetID="2" presetClass="entr" presetSubtype="8" fill="hold" nodeType="withEffect">
-                                  <p:stCondLst>
-                                    <p:cond delay="0"/>
-                                  </p:stCondLst>
-                                  <p:childTnLst>
-                                    <p:set>
-                                      <p:cBhvr>
-                                        <p:cTn id="19" dur="1" fill="hold">
-                                          <p:stCondLst>
-                                            <p:cond delay="0"/>
-                                          </p:stCondLst>
-                                        </p:cTn>
-                                        <p:tgtEl>
-                                          <p:spTgt spid="5">
-                                            <p:txEl>
-                                              <p:pRg st="2" end="2"/>
-                                            </p:txEl>
-                                          </p:spTgt>
-                                        </p:tgtEl>
-                                        <p:attrNameLst>
-                                          <p:attrName>style.visibility</p:attrName>
-                                        </p:attrNameLst>
-                                      </p:cBhvr>
-                                      <p:to>
-                                        <p:strVal val="visible"/>
-                                      </p:to>
-                                    </p:set>
-                                    <p:anim calcmode="lin" valueType="num">
-                                      <p:cBhvr additive="base">
-                                        <p:cTn id="20" dur="500" fill="hold"/>
-                                        <p:tgtEl>
-                                          <p:spTgt spid="5">
-                                            <p:txEl>
-                                              <p:pRg st="2" end="2"/>
-                                            </p:txEl>
-                                          </p:spTgt>
-                                        </p:tgtEl>
-                                        <p:attrNameLst>
-                                          <p:attrName>ppt_x</p:attrName>
-                                        </p:attrNameLst>
-                                      </p:cBhvr>
-                                      <p:tavLst>
-                                        <p:tav tm="0">
-                                          <p:val>
-                                            <p:strVal val="0-#ppt_w/2"/>
-                                          </p:val>
-                                        </p:tav>
-                                        <p:tav tm="100000">
-                                          <p:val>
-                                            <p:strVal val="#ppt_x"/>
-                                          </p:val>
-                                        </p:tav>
-                                      </p:tavLst>
-                                    </p:anim>
-                                    <p:anim calcmode="lin" valueType="num">
-                                      <p:cBhvr additive="base">
-                                        <p:cTn id="21" dur="500" fill="hold"/>
-                                        <p:tgtEl>
-                                          <p:spTgt spid="5">
-                                            <p:txEl>
-                                              <p:pRg st="2" end="2"/>
-                                            </p:txEl>
-                                          </p:spTgt>
-                                        </p:tgtEl>
-                                        <p:attrNameLst>
-                                          <p:attrName>ppt_y</p:attrName>
-                                        </p:attrNameLst>
-                                      </p:cBhvr>
-                                      <p:tavLst>
-                                        <p:tav tm="0">
-                                          <p:val>
-                                            <p:strVal val="#ppt_y"/>
-                                          </p:val>
-                                        </p:tav>
-                                        <p:tav tm="100000">
-                                          <p:val>
-                                            <p:strVal val="#ppt_y"/>
-                                          </p:val>
-                                        </p:tav>
-                                      </p:tavLst>
-                                    </p:anim>
-                                  </p:childTnLst>
-                                </p:cTn>
-                              </p:par>
-                            </p:childTnLst>
-                          </p:cTn>
-                        </p:par>
-                      </p:childTnLst>
-                    </p:cTn>
-                  </p:par>
-                  <p:par>
-                    <p:cTn id="22" fill="hold">
-                      <p:stCondLst>
-                        <p:cond delay="indefinite"/>
-                      </p:stCondLst>
-                      <p:childTnLst>
-                        <p:par>
-                          <p:cTn id="23" fill="hold">
-                            <p:stCondLst>
-                              <p:cond delay="0"/>
-                            </p:stCondLst>
-                            <p:childTnLst>
-                              <p:par>
-                                <p:cTn id="24" presetID="2" presetClass="entr" presetSubtype="4" fill="hold" nodeType="clickEffect">
-                                  <p:stCondLst>
-                                    <p:cond delay="0"/>
-                                  </p:stCondLst>
-                                  <p:childTnLst>
-                                    <p:set>
-                                      <p:cBhvr>
-                                        <p:cTn id="25" dur="1" fill="hold">
-                                          <p:stCondLst>
-                                            <p:cond delay="0"/>
-                                          </p:stCondLst>
-                                        </p:cTn>
-                                        <p:tgtEl>
-                                          <p:spTgt spid="4"/>
-                                        </p:tgtEl>
-                                        <p:attrNameLst>
-                                          <p:attrName>style.visibility</p:attrName>
-                                        </p:attrNameLst>
-                                      </p:cBhvr>
-                                      <p:to>
-                                        <p:strVal val="visible"/>
-                                      </p:to>
-                                    </p:set>
-                                    <p:anim calcmode="lin" valueType="num">
-                                      <p:cBhvr additive="base">
-                                        <p:cTn id="26" dur="500" fill="hold"/>
-                                        <p:tgtEl>
-                                          <p:spTgt spid="4"/>
-                                        </p:tgtEl>
-                                        <p:attrNameLst>
-                                          <p:attrName>ppt_x</p:attrName>
-                                        </p:attrNameLst>
-                                      </p:cBhvr>
-                                      <p:tavLst>
-                                        <p:tav tm="0">
-                                          <p:val>
-                                            <p:strVal val="#ppt_x"/>
-                                          </p:val>
-                                        </p:tav>
-                                        <p:tav tm="100000">
-                                          <p:val>
-                                            <p:strVal val="#ppt_x"/>
-                                          </p:val>
-                                        </p:tav>
-                                      </p:tavLst>
-                                    </p:anim>
-                                    <p:anim calcmode="lin" valueType="num">
-                                      <p:cBhvr additive="base">
-                                        <p:cTn id="27" dur="500" fill="hold"/>
-                                        <p:tgtEl>
-                                          <p:spTgt spid="4"/>
-                                        </p:tgtEl>
-                                        <p:attrNameLst>
-                                          <p:attrName>ppt_y</p:attrName>
-                                        </p:attrNameLst>
-                                      </p:cBhvr>
-                                      <p:tavLst>
-                                        <p:tav tm="0">
-                                          <p:val>
-                                            <p:strVal val="1+#ppt_h/2"/>
-                                          </p:val>
-                                        </p:tav>
-                                        <p:tav tm="100000">
-                                          <p:val>
-                                            <p:strVal val="#ppt_y"/>
-                                          </p:val>
-                                        </p:tav>
-                                      </p:tavLst>
-                                    </p:anim>
-                                  </p:childTnLst>
-                                </p:cTn>
-                              </p:par>
-                            </p:childTnLst>
-                          </p:cTn>
-                        </p:par>
-                      </p:childTnLst>
-                    </p:cTn>
-                  </p:par>
-                </p:childTnLst>
-              </p:cTn>
-              <p:prevCondLst>
-                <p:cond evt="onPrev" delay="0">
-                  <p:tgtEl>
-                    <p:sldTgt/>
-                  </p:tgtEl>
-                </p:cond>
-              </p:prevCondLst>
-              <p:nextCondLst>
-                <p:cond evt="onNext" delay="0">
-                  <p:tgtEl>
-                    <p:sldTgt/>
-                  </p:tgtEl>
-                </p:cond>
-              </p:nextCondLst>
-            </p:seq>
-          </p:childTnLst>
-        </p:cTn>
-      </p:par>
-    </p:tnLst>
-    <p:bldLst>
-      <p:bldP spid="2" grpId="0"/>
-    </p:bldLst>
-  </p:timing>
-</p:sld>
-</file>
-
-<file path=ppt/slides/slide8.xml><?xml version="1.0" encoding="utf-8"?>
-<p:sld xmlns:a="http://schemas.openxmlformats.org/drawingml/2006/main" xmlns:r="http://schemas.openxmlformats.org/officeDocument/2006/relationships" xmlns:p="http://schemas.openxmlformats.org/presentationml/2006/main">
-  <p:cSld>
-    <p:spTree>
-      <p:nvGrpSpPr>
-        <p:cNvPr id="1" name=""/>
-        <p:cNvGrpSpPr/>
-        <p:nvPr/>
-      </p:nvGrpSpPr>
-      <p:grpSpPr>
-        <a:xfrm>
-          <a:off x="0" y="0"/>
-          <a:ext cx="0" cy="0"/>
-          <a:chOff x="0" y="0"/>
-          <a:chExt cx="0" cy="0"/>
-        </a:xfrm>
-      </p:grpSpPr>
-      <p:sp>
-        <p:nvSpPr>
-          <p:cNvPr id="2" name="Cím 1"/>
-          <p:cNvSpPr>
-            <a:spLocks noGrp="1"/>
-          </p:cNvSpPr>
-          <p:nvPr>
-            <p:ph type="title"/>
-          </p:nvPr>
-        </p:nvSpPr>
-        <p:spPr/>
-        <p:txBody>
-          <a:bodyPr/>
-          <a:lstStyle/>
-          <a:p>
-            <a:pPr algn="ctr"/>
-            <a:r>
-              <a:rPr lang="hu-HU" dirty="0" err="1" smtClean="0"/>
-              <a:t>technologies</a:t>
-            </a:r>
-            <a:endParaRPr lang="hu-HU" dirty="0"/>
-          </a:p>
-        </p:txBody>
-      </p:sp>
-      <p:sp>
-        <p:nvSpPr>
-          <p:cNvPr id="3" name="Tartalom helye 2"/>
-          <p:cNvSpPr>
-            <a:spLocks noGrp="1"/>
-          </p:cNvSpPr>
-          <p:nvPr>
-            <p:ph idx="1"/>
-          </p:nvPr>
-        </p:nvSpPr>
-        <p:spPr/>
-        <p:txBody>
-          <a:bodyPr/>
           <a:lstStyle/>
           <a:p>
             <a:r>
@@ -15826,8 +12639,12 @@
           </a:p>
           <a:p>
             <a:r>
-              <a:rPr lang="hu-HU" dirty="0" smtClean="0"/>
-              <a:t>INTELLIJ</a:t>
+              <a:rPr lang="hu-HU" smtClean="0"/>
+              <a:t>JAVA</a:t>
+            </a:r>
+            <a:r>
+              <a:rPr lang="hu-HU" smtClean="0"/>
+              <a:t>/INTELLIJ</a:t>
             </a:r>
           </a:p>
           <a:p>
@@ -15841,6 +12658,7 @@
               <a:rPr lang="hu-HU" dirty="0" smtClean="0"/>
               <a:t>TRELLO</a:t>
             </a:r>
+            <a:endParaRPr lang="hu-HU" dirty="0" smtClean="0"/>
           </a:p>
           <a:p>
             <a:r>
@@ -16481,7 +13299,457 @@
 </p:sld>
 </file>
 
-<file path=ppt/slides/slide9.xml><?xml version="1.0" encoding="utf-8"?>
+<file path=ppt/slides/slide11.xml><?xml version="1.0" encoding="utf-8"?>
+<p:sld xmlns:a="http://schemas.openxmlformats.org/drawingml/2006/main" xmlns:r="http://schemas.openxmlformats.org/officeDocument/2006/relationships" xmlns:p="http://schemas.openxmlformats.org/presentationml/2006/main">
+  <p:cSld>
+    <p:spTree>
+      <p:nvGrpSpPr>
+        <p:cNvPr id="1" name=""/>
+        <p:cNvGrpSpPr/>
+        <p:nvPr/>
+      </p:nvGrpSpPr>
+      <p:grpSpPr>
+        <a:xfrm>
+          <a:off x="0" y="0"/>
+          <a:ext cx="0" cy="0"/>
+          <a:chOff x="0" y="0"/>
+          <a:chExt cx="0" cy="0"/>
+        </a:xfrm>
+      </p:grpSpPr>
+      <p:sp>
+        <p:nvSpPr>
+          <p:cNvPr id="2" name="Cím 1"/>
+          <p:cNvSpPr>
+            <a:spLocks noGrp="1"/>
+          </p:cNvSpPr>
+          <p:nvPr>
+            <p:ph type="ctrTitle"/>
+          </p:nvPr>
+        </p:nvSpPr>
+        <p:spPr/>
+        <p:txBody>
+          <a:bodyPr/>
+          <a:lstStyle/>
+          <a:p>
+            <a:pPr algn="ctr"/>
+            <a:r>
+              <a:rPr lang="hu-HU" dirty="0" smtClean="0"/>
+              <a:t>Köszönjük a figyelmet</a:t>
+            </a:r>
+            <a:endParaRPr lang="hu-HU" dirty="0"/>
+          </a:p>
+        </p:txBody>
+      </p:sp>
+      <p:sp>
+        <p:nvSpPr>
+          <p:cNvPr id="3" name="Alcím 2"/>
+          <p:cNvSpPr>
+            <a:spLocks noGrp="1"/>
+          </p:cNvSpPr>
+          <p:nvPr>
+            <p:ph type="subTitle" idx="1"/>
+          </p:nvPr>
+        </p:nvSpPr>
+        <p:spPr/>
+        <p:txBody>
+          <a:bodyPr/>
+          <a:lstStyle/>
+          <a:p>
+            <a:r>
+              <a:rPr lang="hu-HU" dirty="0" err="1" smtClean="0"/>
+              <a:t>Sources</a:t>
+            </a:r>
+            <a:endParaRPr lang="hu-HU" dirty="0" smtClean="0"/>
+          </a:p>
+          <a:p>
+            <a:r>
+              <a:rPr lang="hu-HU" dirty="0"/>
+              <a:t>-https://</a:t>
+            </a:r>
+            <a:r>
+              <a:rPr lang="hu-HU" dirty="0" smtClean="0"/>
+              <a:t>trello.com/b/nV2823zs/team-</a:t>
+            </a:r>
+            <a:r>
+              <a:rPr lang="hu-HU" dirty="0" err="1" smtClean="0"/>
+              <a:t>csicska</a:t>
+            </a:r>
+            <a:endParaRPr lang="hu-HU" dirty="0" smtClean="0"/>
+          </a:p>
+          <a:p>
+            <a:r>
+              <a:rPr lang="hu-HU" dirty="0"/>
+              <a:t>-https://github.com/</a:t>
+            </a:r>
+            <a:r>
+              <a:rPr lang="hu-HU" dirty="0" err="1"/>
+              <a:t>sandorrobert</a:t>
+            </a:r>
+            <a:r>
+              <a:rPr lang="hu-HU" dirty="0"/>
+              <a:t>/TEAM_CS</a:t>
+            </a:r>
+          </a:p>
+        </p:txBody>
+      </p:sp>
+    </p:spTree>
+    <p:extLst>
+      <p:ext uri="{BB962C8B-B14F-4D97-AF65-F5344CB8AC3E}">
+        <p14:creationId xmlns:p14="http://schemas.microsoft.com/office/powerpoint/2010/main" val="3556614038"/>
+      </p:ext>
+    </p:extLst>
+  </p:cSld>
+  <p:clrMapOvr>
+    <a:masterClrMapping/>
+  </p:clrMapOvr>
+  <p:timing>
+    <p:tnLst>
+      <p:par>
+        <p:cTn id="1" dur="indefinite" restart="never" nodeType="tmRoot">
+          <p:childTnLst>
+            <p:seq concurrent="1" nextAc="seek">
+              <p:cTn id="2" dur="indefinite" nodeType="mainSeq">
+                <p:childTnLst>
+                  <p:par>
+                    <p:cTn id="3" fill="hold">
+                      <p:stCondLst>
+                        <p:cond delay="indefinite"/>
+                        <p:cond evt="onBegin" delay="0">
+                          <p:tn val="2"/>
+                        </p:cond>
+                      </p:stCondLst>
+                      <p:childTnLst>
+                        <p:par>
+                          <p:cTn id="4" fill="hold">
+                            <p:stCondLst>
+                              <p:cond delay="0"/>
+                            </p:stCondLst>
+                            <p:childTnLst>
+                              <p:par>
+                                <p:cTn id="5" presetID="6" presetClass="entr" presetSubtype="16" fill="hold" grpId="0" nodeType="afterEffect">
+                                  <p:stCondLst>
+                                    <p:cond delay="0"/>
+                                  </p:stCondLst>
+                                  <p:childTnLst>
+                                    <p:set>
+                                      <p:cBhvr>
+                                        <p:cTn id="6" dur="1" fill="hold">
+                                          <p:stCondLst>
+                                            <p:cond delay="0"/>
+                                          </p:stCondLst>
+                                        </p:cTn>
+                                        <p:tgtEl>
+                                          <p:spTgt spid="2"/>
+                                        </p:tgtEl>
+                                        <p:attrNameLst>
+                                          <p:attrName>style.visibility</p:attrName>
+                                        </p:attrNameLst>
+                                      </p:cBhvr>
+                                      <p:to>
+                                        <p:strVal val="visible"/>
+                                      </p:to>
+                                    </p:set>
+                                    <p:animEffect transition="in" filter="circle(in)">
+                                      <p:cBhvr>
+                                        <p:cTn id="7" dur="2000"/>
+                                        <p:tgtEl>
+                                          <p:spTgt spid="2"/>
+                                        </p:tgtEl>
+                                      </p:cBhvr>
+                                    </p:animEffect>
+                                  </p:childTnLst>
+                                </p:cTn>
+                              </p:par>
+                              <p:par>
+                                <p:cTn id="8" presetID="2" presetClass="entr" presetSubtype="8" fill="hold" nodeType="withEffect">
+                                  <p:stCondLst>
+                                    <p:cond delay="0"/>
+                                  </p:stCondLst>
+                                  <p:childTnLst>
+                                    <p:set>
+                                      <p:cBhvr>
+                                        <p:cTn id="9" dur="1" fill="hold">
+                                          <p:stCondLst>
+                                            <p:cond delay="0"/>
+                                          </p:stCondLst>
+                                        </p:cTn>
+                                        <p:tgtEl>
+                                          <p:spTgt spid="3">
+                                            <p:txEl>
+                                              <p:pRg st="0" end="0"/>
+                                            </p:txEl>
+                                          </p:spTgt>
+                                        </p:tgtEl>
+                                        <p:attrNameLst>
+                                          <p:attrName>style.visibility</p:attrName>
+                                        </p:attrNameLst>
+                                      </p:cBhvr>
+                                      <p:to>
+                                        <p:strVal val="visible"/>
+                                      </p:to>
+                                    </p:set>
+                                    <p:anim calcmode="lin" valueType="num">
+                                      <p:cBhvr additive="base">
+                                        <p:cTn id="10" dur="500" fill="hold"/>
+                                        <p:tgtEl>
+                                          <p:spTgt spid="3">
+                                            <p:txEl>
+                                              <p:pRg st="0" end="0"/>
+                                            </p:txEl>
+                                          </p:spTgt>
+                                        </p:tgtEl>
+                                        <p:attrNameLst>
+                                          <p:attrName>ppt_x</p:attrName>
+                                        </p:attrNameLst>
+                                      </p:cBhvr>
+                                      <p:tavLst>
+                                        <p:tav tm="0">
+                                          <p:val>
+                                            <p:strVal val="0-#ppt_w/2"/>
+                                          </p:val>
+                                        </p:tav>
+                                        <p:tav tm="100000">
+                                          <p:val>
+                                            <p:strVal val="#ppt_x"/>
+                                          </p:val>
+                                        </p:tav>
+                                      </p:tavLst>
+                                    </p:anim>
+                                    <p:anim calcmode="lin" valueType="num">
+                                      <p:cBhvr additive="base">
+                                        <p:cTn id="11" dur="500" fill="hold"/>
+                                        <p:tgtEl>
+                                          <p:spTgt spid="3">
+                                            <p:txEl>
+                                              <p:pRg st="0" end="0"/>
+                                            </p:txEl>
+                                          </p:spTgt>
+                                        </p:tgtEl>
+                                        <p:attrNameLst>
+                                          <p:attrName>ppt_y</p:attrName>
+                                        </p:attrNameLst>
+                                      </p:cBhvr>
+                                      <p:tavLst>
+                                        <p:tav tm="0">
+                                          <p:val>
+                                            <p:strVal val="#ppt_y"/>
+                                          </p:val>
+                                        </p:tav>
+                                        <p:tav tm="100000">
+                                          <p:val>
+                                            <p:strVal val="#ppt_y"/>
+                                          </p:val>
+                                        </p:tav>
+                                      </p:tavLst>
+                                    </p:anim>
+                                  </p:childTnLst>
+                                </p:cTn>
+                              </p:par>
+                              <p:par>
+                                <p:cTn id="12" presetID="2" presetClass="entr" presetSubtype="8" fill="hold" nodeType="withEffect">
+                                  <p:stCondLst>
+                                    <p:cond delay="0"/>
+                                  </p:stCondLst>
+                                  <p:childTnLst>
+                                    <p:set>
+                                      <p:cBhvr>
+                                        <p:cTn id="13" dur="1" fill="hold">
+                                          <p:stCondLst>
+                                            <p:cond delay="0"/>
+                                          </p:stCondLst>
+                                        </p:cTn>
+                                        <p:tgtEl>
+                                          <p:spTgt spid="3">
+                                            <p:txEl>
+                                              <p:pRg st="1" end="1"/>
+                                            </p:txEl>
+                                          </p:spTgt>
+                                        </p:tgtEl>
+                                        <p:attrNameLst>
+                                          <p:attrName>style.visibility</p:attrName>
+                                        </p:attrNameLst>
+                                      </p:cBhvr>
+                                      <p:to>
+                                        <p:strVal val="visible"/>
+                                      </p:to>
+                                    </p:set>
+                                    <p:anim calcmode="lin" valueType="num">
+                                      <p:cBhvr additive="base">
+                                        <p:cTn id="14" dur="500" fill="hold"/>
+                                        <p:tgtEl>
+                                          <p:spTgt spid="3">
+                                            <p:txEl>
+                                              <p:pRg st="1" end="1"/>
+                                            </p:txEl>
+                                          </p:spTgt>
+                                        </p:tgtEl>
+                                        <p:attrNameLst>
+                                          <p:attrName>ppt_x</p:attrName>
+                                        </p:attrNameLst>
+                                      </p:cBhvr>
+                                      <p:tavLst>
+                                        <p:tav tm="0">
+                                          <p:val>
+                                            <p:strVal val="0-#ppt_w/2"/>
+                                          </p:val>
+                                        </p:tav>
+                                        <p:tav tm="100000">
+                                          <p:val>
+                                            <p:strVal val="#ppt_x"/>
+                                          </p:val>
+                                        </p:tav>
+                                      </p:tavLst>
+                                    </p:anim>
+                                    <p:anim calcmode="lin" valueType="num">
+                                      <p:cBhvr additive="base">
+                                        <p:cTn id="15" dur="500" fill="hold"/>
+                                        <p:tgtEl>
+                                          <p:spTgt spid="3">
+                                            <p:txEl>
+                                              <p:pRg st="1" end="1"/>
+                                            </p:txEl>
+                                          </p:spTgt>
+                                        </p:tgtEl>
+                                        <p:attrNameLst>
+                                          <p:attrName>ppt_y</p:attrName>
+                                        </p:attrNameLst>
+                                      </p:cBhvr>
+                                      <p:tavLst>
+                                        <p:tav tm="0">
+                                          <p:val>
+                                            <p:strVal val="#ppt_y"/>
+                                          </p:val>
+                                        </p:tav>
+                                        <p:tav tm="100000">
+                                          <p:val>
+                                            <p:strVal val="#ppt_y"/>
+                                          </p:val>
+                                        </p:tav>
+                                      </p:tavLst>
+                                    </p:anim>
+                                  </p:childTnLst>
+                                </p:cTn>
+                              </p:par>
+                              <p:par>
+                                <p:cTn id="16" presetID="2" presetClass="entr" presetSubtype="8" fill="hold" nodeType="withEffect">
+                                  <p:stCondLst>
+                                    <p:cond delay="0"/>
+                                  </p:stCondLst>
+                                  <p:childTnLst>
+                                    <p:set>
+                                      <p:cBhvr>
+                                        <p:cTn id="17" dur="1" fill="hold">
+                                          <p:stCondLst>
+                                            <p:cond delay="0"/>
+                                          </p:stCondLst>
+                                        </p:cTn>
+                                        <p:tgtEl>
+                                          <p:spTgt spid="3">
+                                            <p:txEl>
+                                              <p:pRg st="2" end="2"/>
+                                            </p:txEl>
+                                          </p:spTgt>
+                                        </p:tgtEl>
+                                        <p:attrNameLst>
+                                          <p:attrName>style.visibility</p:attrName>
+                                        </p:attrNameLst>
+                                      </p:cBhvr>
+                                      <p:to>
+                                        <p:strVal val="visible"/>
+                                      </p:to>
+                                    </p:set>
+                                    <p:anim calcmode="lin" valueType="num">
+                                      <p:cBhvr additive="base">
+                                        <p:cTn id="18" dur="500" fill="hold"/>
+                                        <p:tgtEl>
+                                          <p:spTgt spid="3">
+                                            <p:txEl>
+                                              <p:pRg st="2" end="2"/>
+                                            </p:txEl>
+                                          </p:spTgt>
+                                        </p:tgtEl>
+                                        <p:attrNameLst>
+                                          <p:attrName>ppt_x</p:attrName>
+                                        </p:attrNameLst>
+                                      </p:cBhvr>
+                                      <p:tavLst>
+                                        <p:tav tm="0">
+                                          <p:val>
+                                            <p:strVal val="0-#ppt_w/2"/>
+                                          </p:val>
+                                        </p:tav>
+                                        <p:tav tm="100000">
+                                          <p:val>
+                                            <p:strVal val="#ppt_x"/>
+                                          </p:val>
+                                        </p:tav>
+                                      </p:tavLst>
+                                    </p:anim>
+                                    <p:anim calcmode="lin" valueType="num">
+                                      <p:cBhvr additive="base">
+                                        <p:cTn id="19" dur="500" fill="hold"/>
+                                        <p:tgtEl>
+                                          <p:spTgt spid="3">
+                                            <p:txEl>
+                                              <p:pRg st="2" end="2"/>
+                                            </p:txEl>
+                                          </p:spTgt>
+                                        </p:tgtEl>
+                                        <p:attrNameLst>
+                                          <p:attrName>ppt_y</p:attrName>
+                                        </p:attrNameLst>
+                                      </p:cBhvr>
+                                      <p:tavLst>
+                                        <p:tav tm="0">
+                                          <p:val>
+                                            <p:strVal val="#ppt_y"/>
+                                          </p:val>
+                                        </p:tav>
+                                        <p:tav tm="100000">
+                                          <p:val>
+                                            <p:strVal val="#ppt_y"/>
+                                          </p:val>
+                                        </p:tav>
+                                      </p:tavLst>
+                                    </p:anim>
+                                  </p:childTnLst>
+                                </p:cTn>
+                              </p:par>
+                            </p:childTnLst>
+                          </p:cTn>
+                        </p:par>
+                      </p:childTnLst>
+                    </p:cTn>
+                  </p:par>
+                </p:childTnLst>
+              </p:cTn>
+              <p:prevCondLst>
+                <p:cond evt="onPrev" delay="0">
+                  <p:tgtEl>
+                    <p:sldTgt/>
+                  </p:tgtEl>
+                </p:cond>
+              </p:prevCondLst>
+              <p:nextCondLst>
+                <p:cond evt="onNext" delay="0">
+                  <p:tgtEl>
+                    <p:sldTgt/>
+                  </p:tgtEl>
+                </p:cond>
+              </p:nextCondLst>
+            </p:seq>
+          </p:childTnLst>
+        </p:cTn>
+      </p:par>
+    </p:tnLst>
+    <p:bldLst>
+      <p:bldP spid="2" grpId="0"/>
+    </p:bldLst>
+  </p:timing>
+</p:sld>
+</file>
+
+<file path=ppt/slides/slide2.xml><?xml version="1.0" encoding="utf-8"?>
 <p:sld xmlns:a="http://schemas.openxmlformats.org/drawingml/2006/main" xmlns:r="http://schemas.openxmlformats.org/officeDocument/2006/relationships" xmlns:p="http://schemas.openxmlformats.org/presentationml/2006/main">
   <p:cSld>
     <p:spTree>
@@ -16515,16 +13783,8 @@
           <a:p>
             <a:pPr algn="ctr"/>
             <a:r>
-              <a:rPr lang="hu-HU" dirty="0" err="1" smtClean="0"/>
-              <a:t>Upcoming</a:t>
-            </a:r>
-            <a:r>
               <a:rPr lang="hu-HU" dirty="0" smtClean="0"/>
-              <a:t> </a:t>
-            </a:r>
-            <a:r>
-              <a:rPr lang="hu-HU" dirty="0" err="1" smtClean="0"/>
-              <a:t>features</a:t>
+              <a:t>design</a:t>
             </a:r>
             <a:endParaRPr lang="hu-HU" dirty="0"/>
           </a:p>
@@ -16545,40 +13805,1726 @@
           <a:bodyPr/>
           <a:lstStyle/>
           <a:p>
-            <a:r>
-              <a:rPr lang="hu-HU" dirty="0" smtClean="0"/>
-              <a:t>Szerkesztés alatt a két fül kidolgozása</a:t>
-            </a:r>
-          </a:p>
-          <a:p>
-            <a:r>
-              <a:rPr lang="hu-HU" dirty="0" smtClean="0"/>
-              <a:t>Visszavételezésnél az adatbázis frissítése</a:t>
-            </a:r>
-          </a:p>
-          <a:p>
-            <a:r>
-              <a:rPr lang="hu-HU" dirty="0" smtClean="0"/>
-              <a:t>Korhatár kezelés implementálása</a:t>
-            </a:r>
-          </a:p>
-          <a:p>
+            <a:pPr>
+              <a:buFontTx/>
+              <a:buChar char="-"/>
+            </a:pPr>
             <a:r>
               <a:rPr lang="hu-HU" dirty="0" err="1" smtClean="0"/>
-              <a:t>Search</a:t>
+              <a:t>All</a:t>
             </a:r>
             <a:r>
               <a:rPr lang="hu-HU" dirty="0" smtClean="0"/>
-              <a:t> bar hozzáadása a játékok/kölcsönzések listájához</a:t>
+              <a:t> in </a:t>
             </a:r>
-            <a:endParaRPr lang="hu-HU" dirty="0"/>
+            <a:r>
+              <a:rPr lang="hu-HU" dirty="0" err="1" smtClean="0"/>
+              <a:t>one</a:t>
+            </a:r>
+            <a:r>
+              <a:rPr lang="hu-HU" dirty="0" smtClean="0"/>
+              <a:t>: Minden egy ablakon van rajta.</a:t>
+            </a:r>
+          </a:p>
+          <a:p>
+            <a:pPr>
+              <a:buFontTx/>
+              <a:buChar char="-"/>
+            </a:pPr>
+            <a:r>
+              <a:rPr lang="hu-HU" dirty="0" smtClean="0"/>
+              <a:t>Egyszerű, lényeg a használhatóság.</a:t>
+            </a:r>
+          </a:p>
+          <a:p>
+            <a:pPr marL="0" indent="0">
+              <a:buNone/>
+            </a:pPr>
+            <a:endParaRPr lang="hu-HU" dirty="0" smtClean="0"/>
           </a:p>
         </p:txBody>
       </p:sp>
+      <p:pic>
+        <p:nvPicPr>
+          <p:cNvPr id="6" name="Kép 5"/>
+          <p:cNvPicPr>
+            <a:picLocks noChangeAspect="1"/>
+          </p:cNvPicPr>
+          <p:nvPr/>
+        </p:nvPicPr>
+        <p:blipFill>
+          <a:blip r:embed="rId2"/>
+          <a:stretch>
+            <a:fillRect/>
+          </a:stretch>
+        </p:blipFill>
+        <p:spPr>
+          <a:xfrm>
+            <a:off x="1556243" y="3311497"/>
+            <a:ext cx="3455373" cy="3384128"/>
+          </a:xfrm>
+          <a:prstGeom prst="rect">
+            <a:avLst/>
+          </a:prstGeom>
+        </p:spPr>
+      </p:pic>
     </p:spTree>
     <p:extLst>
       <p:ext uri="{BB962C8B-B14F-4D97-AF65-F5344CB8AC3E}">
-        <p14:creationId xmlns:p14="http://schemas.microsoft.com/office/powerpoint/2010/main" val="1497780016"/>
+        <p14:creationId xmlns:p14="http://schemas.microsoft.com/office/powerpoint/2010/main" val="1171665109"/>
+      </p:ext>
+    </p:extLst>
+  </p:cSld>
+  <p:clrMapOvr>
+    <a:masterClrMapping/>
+  </p:clrMapOvr>
+  <p:timing>
+    <p:tnLst>
+      <p:par>
+        <p:cTn id="1" dur="indefinite" restart="never" nodeType="tmRoot">
+          <p:childTnLst>
+            <p:seq concurrent="1" nextAc="seek">
+              <p:cTn id="2" dur="indefinite" nodeType="mainSeq">
+                <p:childTnLst>
+                  <p:par>
+                    <p:cTn id="3" fill="hold">
+                      <p:stCondLst>
+                        <p:cond delay="indefinite"/>
+                        <p:cond evt="onBegin" delay="0">
+                          <p:tn val="2"/>
+                        </p:cond>
+                      </p:stCondLst>
+                      <p:childTnLst>
+                        <p:par>
+                          <p:cTn id="4" fill="hold">
+                            <p:stCondLst>
+                              <p:cond delay="0"/>
+                            </p:stCondLst>
+                            <p:childTnLst>
+                              <p:par>
+                                <p:cTn id="5" presetID="6" presetClass="entr" presetSubtype="16" fill="hold" grpId="0" nodeType="afterEffect">
+                                  <p:stCondLst>
+                                    <p:cond delay="0"/>
+                                  </p:stCondLst>
+                                  <p:childTnLst>
+                                    <p:set>
+                                      <p:cBhvr>
+                                        <p:cTn id="6" dur="1" fill="hold">
+                                          <p:stCondLst>
+                                            <p:cond delay="0"/>
+                                          </p:stCondLst>
+                                        </p:cTn>
+                                        <p:tgtEl>
+                                          <p:spTgt spid="2"/>
+                                        </p:tgtEl>
+                                        <p:attrNameLst>
+                                          <p:attrName>style.visibility</p:attrName>
+                                        </p:attrNameLst>
+                                      </p:cBhvr>
+                                      <p:to>
+                                        <p:strVal val="visible"/>
+                                      </p:to>
+                                    </p:set>
+                                    <p:animEffect transition="in" filter="circle(in)">
+                                      <p:cBhvr>
+                                        <p:cTn id="7" dur="2000"/>
+                                        <p:tgtEl>
+                                          <p:spTgt spid="2"/>
+                                        </p:tgtEl>
+                                      </p:cBhvr>
+                                    </p:animEffect>
+                                  </p:childTnLst>
+                                </p:cTn>
+                              </p:par>
+                            </p:childTnLst>
+                          </p:cTn>
+                        </p:par>
+                      </p:childTnLst>
+                    </p:cTn>
+                  </p:par>
+                  <p:par>
+                    <p:cTn id="8" fill="hold">
+                      <p:stCondLst>
+                        <p:cond delay="indefinite"/>
+                      </p:stCondLst>
+                      <p:childTnLst>
+                        <p:par>
+                          <p:cTn id="9" fill="hold">
+                            <p:stCondLst>
+                              <p:cond delay="0"/>
+                            </p:stCondLst>
+                            <p:childTnLst>
+                              <p:par>
+                                <p:cTn id="10" presetID="16" presetClass="entr" presetSubtype="21" fill="hold" nodeType="clickEffect">
+                                  <p:stCondLst>
+                                    <p:cond delay="0"/>
+                                  </p:stCondLst>
+                                  <p:childTnLst>
+                                    <p:set>
+                                      <p:cBhvr>
+                                        <p:cTn id="11" dur="1" fill="hold">
+                                          <p:stCondLst>
+                                            <p:cond delay="0"/>
+                                          </p:stCondLst>
+                                        </p:cTn>
+                                        <p:tgtEl>
+                                          <p:spTgt spid="3">
+                                            <p:txEl>
+                                              <p:pRg st="0" end="0"/>
+                                            </p:txEl>
+                                          </p:spTgt>
+                                        </p:tgtEl>
+                                        <p:attrNameLst>
+                                          <p:attrName>style.visibility</p:attrName>
+                                        </p:attrNameLst>
+                                      </p:cBhvr>
+                                      <p:to>
+                                        <p:strVal val="visible"/>
+                                      </p:to>
+                                    </p:set>
+                                    <p:animEffect transition="in" filter="barn(inVertical)">
+                                      <p:cBhvr>
+                                        <p:cTn id="12" dur="500"/>
+                                        <p:tgtEl>
+                                          <p:spTgt spid="3">
+                                            <p:txEl>
+                                              <p:pRg st="0" end="0"/>
+                                            </p:txEl>
+                                          </p:spTgt>
+                                        </p:tgtEl>
+                                      </p:cBhvr>
+                                    </p:animEffect>
+                                  </p:childTnLst>
+                                </p:cTn>
+                              </p:par>
+                            </p:childTnLst>
+                          </p:cTn>
+                        </p:par>
+                      </p:childTnLst>
+                    </p:cTn>
+                  </p:par>
+                  <p:par>
+                    <p:cTn id="13" fill="hold">
+                      <p:stCondLst>
+                        <p:cond delay="indefinite"/>
+                      </p:stCondLst>
+                      <p:childTnLst>
+                        <p:par>
+                          <p:cTn id="14" fill="hold">
+                            <p:stCondLst>
+                              <p:cond delay="0"/>
+                            </p:stCondLst>
+                            <p:childTnLst>
+                              <p:par>
+                                <p:cTn id="15" presetID="16" presetClass="entr" presetSubtype="21" fill="hold" nodeType="clickEffect">
+                                  <p:stCondLst>
+                                    <p:cond delay="0"/>
+                                  </p:stCondLst>
+                                  <p:childTnLst>
+                                    <p:set>
+                                      <p:cBhvr>
+                                        <p:cTn id="16" dur="1" fill="hold">
+                                          <p:stCondLst>
+                                            <p:cond delay="0"/>
+                                          </p:stCondLst>
+                                        </p:cTn>
+                                        <p:tgtEl>
+                                          <p:spTgt spid="3">
+                                            <p:txEl>
+                                              <p:pRg st="1" end="1"/>
+                                            </p:txEl>
+                                          </p:spTgt>
+                                        </p:tgtEl>
+                                        <p:attrNameLst>
+                                          <p:attrName>style.visibility</p:attrName>
+                                        </p:attrNameLst>
+                                      </p:cBhvr>
+                                      <p:to>
+                                        <p:strVal val="visible"/>
+                                      </p:to>
+                                    </p:set>
+                                    <p:animEffect transition="in" filter="barn(inVertical)">
+                                      <p:cBhvr>
+                                        <p:cTn id="17" dur="500"/>
+                                        <p:tgtEl>
+                                          <p:spTgt spid="3">
+                                            <p:txEl>
+                                              <p:pRg st="1" end="1"/>
+                                            </p:txEl>
+                                          </p:spTgt>
+                                        </p:tgtEl>
+                                      </p:cBhvr>
+                                    </p:animEffect>
+                                  </p:childTnLst>
+                                </p:cTn>
+                              </p:par>
+                            </p:childTnLst>
+                          </p:cTn>
+                        </p:par>
+                        <p:par>
+                          <p:cTn id="18" fill="hold">
+                            <p:stCondLst>
+                              <p:cond delay="500"/>
+                            </p:stCondLst>
+                            <p:childTnLst>
+                              <p:par>
+                                <p:cTn id="19" presetID="2" presetClass="entr" presetSubtype="4" fill="hold" nodeType="afterEffect">
+                                  <p:stCondLst>
+                                    <p:cond delay="0"/>
+                                  </p:stCondLst>
+                                  <p:childTnLst>
+                                    <p:set>
+                                      <p:cBhvr>
+                                        <p:cTn id="20" dur="1" fill="hold">
+                                          <p:stCondLst>
+                                            <p:cond delay="0"/>
+                                          </p:stCondLst>
+                                        </p:cTn>
+                                        <p:tgtEl>
+                                          <p:spTgt spid="6"/>
+                                        </p:tgtEl>
+                                        <p:attrNameLst>
+                                          <p:attrName>style.visibility</p:attrName>
+                                        </p:attrNameLst>
+                                      </p:cBhvr>
+                                      <p:to>
+                                        <p:strVal val="visible"/>
+                                      </p:to>
+                                    </p:set>
+                                    <p:anim calcmode="lin" valueType="num">
+                                      <p:cBhvr additive="base">
+                                        <p:cTn id="21" dur="500" fill="hold"/>
+                                        <p:tgtEl>
+                                          <p:spTgt spid="6"/>
+                                        </p:tgtEl>
+                                        <p:attrNameLst>
+                                          <p:attrName>ppt_x</p:attrName>
+                                        </p:attrNameLst>
+                                      </p:cBhvr>
+                                      <p:tavLst>
+                                        <p:tav tm="0">
+                                          <p:val>
+                                            <p:strVal val="#ppt_x"/>
+                                          </p:val>
+                                        </p:tav>
+                                        <p:tav tm="100000">
+                                          <p:val>
+                                            <p:strVal val="#ppt_x"/>
+                                          </p:val>
+                                        </p:tav>
+                                      </p:tavLst>
+                                    </p:anim>
+                                    <p:anim calcmode="lin" valueType="num">
+                                      <p:cBhvr additive="base">
+                                        <p:cTn id="22" dur="500" fill="hold"/>
+                                        <p:tgtEl>
+                                          <p:spTgt spid="6"/>
+                                        </p:tgtEl>
+                                        <p:attrNameLst>
+                                          <p:attrName>ppt_y</p:attrName>
+                                        </p:attrNameLst>
+                                      </p:cBhvr>
+                                      <p:tavLst>
+                                        <p:tav tm="0">
+                                          <p:val>
+                                            <p:strVal val="1+#ppt_h/2"/>
+                                          </p:val>
+                                        </p:tav>
+                                        <p:tav tm="100000">
+                                          <p:val>
+                                            <p:strVal val="#ppt_y"/>
+                                          </p:val>
+                                        </p:tav>
+                                      </p:tavLst>
+                                    </p:anim>
+                                  </p:childTnLst>
+                                </p:cTn>
+                              </p:par>
+                            </p:childTnLst>
+                          </p:cTn>
+                        </p:par>
+                      </p:childTnLst>
+                    </p:cTn>
+                  </p:par>
+                </p:childTnLst>
+              </p:cTn>
+              <p:prevCondLst>
+                <p:cond evt="onPrev" delay="0">
+                  <p:tgtEl>
+                    <p:sldTgt/>
+                  </p:tgtEl>
+                </p:cond>
+              </p:prevCondLst>
+              <p:nextCondLst>
+                <p:cond evt="onNext" delay="0">
+                  <p:tgtEl>
+                    <p:sldTgt/>
+                  </p:tgtEl>
+                </p:cond>
+              </p:nextCondLst>
+            </p:seq>
+          </p:childTnLst>
+        </p:cTn>
+      </p:par>
+    </p:tnLst>
+    <p:bldLst>
+      <p:bldP spid="2" grpId="0"/>
+    </p:bldLst>
+  </p:timing>
+</p:sld>
+</file>
+
+<file path=ppt/slides/slide3.xml><?xml version="1.0" encoding="utf-8"?>
+<p:sld xmlns:a="http://schemas.openxmlformats.org/drawingml/2006/main" xmlns:r="http://schemas.openxmlformats.org/officeDocument/2006/relationships" xmlns:p="http://schemas.openxmlformats.org/presentationml/2006/main">
+  <p:cSld>
+    <p:spTree>
+      <p:nvGrpSpPr>
+        <p:cNvPr id="1" name=""/>
+        <p:cNvGrpSpPr/>
+        <p:nvPr/>
+      </p:nvGrpSpPr>
+      <p:grpSpPr>
+        <a:xfrm>
+          <a:off x="0" y="0"/>
+          <a:ext cx="0" cy="0"/>
+          <a:chOff x="0" y="0"/>
+          <a:chExt cx="0" cy="0"/>
+        </a:xfrm>
+      </p:grpSpPr>
+      <p:sp>
+        <p:nvSpPr>
+          <p:cNvPr id="2" name="Cím 1"/>
+          <p:cNvSpPr>
+            <a:spLocks noGrp="1"/>
+          </p:cNvSpPr>
+          <p:nvPr>
+            <p:ph type="title"/>
+          </p:nvPr>
+        </p:nvSpPr>
+        <p:spPr/>
+        <p:txBody>
+          <a:bodyPr/>
+          <a:lstStyle/>
+          <a:p>
+            <a:pPr algn="ctr"/>
+            <a:r>
+              <a:rPr lang="hu-HU" dirty="0" smtClean="0"/>
+              <a:t>List of </a:t>
+            </a:r>
+            <a:r>
+              <a:rPr lang="hu-HU" dirty="0" err="1" smtClean="0"/>
+              <a:t>games</a:t>
+            </a:r>
+            <a:endParaRPr lang="hu-HU" dirty="0"/>
+          </a:p>
+        </p:txBody>
+      </p:sp>
+      <p:pic>
+        <p:nvPicPr>
+          <p:cNvPr id="5" name="Tartalom helye 4"/>
+          <p:cNvPicPr>
+            <a:picLocks noGrp="1" noChangeAspect="1"/>
+          </p:cNvPicPr>
+          <p:nvPr>
+            <p:ph idx="1"/>
+          </p:nvPr>
+        </p:nvPicPr>
+        <p:blipFill rotWithShape="1">
+          <a:blip r:embed="rId2"/>
+          <a:srcRect t="8726" b="47581"/>
+          <a:stretch/>
+        </p:blipFill>
+        <p:spPr>
+          <a:xfrm>
+            <a:off x="2285690" y="1892699"/>
+            <a:ext cx="7617444" cy="3259593"/>
+          </a:xfrm>
+          <a:prstGeom prst="rect">
+            <a:avLst/>
+          </a:prstGeom>
+        </p:spPr>
+      </p:pic>
+    </p:spTree>
+    <p:extLst>
+      <p:ext uri="{BB962C8B-B14F-4D97-AF65-F5344CB8AC3E}">
+        <p14:creationId xmlns:p14="http://schemas.microsoft.com/office/powerpoint/2010/main" val="1108815225"/>
+      </p:ext>
+    </p:extLst>
+  </p:cSld>
+  <p:clrMapOvr>
+    <a:masterClrMapping/>
+  </p:clrMapOvr>
+  <p:timing>
+    <p:tnLst>
+      <p:par>
+        <p:cTn id="1" dur="indefinite" restart="never" nodeType="tmRoot">
+          <p:childTnLst>
+            <p:seq concurrent="1" nextAc="seek">
+              <p:cTn id="2" dur="indefinite" nodeType="mainSeq">
+                <p:childTnLst>
+                  <p:par>
+                    <p:cTn id="3" fill="hold">
+                      <p:stCondLst>
+                        <p:cond delay="indefinite"/>
+                        <p:cond evt="onBegin" delay="0">
+                          <p:tn val="2"/>
+                        </p:cond>
+                      </p:stCondLst>
+                      <p:childTnLst>
+                        <p:par>
+                          <p:cTn id="4" fill="hold">
+                            <p:stCondLst>
+                              <p:cond delay="0"/>
+                            </p:stCondLst>
+                            <p:childTnLst>
+                              <p:par>
+                                <p:cTn id="5" presetID="6" presetClass="entr" presetSubtype="16" fill="hold" grpId="0" nodeType="afterEffect">
+                                  <p:stCondLst>
+                                    <p:cond delay="0"/>
+                                  </p:stCondLst>
+                                  <p:childTnLst>
+                                    <p:set>
+                                      <p:cBhvr>
+                                        <p:cTn id="6" dur="1" fill="hold">
+                                          <p:stCondLst>
+                                            <p:cond delay="0"/>
+                                          </p:stCondLst>
+                                        </p:cTn>
+                                        <p:tgtEl>
+                                          <p:spTgt spid="2"/>
+                                        </p:tgtEl>
+                                        <p:attrNameLst>
+                                          <p:attrName>style.visibility</p:attrName>
+                                        </p:attrNameLst>
+                                      </p:cBhvr>
+                                      <p:to>
+                                        <p:strVal val="visible"/>
+                                      </p:to>
+                                    </p:set>
+                                    <p:animEffect transition="in" filter="circle(in)">
+                                      <p:cBhvr>
+                                        <p:cTn id="7" dur="2000"/>
+                                        <p:tgtEl>
+                                          <p:spTgt spid="2"/>
+                                        </p:tgtEl>
+                                      </p:cBhvr>
+                                    </p:animEffect>
+                                  </p:childTnLst>
+                                </p:cTn>
+                              </p:par>
+                            </p:childTnLst>
+                          </p:cTn>
+                        </p:par>
+                      </p:childTnLst>
+                    </p:cTn>
+                  </p:par>
+                  <p:par>
+                    <p:cTn id="8" fill="hold">
+                      <p:stCondLst>
+                        <p:cond delay="indefinite"/>
+                      </p:stCondLst>
+                      <p:childTnLst>
+                        <p:par>
+                          <p:cTn id="9" fill="hold">
+                            <p:stCondLst>
+                              <p:cond delay="0"/>
+                            </p:stCondLst>
+                            <p:childTnLst>
+                              <p:par>
+                                <p:cTn id="10" presetID="2" presetClass="entr" presetSubtype="4" fill="hold" nodeType="clickEffect">
+                                  <p:stCondLst>
+                                    <p:cond delay="0"/>
+                                  </p:stCondLst>
+                                  <p:childTnLst>
+                                    <p:set>
+                                      <p:cBhvr>
+                                        <p:cTn id="11" dur="1" fill="hold">
+                                          <p:stCondLst>
+                                            <p:cond delay="0"/>
+                                          </p:stCondLst>
+                                        </p:cTn>
+                                        <p:tgtEl>
+                                          <p:spTgt spid="5"/>
+                                        </p:tgtEl>
+                                        <p:attrNameLst>
+                                          <p:attrName>style.visibility</p:attrName>
+                                        </p:attrNameLst>
+                                      </p:cBhvr>
+                                      <p:to>
+                                        <p:strVal val="visible"/>
+                                      </p:to>
+                                    </p:set>
+                                    <p:anim calcmode="lin" valueType="num">
+                                      <p:cBhvr additive="base">
+                                        <p:cTn id="12" dur="500" fill="hold"/>
+                                        <p:tgtEl>
+                                          <p:spTgt spid="5"/>
+                                        </p:tgtEl>
+                                        <p:attrNameLst>
+                                          <p:attrName>ppt_x</p:attrName>
+                                        </p:attrNameLst>
+                                      </p:cBhvr>
+                                      <p:tavLst>
+                                        <p:tav tm="0">
+                                          <p:val>
+                                            <p:strVal val="#ppt_x"/>
+                                          </p:val>
+                                        </p:tav>
+                                        <p:tav tm="100000">
+                                          <p:val>
+                                            <p:strVal val="#ppt_x"/>
+                                          </p:val>
+                                        </p:tav>
+                                      </p:tavLst>
+                                    </p:anim>
+                                    <p:anim calcmode="lin" valueType="num">
+                                      <p:cBhvr additive="base">
+                                        <p:cTn id="13" dur="500" fill="hold"/>
+                                        <p:tgtEl>
+                                          <p:spTgt spid="5"/>
+                                        </p:tgtEl>
+                                        <p:attrNameLst>
+                                          <p:attrName>ppt_y</p:attrName>
+                                        </p:attrNameLst>
+                                      </p:cBhvr>
+                                      <p:tavLst>
+                                        <p:tav tm="0">
+                                          <p:val>
+                                            <p:strVal val="1+#ppt_h/2"/>
+                                          </p:val>
+                                        </p:tav>
+                                        <p:tav tm="100000">
+                                          <p:val>
+                                            <p:strVal val="#ppt_y"/>
+                                          </p:val>
+                                        </p:tav>
+                                      </p:tavLst>
+                                    </p:anim>
+                                  </p:childTnLst>
+                                </p:cTn>
+                              </p:par>
+                            </p:childTnLst>
+                          </p:cTn>
+                        </p:par>
+                      </p:childTnLst>
+                    </p:cTn>
+                  </p:par>
+                </p:childTnLst>
+              </p:cTn>
+              <p:prevCondLst>
+                <p:cond evt="onPrev" delay="0">
+                  <p:tgtEl>
+                    <p:sldTgt/>
+                  </p:tgtEl>
+                </p:cond>
+              </p:prevCondLst>
+              <p:nextCondLst>
+                <p:cond evt="onNext" delay="0">
+                  <p:tgtEl>
+                    <p:sldTgt/>
+                  </p:tgtEl>
+                </p:cond>
+              </p:nextCondLst>
+            </p:seq>
+          </p:childTnLst>
+        </p:cTn>
+      </p:par>
+    </p:tnLst>
+    <p:bldLst>
+      <p:bldP spid="2" grpId="0"/>
+    </p:bldLst>
+  </p:timing>
+</p:sld>
+</file>
+
+<file path=ppt/slides/slide4.xml><?xml version="1.0" encoding="utf-8"?>
+<p:sld xmlns:a="http://schemas.openxmlformats.org/drawingml/2006/main" xmlns:r="http://schemas.openxmlformats.org/officeDocument/2006/relationships" xmlns:p="http://schemas.openxmlformats.org/presentationml/2006/main">
+  <p:cSld>
+    <p:spTree>
+      <p:nvGrpSpPr>
+        <p:cNvPr id="1" name=""/>
+        <p:cNvGrpSpPr/>
+        <p:nvPr/>
+      </p:nvGrpSpPr>
+      <p:grpSpPr>
+        <a:xfrm>
+          <a:off x="0" y="0"/>
+          <a:ext cx="0" cy="0"/>
+          <a:chOff x="0" y="0"/>
+          <a:chExt cx="0" cy="0"/>
+        </a:xfrm>
+      </p:grpSpPr>
+      <p:sp>
+        <p:nvSpPr>
+          <p:cNvPr id="2" name="Cím 1"/>
+          <p:cNvSpPr>
+            <a:spLocks noGrp="1"/>
+          </p:cNvSpPr>
+          <p:nvPr>
+            <p:ph type="title"/>
+          </p:nvPr>
+        </p:nvSpPr>
+        <p:spPr/>
+        <p:txBody>
+          <a:bodyPr/>
+          <a:lstStyle/>
+          <a:p>
+            <a:pPr algn="ctr"/>
+            <a:r>
+              <a:rPr lang="hu-HU" dirty="0" smtClean="0"/>
+              <a:t>List of </a:t>
+            </a:r>
+            <a:r>
+              <a:rPr lang="hu-HU" dirty="0" err="1" smtClean="0"/>
+              <a:t>rentals</a:t>
+            </a:r>
+            <a:endParaRPr lang="hu-HU" dirty="0"/>
+          </a:p>
+        </p:txBody>
+      </p:sp>
+      <p:sp>
+        <p:nvSpPr>
+          <p:cNvPr id="3" name="Tartalom helye 2"/>
+          <p:cNvSpPr>
+            <a:spLocks noGrp="1"/>
+          </p:cNvSpPr>
+          <p:nvPr>
+            <p:ph idx="1"/>
+          </p:nvPr>
+        </p:nvSpPr>
+        <p:spPr/>
+        <p:txBody>
+          <a:bodyPr/>
+          <a:lstStyle/>
+          <a:p>
+            <a:endParaRPr lang="hu-HU"/>
+          </a:p>
+        </p:txBody>
+      </p:sp>
+      <p:pic>
+        <p:nvPicPr>
+          <p:cNvPr id="5" name="Kép 4"/>
+          <p:cNvPicPr>
+            <a:picLocks noChangeAspect="1"/>
+          </p:cNvPicPr>
+          <p:nvPr/>
+        </p:nvPicPr>
+        <p:blipFill rotWithShape="1">
+          <a:blip r:embed="rId2"/>
+          <a:srcRect t="53913"/>
+          <a:stretch/>
+        </p:blipFill>
+        <p:spPr>
+          <a:xfrm>
+            <a:off x="2171070" y="2249487"/>
+            <a:ext cx="7846681" cy="3541714"/>
+          </a:xfrm>
+          <a:prstGeom prst="rect">
+            <a:avLst/>
+          </a:prstGeom>
+        </p:spPr>
+      </p:pic>
+    </p:spTree>
+    <p:extLst>
+      <p:ext uri="{BB962C8B-B14F-4D97-AF65-F5344CB8AC3E}">
+        <p14:creationId xmlns:p14="http://schemas.microsoft.com/office/powerpoint/2010/main" val="2715239425"/>
+      </p:ext>
+    </p:extLst>
+  </p:cSld>
+  <p:clrMapOvr>
+    <a:masterClrMapping/>
+  </p:clrMapOvr>
+  <p:timing>
+    <p:tnLst>
+      <p:par>
+        <p:cTn id="1" dur="indefinite" restart="never" nodeType="tmRoot">
+          <p:childTnLst>
+            <p:seq concurrent="1" nextAc="seek">
+              <p:cTn id="2" dur="indefinite" nodeType="mainSeq">
+                <p:childTnLst>
+                  <p:par>
+                    <p:cTn id="3" fill="hold">
+                      <p:stCondLst>
+                        <p:cond delay="indefinite"/>
+                        <p:cond evt="onBegin" delay="0">
+                          <p:tn val="2"/>
+                        </p:cond>
+                      </p:stCondLst>
+                      <p:childTnLst>
+                        <p:par>
+                          <p:cTn id="4" fill="hold">
+                            <p:stCondLst>
+                              <p:cond delay="0"/>
+                            </p:stCondLst>
+                            <p:childTnLst>
+                              <p:par>
+                                <p:cTn id="5" presetID="6" presetClass="entr" presetSubtype="16" fill="hold" grpId="0" nodeType="afterEffect">
+                                  <p:stCondLst>
+                                    <p:cond delay="0"/>
+                                  </p:stCondLst>
+                                  <p:childTnLst>
+                                    <p:set>
+                                      <p:cBhvr>
+                                        <p:cTn id="6" dur="1" fill="hold">
+                                          <p:stCondLst>
+                                            <p:cond delay="0"/>
+                                          </p:stCondLst>
+                                        </p:cTn>
+                                        <p:tgtEl>
+                                          <p:spTgt spid="2"/>
+                                        </p:tgtEl>
+                                        <p:attrNameLst>
+                                          <p:attrName>style.visibility</p:attrName>
+                                        </p:attrNameLst>
+                                      </p:cBhvr>
+                                      <p:to>
+                                        <p:strVal val="visible"/>
+                                      </p:to>
+                                    </p:set>
+                                    <p:animEffect transition="in" filter="circle(in)">
+                                      <p:cBhvr>
+                                        <p:cTn id="7" dur="2000"/>
+                                        <p:tgtEl>
+                                          <p:spTgt spid="2"/>
+                                        </p:tgtEl>
+                                      </p:cBhvr>
+                                    </p:animEffect>
+                                  </p:childTnLst>
+                                </p:cTn>
+                              </p:par>
+                            </p:childTnLst>
+                          </p:cTn>
+                        </p:par>
+                      </p:childTnLst>
+                    </p:cTn>
+                  </p:par>
+                  <p:par>
+                    <p:cTn id="8" fill="hold">
+                      <p:stCondLst>
+                        <p:cond delay="indefinite"/>
+                      </p:stCondLst>
+                      <p:childTnLst>
+                        <p:par>
+                          <p:cTn id="9" fill="hold">
+                            <p:stCondLst>
+                              <p:cond delay="0"/>
+                            </p:stCondLst>
+                            <p:childTnLst>
+                              <p:par>
+                                <p:cTn id="10" presetID="2" presetClass="entr" presetSubtype="4" fill="hold" nodeType="clickEffect">
+                                  <p:stCondLst>
+                                    <p:cond delay="0"/>
+                                  </p:stCondLst>
+                                  <p:childTnLst>
+                                    <p:set>
+                                      <p:cBhvr>
+                                        <p:cTn id="11" dur="1" fill="hold">
+                                          <p:stCondLst>
+                                            <p:cond delay="0"/>
+                                          </p:stCondLst>
+                                        </p:cTn>
+                                        <p:tgtEl>
+                                          <p:spTgt spid="5"/>
+                                        </p:tgtEl>
+                                        <p:attrNameLst>
+                                          <p:attrName>style.visibility</p:attrName>
+                                        </p:attrNameLst>
+                                      </p:cBhvr>
+                                      <p:to>
+                                        <p:strVal val="visible"/>
+                                      </p:to>
+                                    </p:set>
+                                    <p:anim calcmode="lin" valueType="num">
+                                      <p:cBhvr additive="base">
+                                        <p:cTn id="12" dur="500" fill="hold"/>
+                                        <p:tgtEl>
+                                          <p:spTgt spid="5"/>
+                                        </p:tgtEl>
+                                        <p:attrNameLst>
+                                          <p:attrName>ppt_x</p:attrName>
+                                        </p:attrNameLst>
+                                      </p:cBhvr>
+                                      <p:tavLst>
+                                        <p:tav tm="0">
+                                          <p:val>
+                                            <p:strVal val="#ppt_x"/>
+                                          </p:val>
+                                        </p:tav>
+                                        <p:tav tm="100000">
+                                          <p:val>
+                                            <p:strVal val="#ppt_x"/>
+                                          </p:val>
+                                        </p:tav>
+                                      </p:tavLst>
+                                    </p:anim>
+                                    <p:anim calcmode="lin" valueType="num">
+                                      <p:cBhvr additive="base">
+                                        <p:cTn id="13" dur="500" fill="hold"/>
+                                        <p:tgtEl>
+                                          <p:spTgt spid="5"/>
+                                        </p:tgtEl>
+                                        <p:attrNameLst>
+                                          <p:attrName>ppt_y</p:attrName>
+                                        </p:attrNameLst>
+                                      </p:cBhvr>
+                                      <p:tavLst>
+                                        <p:tav tm="0">
+                                          <p:val>
+                                            <p:strVal val="1+#ppt_h/2"/>
+                                          </p:val>
+                                        </p:tav>
+                                        <p:tav tm="100000">
+                                          <p:val>
+                                            <p:strVal val="#ppt_y"/>
+                                          </p:val>
+                                        </p:tav>
+                                      </p:tavLst>
+                                    </p:anim>
+                                  </p:childTnLst>
+                                </p:cTn>
+                              </p:par>
+                            </p:childTnLst>
+                          </p:cTn>
+                        </p:par>
+                      </p:childTnLst>
+                    </p:cTn>
+                  </p:par>
+                </p:childTnLst>
+              </p:cTn>
+              <p:prevCondLst>
+                <p:cond evt="onPrev" delay="0">
+                  <p:tgtEl>
+                    <p:sldTgt/>
+                  </p:tgtEl>
+                </p:cond>
+              </p:prevCondLst>
+              <p:nextCondLst>
+                <p:cond evt="onNext" delay="0">
+                  <p:tgtEl>
+                    <p:sldTgt/>
+                  </p:tgtEl>
+                </p:cond>
+              </p:nextCondLst>
+            </p:seq>
+          </p:childTnLst>
+        </p:cTn>
+      </p:par>
+    </p:tnLst>
+    <p:bldLst>
+      <p:bldP spid="2" grpId="0"/>
+    </p:bldLst>
+  </p:timing>
+</p:sld>
+</file>
+
+<file path=ppt/slides/slide5.xml><?xml version="1.0" encoding="utf-8"?>
+<p:sld xmlns:a="http://schemas.openxmlformats.org/drawingml/2006/main" xmlns:r="http://schemas.openxmlformats.org/officeDocument/2006/relationships" xmlns:p="http://schemas.openxmlformats.org/presentationml/2006/main">
+  <p:cSld>
+    <p:spTree>
+      <p:nvGrpSpPr>
+        <p:cNvPr id="1" name=""/>
+        <p:cNvGrpSpPr/>
+        <p:nvPr/>
+      </p:nvGrpSpPr>
+      <p:grpSpPr>
+        <a:xfrm>
+          <a:off x="0" y="0"/>
+          <a:ext cx="0" cy="0"/>
+          <a:chOff x="0" y="0"/>
+          <a:chExt cx="0" cy="0"/>
+        </a:xfrm>
+      </p:grpSpPr>
+      <p:sp>
+        <p:nvSpPr>
+          <p:cNvPr id="2" name="Cím 1"/>
+          <p:cNvSpPr>
+            <a:spLocks noGrp="1"/>
+          </p:cNvSpPr>
+          <p:nvPr>
+            <p:ph type="title"/>
+          </p:nvPr>
+        </p:nvSpPr>
+        <p:spPr/>
+        <p:txBody>
+          <a:bodyPr/>
+          <a:lstStyle/>
+          <a:p>
+            <a:pPr algn="ctr"/>
+            <a:r>
+              <a:rPr lang="hu-HU" dirty="0" err="1" smtClean="0"/>
+              <a:t>features</a:t>
+            </a:r>
+            <a:endParaRPr lang="hu-HU" dirty="0"/>
+          </a:p>
+        </p:txBody>
+      </p:sp>
+      <p:sp>
+        <p:nvSpPr>
+          <p:cNvPr id="5" name="Szövegdoboz 4"/>
+          <p:cNvSpPr txBox="1"/>
+          <p:nvPr/>
+        </p:nvSpPr>
+        <p:spPr>
+          <a:xfrm>
+            <a:off x="756138" y="2613574"/>
+            <a:ext cx="5758961" cy="1569660"/>
+          </a:xfrm>
+          <a:prstGeom prst="rect">
+            <a:avLst/>
+          </a:prstGeom>
+          <a:noFill/>
+        </p:spPr>
+        <p:txBody>
+          <a:bodyPr wrap="square" rtlCol="0">
+            <a:spAutoFit/>
+          </a:bodyPr>
+          <a:lstStyle/>
+          <a:p>
+            <a:r>
+              <a:rPr lang="hu-HU" sz="2400" dirty="0"/>
+              <a:t>Új kölcsönzés felvétele :</a:t>
+            </a:r>
+          </a:p>
+          <a:p>
+            <a:r>
+              <a:rPr lang="hu-HU" sz="2400" dirty="0"/>
+              <a:t>-kiválasztjuk a </a:t>
+            </a:r>
+            <a:r>
+              <a:rPr lang="hu-HU" sz="2400" dirty="0" smtClean="0"/>
+              <a:t>regisztrált </a:t>
+            </a:r>
+            <a:r>
+              <a:rPr lang="hu-HU" sz="2400" dirty="0"/>
+              <a:t>felhasználót</a:t>
+            </a:r>
+          </a:p>
+          <a:p>
+            <a:r>
+              <a:rPr lang="hu-HU" sz="2400" dirty="0"/>
+              <a:t>-majd a játékot és </a:t>
+            </a:r>
+            <a:r>
+              <a:rPr lang="hu-HU" sz="2400" dirty="0" smtClean="0"/>
+              <a:t>megadjuk,</a:t>
+            </a:r>
+            <a:br>
+              <a:rPr lang="hu-HU" sz="2400" dirty="0" smtClean="0"/>
+            </a:br>
+            <a:r>
+              <a:rPr lang="hu-HU" sz="2400" dirty="0" smtClean="0"/>
+              <a:t> </a:t>
+            </a:r>
+            <a:r>
+              <a:rPr lang="hu-HU" sz="2400" dirty="0"/>
+              <a:t>hogy hány napra veszi ki</a:t>
+            </a:r>
+          </a:p>
+        </p:txBody>
+      </p:sp>
+      <p:pic>
+        <p:nvPicPr>
+          <p:cNvPr id="7" name="Tartalom helye 6"/>
+          <p:cNvPicPr>
+            <a:picLocks noGrp="1" noChangeAspect="1"/>
+          </p:cNvPicPr>
+          <p:nvPr>
+            <p:ph idx="1"/>
+          </p:nvPr>
+        </p:nvPicPr>
+        <p:blipFill>
+          <a:blip r:embed="rId2"/>
+          <a:stretch>
+            <a:fillRect/>
+          </a:stretch>
+        </p:blipFill>
+        <p:spPr>
+          <a:xfrm>
+            <a:off x="6909005" y="2424731"/>
+            <a:ext cx="3734124" cy="2347163"/>
+          </a:xfrm>
+          <a:prstGeom prst="rect">
+            <a:avLst/>
+          </a:prstGeom>
+        </p:spPr>
+      </p:pic>
+      <p:pic>
+        <p:nvPicPr>
+          <p:cNvPr id="8" name="Kép 7"/>
+          <p:cNvPicPr>
+            <a:picLocks noChangeAspect="1"/>
+          </p:cNvPicPr>
+          <p:nvPr/>
+        </p:nvPicPr>
+        <p:blipFill>
+          <a:blip r:embed="rId3"/>
+          <a:stretch>
+            <a:fillRect/>
+          </a:stretch>
+        </p:blipFill>
+        <p:spPr>
+          <a:xfrm>
+            <a:off x="3793339" y="4231769"/>
+            <a:ext cx="2918713" cy="1828958"/>
+          </a:xfrm>
+          <a:prstGeom prst="rect">
+            <a:avLst/>
+          </a:prstGeom>
+        </p:spPr>
+      </p:pic>
+    </p:spTree>
+    <p:extLst>
+      <p:ext uri="{BB962C8B-B14F-4D97-AF65-F5344CB8AC3E}">
+        <p14:creationId xmlns:p14="http://schemas.microsoft.com/office/powerpoint/2010/main" val="477804239"/>
+      </p:ext>
+    </p:extLst>
+  </p:cSld>
+  <p:clrMapOvr>
+    <a:masterClrMapping/>
+  </p:clrMapOvr>
+  <p:timing>
+    <p:tnLst>
+      <p:par>
+        <p:cTn id="1" dur="indefinite" restart="never" nodeType="tmRoot">
+          <p:childTnLst>
+            <p:seq concurrent="1" nextAc="seek">
+              <p:cTn id="2" dur="indefinite" nodeType="mainSeq">
+                <p:childTnLst>
+                  <p:par>
+                    <p:cTn id="3" fill="hold">
+                      <p:stCondLst>
+                        <p:cond delay="indefinite"/>
+                        <p:cond evt="onBegin" delay="0">
+                          <p:tn val="2"/>
+                        </p:cond>
+                      </p:stCondLst>
+                      <p:childTnLst>
+                        <p:par>
+                          <p:cTn id="4" fill="hold">
+                            <p:stCondLst>
+                              <p:cond delay="0"/>
+                            </p:stCondLst>
+                            <p:childTnLst>
+                              <p:par>
+                                <p:cTn id="5" presetID="6" presetClass="entr" presetSubtype="16" fill="hold" grpId="0" nodeType="afterEffect">
+                                  <p:stCondLst>
+                                    <p:cond delay="0"/>
+                                  </p:stCondLst>
+                                  <p:childTnLst>
+                                    <p:set>
+                                      <p:cBhvr>
+                                        <p:cTn id="6" dur="1" fill="hold">
+                                          <p:stCondLst>
+                                            <p:cond delay="0"/>
+                                          </p:stCondLst>
+                                        </p:cTn>
+                                        <p:tgtEl>
+                                          <p:spTgt spid="2"/>
+                                        </p:tgtEl>
+                                        <p:attrNameLst>
+                                          <p:attrName>style.visibility</p:attrName>
+                                        </p:attrNameLst>
+                                      </p:cBhvr>
+                                      <p:to>
+                                        <p:strVal val="visible"/>
+                                      </p:to>
+                                    </p:set>
+                                    <p:animEffect transition="in" filter="circle(in)">
+                                      <p:cBhvr>
+                                        <p:cTn id="7" dur="2000"/>
+                                        <p:tgtEl>
+                                          <p:spTgt spid="2"/>
+                                        </p:tgtEl>
+                                      </p:cBhvr>
+                                    </p:animEffect>
+                                  </p:childTnLst>
+                                </p:cTn>
+                              </p:par>
+                            </p:childTnLst>
+                          </p:cTn>
+                        </p:par>
+                      </p:childTnLst>
+                    </p:cTn>
+                  </p:par>
+                  <p:par>
+                    <p:cTn id="8" fill="hold">
+                      <p:stCondLst>
+                        <p:cond delay="indefinite"/>
+                      </p:stCondLst>
+                      <p:childTnLst>
+                        <p:par>
+                          <p:cTn id="9" fill="hold">
+                            <p:stCondLst>
+                              <p:cond delay="0"/>
+                            </p:stCondLst>
+                            <p:childTnLst>
+                              <p:par>
+                                <p:cTn id="10" presetID="2" presetClass="entr" presetSubtype="8" fill="hold" nodeType="clickEffect">
+                                  <p:stCondLst>
+                                    <p:cond delay="0"/>
+                                  </p:stCondLst>
+                                  <p:childTnLst>
+                                    <p:set>
+                                      <p:cBhvr>
+                                        <p:cTn id="11" dur="1" fill="hold">
+                                          <p:stCondLst>
+                                            <p:cond delay="0"/>
+                                          </p:stCondLst>
+                                        </p:cTn>
+                                        <p:tgtEl>
+                                          <p:spTgt spid="5">
+                                            <p:txEl>
+                                              <p:pRg st="0" end="0"/>
+                                            </p:txEl>
+                                          </p:spTgt>
+                                        </p:tgtEl>
+                                        <p:attrNameLst>
+                                          <p:attrName>style.visibility</p:attrName>
+                                        </p:attrNameLst>
+                                      </p:cBhvr>
+                                      <p:to>
+                                        <p:strVal val="visible"/>
+                                      </p:to>
+                                    </p:set>
+                                    <p:anim calcmode="lin" valueType="num">
+                                      <p:cBhvr additive="base">
+                                        <p:cTn id="12" dur="500" fill="hold"/>
+                                        <p:tgtEl>
+                                          <p:spTgt spid="5">
+                                            <p:txEl>
+                                              <p:pRg st="0" end="0"/>
+                                            </p:txEl>
+                                          </p:spTgt>
+                                        </p:tgtEl>
+                                        <p:attrNameLst>
+                                          <p:attrName>ppt_x</p:attrName>
+                                        </p:attrNameLst>
+                                      </p:cBhvr>
+                                      <p:tavLst>
+                                        <p:tav tm="0">
+                                          <p:val>
+                                            <p:strVal val="0-#ppt_w/2"/>
+                                          </p:val>
+                                        </p:tav>
+                                        <p:tav tm="100000">
+                                          <p:val>
+                                            <p:strVal val="#ppt_x"/>
+                                          </p:val>
+                                        </p:tav>
+                                      </p:tavLst>
+                                    </p:anim>
+                                    <p:anim calcmode="lin" valueType="num">
+                                      <p:cBhvr additive="base">
+                                        <p:cTn id="13" dur="500" fill="hold"/>
+                                        <p:tgtEl>
+                                          <p:spTgt spid="5">
+                                            <p:txEl>
+                                              <p:pRg st="0" end="0"/>
+                                            </p:txEl>
+                                          </p:spTgt>
+                                        </p:tgtEl>
+                                        <p:attrNameLst>
+                                          <p:attrName>ppt_y</p:attrName>
+                                        </p:attrNameLst>
+                                      </p:cBhvr>
+                                      <p:tavLst>
+                                        <p:tav tm="0">
+                                          <p:val>
+                                            <p:strVal val="#ppt_y"/>
+                                          </p:val>
+                                        </p:tav>
+                                        <p:tav tm="100000">
+                                          <p:val>
+                                            <p:strVal val="#ppt_y"/>
+                                          </p:val>
+                                        </p:tav>
+                                      </p:tavLst>
+                                    </p:anim>
+                                  </p:childTnLst>
+                                </p:cTn>
+                              </p:par>
+                              <p:par>
+                                <p:cTn id="14" presetID="2" presetClass="entr" presetSubtype="8" fill="hold" nodeType="withEffect">
+                                  <p:stCondLst>
+                                    <p:cond delay="0"/>
+                                  </p:stCondLst>
+                                  <p:childTnLst>
+                                    <p:set>
+                                      <p:cBhvr>
+                                        <p:cTn id="15" dur="1" fill="hold">
+                                          <p:stCondLst>
+                                            <p:cond delay="0"/>
+                                          </p:stCondLst>
+                                        </p:cTn>
+                                        <p:tgtEl>
+                                          <p:spTgt spid="5">
+                                            <p:txEl>
+                                              <p:pRg st="1" end="1"/>
+                                            </p:txEl>
+                                          </p:spTgt>
+                                        </p:tgtEl>
+                                        <p:attrNameLst>
+                                          <p:attrName>style.visibility</p:attrName>
+                                        </p:attrNameLst>
+                                      </p:cBhvr>
+                                      <p:to>
+                                        <p:strVal val="visible"/>
+                                      </p:to>
+                                    </p:set>
+                                    <p:anim calcmode="lin" valueType="num">
+                                      <p:cBhvr additive="base">
+                                        <p:cTn id="16" dur="500" fill="hold"/>
+                                        <p:tgtEl>
+                                          <p:spTgt spid="5">
+                                            <p:txEl>
+                                              <p:pRg st="1" end="1"/>
+                                            </p:txEl>
+                                          </p:spTgt>
+                                        </p:tgtEl>
+                                        <p:attrNameLst>
+                                          <p:attrName>ppt_x</p:attrName>
+                                        </p:attrNameLst>
+                                      </p:cBhvr>
+                                      <p:tavLst>
+                                        <p:tav tm="0">
+                                          <p:val>
+                                            <p:strVal val="0-#ppt_w/2"/>
+                                          </p:val>
+                                        </p:tav>
+                                        <p:tav tm="100000">
+                                          <p:val>
+                                            <p:strVal val="#ppt_x"/>
+                                          </p:val>
+                                        </p:tav>
+                                      </p:tavLst>
+                                    </p:anim>
+                                    <p:anim calcmode="lin" valueType="num">
+                                      <p:cBhvr additive="base">
+                                        <p:cTn id="17" dur="500" fill="hold"/>
+                                        <p:tgtEl>
+                                          <p:spTgt spid="5">
+                                            <p:txEl>
+                                              <p:pRg st="1" end="1"/>
+                                            </p:txEl>
+                                          </p:spTgt>
+                                        </p:tgtEl>
+                                        <p:attrNameLst>
+                                          <p:attrName>ppt_y</p:attrName>
+                                        </p:attrNameLst>
+                                      </p:cBhvr>
+                                      <p:tavLst>
+                                        <p:tav tm="0">
+                                          <p:val>
+                                            <p:strVal val="#ppt_y"/>
+                                          </p:val>
+                                        </p:tav>
+                                        <p:tav tm="100000">
+                                          <p:val>
+                                            <p:strVal val="#ppt_y"/>
+                                          </p:val>
+                                        </p:tav>
+                                      </p:tavLst>
+                                    </p:anim>
+                                  </p:childTnLst>
+                                </p:cTn>
+                              </p:par>
+                              <p:par>
+                                <p:cTn id="18" presetID="2" presetClass="entr" presetSubtype="8" fill="hold" nodeType="withEffect">
+                                  <p:stCondLst>
+                                    <p:cond delay="0"/>
+                                  </p:stCondLst>
+                                  <p:childTnLst>
+                                    <p:set>
+                                      <p:cBhvr>
+                                        <p:cTn id="19" dur="1" fill="hold">
+                                          <p:stCondLst>
+                                            <p:cond delay="0"/>
+                                          </p:stCondLst>
+                                        </p:cTn>
+                                        <p:tgtEl>
+                                          <p:spTgt spid="5">
+                                            <p:txEl>
+                                              <p:pRg st="2" end="2"/>
+                                            </p:txEl>
+                                          </p:spTgt>
+                                        </p:tgtEl>
+                                        <p:attrNameLst>
+                                          <p:attrName>style.visibility</p:attrName>
+                                        </p:attrNameLst>
+                                      </p:cBhvr>
+                                      <p:to>
+                                        <p:strVal val="visible"/>
+                                      </p:to>
+                                    </p:set>
+                                    <p:anim calcmode="lin" valueType="num">
+                                      <p:cBhvr additive="base">
+                                        <p:cTn id="20" dur="500" fill="hold"/>
+                                        <p:tgtEl>
+                                          <p:spTgt spid="5">
+                                            <p:txEl>
+                                              <p:pRg st="2" end="2"/>
+                                            </p:txEl>
+                                          </p:spTgt>
+                                        </p:tgtEl>
+                                        <p:attrNameLst>
+                                          <p:attrName>ppt_x</p:attrName>
+                                        </p:attrNameLst>
+                                      </p:cBhvr>
+                                      <p:tavLst>
+                                        <p:tav tm="0">
+                                          <p:val>
+                                            <p:strVal val="0-#ppt_w/2"/>
+                                          </p:val>
+                                        </p:tav>
+                                        <p:tav tm="100000">
+                                          <p:val>
+                                            <p:strVal val="#ppt_x"/>
+                                          </p:val>
+                                        </p:tav>
+                                      </p:tavLst>
+                                    </p:anim>
+                                    <p:anim calcmode="lin" valueType="num">
+                                      <p:cBhvr additive="base">
+                                        <p:cTn id="21" dur="500" fill="hold"/>
+                                        <p:tgtEl>
+                                          <p:spTgt spid="5">
+                                            <p:txEl>
+                                              <p:pRg st="2" end="2"/>
+                                            </p:txEl>
+                                          </p:spTgt>
+                                        </p:tgtEl>
+                                        <p:attrNameLst>
+                                          <p:attrName>ppt_y</p:attrName>
+                                        </p:attrNameLst>
+                                      </p:cBhvr>
+                                      <p:tavLst>
+                                        <p:tav tm="0">
+                                          <p:val>
+                                            <p:strVal val="#ppt_y"/>
+                                          </p:val>
+                                        </p:tav>
+                                        <p:tav tm="100000">
+                                          <p:val>
+                                            <p:strVal val="#ppt_y"/>
+                                          </p:val>
+                                        </p:tav>
+                                      </p:tavLst>
+                                    </p:anim>
+                                  </p:childTnLst>
+                                </p:cTn>
+                              </p:par>
+                            </p:childTnLst>
+                          </p:cTn>
+                        </p:par>
+                        <p:par>
+                          <p:cTn id="22" fill="hold">
+                            <p:stCondLst>
+                              <p:cond delay="500"/>
+                            </p:stCondLst>
+                            <p:childTnLst>
+                              <p:par>
+                                <p:cTn id="23" presetID="2" presetClass="entr" presetSubtype="4" fill="hold" nodeType="afterEffect">
+                                  <p:stCondLst>
+                                    <p:cond delay="0"/>
+                                  </p:stCondLst>
+                                  <p:childTnLst>
+                                    <p:set>
+                                      <p:cBhvr>
+                                        <p:cTn id="24" dur="1" fill="hold">
+                                          <p:stCondLst>
+                                            <p:cond delay="0"/>
+                                          </p:stCondLst>
+                                        </p:cTn>
+                                        <p:tgtEl>
+                                          <p:spTgt spid="7"/>
+                                        </p:tgtEl>
+                                        <p:attrNameLst>
+                                          <p:attrName>style.visibility</p:attrName>
+                                        </p:attrNameLst>
+                                      </p:cBhvr>
+                                      <p:to>
+                                        <p:strVal val="visible"/>
+                                      </p:to>
+                                    </p:set>
+                                    <p:anim calcmode="lin" valueType="num">
+                                      <p:cBhvr additive="base">
+                                        <p:cTn id="25" dur="500" fill="hold"/>
+                                        <p:tgtEl>
+                                          <p:spTgt spid="7"/>
+                                        </p:tgtEl>
+                                        <p:attrNameLst>
+                                          <p:attrName>ppt_x</p:attrName>
+                                        </p:attrNameLst>
+                                      </p:cBhvr>
+                                      <p:tavLst>
+                                        <p:tav tm="0">
+                                          <p:val>
+                                            <p:strVal val="#ppt_x"/>
+                                          </p:val>
+                                        </p:tav>
+                                        <p:tav tm="100000">
+                                          <p:val>
+                                            <p:strVal val="#ppt_x"/>
+                                          </p:val>
+                                        </p:tav>
+                                      </p:tavLst>
+                                    </p:anim>
+                                    <p:anim calcmode="lin" valueType="num">
+                                      <p:cBhvr additive="base">
+                                        <p:cTn id="26" dur="500" fill="hold"/>
+                                        <p:tgtEl>
+                                          <p:spTgt spid="7"/>
+                                        </p:tgtEl>
+                                        <p:attrNameLst>
+                                          <p:attrName>ppt_y</p:attrName>
+                                        </p:attrNameLst>
+                                      </p:cBhvr>
+                                      <p:tavLst>
+                                        <p:tav tm="0">
+                                          <p:val>
+                                            <p:strVal val="1+#ppt_h/2"/>
+                                          </p:val>
+                                        </p:tav>
+                                        <p:tav tm="100000">
+                                          <p:val>
+                                            <p:strVal val="#ppt_y"/>
+                                          </p:val>
+                                        </p:tav>
+                                      </p:tavLst>
+                                    </p:anim>
+                                  </p:childTnLst>
+                                </p:cTn>
+                              </p:par>
+                            </p:childTnLst>
+                          </p:cTn>
+                        </p:par>
+                        <p:par>
+                          <p:cTn id="27" fill="hold">
+                            <p:stCondLst>
+                              <p:cond delay="1000"/>
+                            </p:stCondLst>
+                            <p:childTnLst>
+                              <p:par>
+                                <p:cTn id="28" presetID="2" presetClass="entr" presetSubtype="4" fill="hold" nodeType="afterEffect">
+                                  <p:stCondLst>
+                                    <p:cond delay="0"/>
+                                  </p:stCondLst>
+                                  <p:childTnLst>
+                                    <p:set>
+                                      <p:cBhvr>
+                                        <p:cTn id="29" dur="1" fill="hold">
+                                          <p:stCondLst>
+                                            <p:cond delay="0"/>
+                                          </p:stCondLst>
+                                        </p:cTn>
+                                        <p:tgtEl>
+                                          <p:spTgt spid="8"/>
+                                        </p:tgtEl>
+                                        <p:attrNameLst>
+                                          <p:attrName>style.visibility</p:attrName>
+                                        </p:attrNameLst>
+                                      </p:cBhvr>
+                                      <p:to>
+                                        <p:strVal val="visible"/>
+                                      </p:to>
+                                    </p:set>
+                                    <p:anim calcmode="lin" valueType="num">
+                                      <p:cBhvr additive="base">
+                                        <p:cTn id="30" dur="500" fill="hold"/>
+                                        <p:tgtEl>
+                                          <p:spTgt spid="8"/>
+                                        </p:tgtEl>
+                                        <p:attrNameLst>
+                                          <p:attrName>ppt_x</p:attrName>
+                                        </p:attrNameLst>
+                                      </p:cBhvr>
+                                      <p:tavLst>
+                                        <p:tav tm="0">
+                                          <p:val>
+                                            <p:strVal val="#ppt_x"/>
+                                          </p:val>
+                                        </p:tav>
+                                        <p:tav tm="100000">
+                                          <p:val>
+                                            <p:strVal val="#ppt_x"/>
+                                          </p:val>
+                                        </p:tav>
+                                      </p:tavLst>
+                                    </p:anim>
+                                    <p:anim calcmode="lin" valueType="num">
+                                      <p:cBhvr additive="base">
+                                        <p:cTn id="31" dur="500" fill="hold"/>
+                                        <p:tgtEl>
+                                          <p:spTgt spid="8"/>
+                                        </p:tgtEl>
+                                        <p:attrNameLst>
+                                          <p:attrName>ppt_y</p:attrName>
+                                        </p:attrNameLst>
+                                      </p:cBhvr>
+                                      <p:tavLst>
+                                        <p:tav tm="0">
+                                          <p:val>
+                                            <p:strVal val="1+#ppt_h/2"/>
+                                          </p:val>
+                                        </p:tav>
+                                        <p:tav tm="100000">
+                                          <p:val>
+                                            <p:strVal val="#ppt_y"/>
+                                          </p:val>
+                                        </p:tav>
+                                      </p:tavLst>
+                                    </p:anim>
+                                  </p:childTnLst>
+                                </p:cTn>
+                              </p:par>
+                            </p:childTnLst>
+                          </p:cTn>
+                        </p:par>
+                      </p:childTnLst>
+                    </p:cTn>
+                  </p:par>
+                </p:childTnLst>
+              </p:cTn>
+              <p:prevCondLst>
+                <p:cond evt="onPrev" delay="0">
+                  <p:tgtEl>
+                    <p:sldTgt/>
+                  </p:tgtEl>
+                </p:cond>
+              </p:prevCondLst>
+              <p:nextCondLst>
+                <p:cond evt="onNext" delay="0">
+                  <p:tgtEl>
+                    <p:sldTgt/>
+                  </p:tgtEl>
+                </p:cond>
+              </p:nextCondLst>
+            </p:seq>
+          </p:childTnLst>
+        </p:cTn>
+      </p:par>
+    </p:tnLst>
+    <p:bldLst>
+      <p:bldP spid="2" grpId="0"/>
+    </p:bldLst>
+  </p:timing>
+</p:sld>
+</file>
+
+<file path=ppt/slides/slide6.xml><?xml version="1.0" encoding="utf-8"?>
+<p:sld xmlns:a="http://schemas.openxmlformats.org/drawingml/2006/main" xmlns:r="http://schemas.openxmlformats.org/officeDocument/2006/relationships" xmlns:p="http://schemas.openxmlformats.org/presentationml/2006/main">
+  <p:cSld>
+    <p:spTree>
+      <p:nvGrpSpPr>
+        <p:cNvPr id="1" name=""/>
+        <p:cNvGrpSpPr/>
+        <p:nvPr/>
+      </p:nvGrpSpPr>
+      <p:grpSpPr>
+        <a:xfrm>
+          <a:off x="0" y="0"/>
+          <a:ext cx="0" cy="0"/>
+          <a:chOff x="0" y="0"/>
+          <a:chExt cx="0" cy="0"/>
+        </a:xfrm>
+      </p:grpSpPr>
+      <p:sp>
+        <p:nvSpPr>
+          <p:cNvPr id="2" name="Cím 1"/>
+          <p:cNvSpPr>
+            <a:spLocks noGrp="1"/>
+          </p:cNvSpPr>
+          <p:nvPr>
+            <p:ph type="title"/>
+          </p:nvPr>
+        </p:nvSpPr>
+        <p:spPr/>
+        <p:txBody>
+          <a:bodyPr/>
+          <a:lstStyle/>
+          <a:p>
+            <a:pPr algn="ctr"/>
+            <a:r>
+              <a:rPr lang="hu-HU" dirty="0" err="1" smtClean="0"/>
+              <a:t>features</a:t>
+            </a:r>
+            <a:endParaRPr lang="hu-HU" dirty="0"/>
+          </a:p>
+        </p:txBody>
+      </p:sp>
+      <p:sp>
+        <p:nvSpPr>
+          <p:cNvPr id="3" name="Tartalom helye 2"/>
+          <p:cNvSpPr>
+            <a:spLocks noGrp="1"/>
+          </p:cNvSpPr>
+          <p:nvPr>
+            <p:ph idx="1"/>
+          </p:nvPr>
+        </p:nvSpPr>
+        <p:spPr/>
+        <p:txBody>
+          <a:bodyPr/>
+          <a:lstStyle/>
+          <a:p>
+            <a:r>
+              <a:rPr lang="hu-HU" dirty="0" smtClean="0"/>
+              <a:t>Új játékok felvétele az adatbázisba</a:t>
+            </a:r>
+          </a:p>
+          <a:p>
+            <a:r>
+              <a:rPr lang="hu-HU" dirty="0" smtClean="0"/>
+              <a:t>Új kölcsönzők felvétele az </a:t>
+            </a:r>
+            <a:r>
+              <a:rPr lang="hu-HU" dirty="0" smtClean="0"/>
+              <a:t>adatbázisba</a:t>
+            </a:r>
+          </a:p>
+          <a:p>
+            <a:r>
+              <a:rPr lang="hu-HU" dirty="0" smtClean="0"/>
+              <a:t>Játékok elérhetőségének módosítása</a:t>
+            </a:r>
+          </a:p>
+          <a:p>
+            <a:r>
+              <a:rPr lang="hu-HU" dirty="0" smtClean="0"/>
+              <a:t>Kölcsönzők aktiválása/deaktiválása</a:t>
+            </a:r>
+            <a:endParaRPr lang="hu-HU" dirty="0"/>
+          </a:p>
+        </p:txBody>
+      </p:sp>
+      <p:pic>
+        <p:nvPicPr>
+          <p:cNvPr id="5" name="Kép 4"/>
+          <p:cNvPicPr>
+            <a:picLocks noChangeAspect="1"/>
+          </p:cNvPicPr>
+          <p:nvPr/>
+        </p:nvPicPr>
+        <p:blipFill>
+          <a:blip r:embed="rId2"/>
+          <a:stretch>
+            <a:fillRect/>
+          </a:stretch>
+        </p:blipFill>
+        <p:spPr>
+          <a:xfrm>
+            <a:off x="7340036" y="2249487"/>
+            <a:ext cx="2639233" cy="2310794"/>
+          </a:xfrm>
+          <a:prstGeom prst="rect">
+            <a:avLst/>
+          </a:prstGeom>
+        </p:spPr>
+      </p:pic>
+    </p:spTree>
+    <p:extLst>
+      <p:ext uri="{BB962C8B-B14F-4D97-AF65-F5344CB8AC3E}">
+        <p14:creationId xmlns:p14="http://schemas.microsoft.com/office/powerpoint/2010/main" val="1842969930"/>
       </p:ext>
     </p:extLst>
   </p:cSld>
@@ -17004,6 +15950,88 @@
                             </p:childTnLst>
                           </p:cTn>
                         </p:par>
+                        <p:par>
+                          <p:cTn id="26" fill="hold">
+                            <p:stCondLst>
+                              <p:cond delay="500"/>
+                            </p:stCondLst>
+                            <p:childTnLst>
+                              <p:par>
+                                <p:cTn id="27" presetID="2" presetClass="entr" presetSubtype="4" fill="hold" nodeType="afterEffect">
+                                  <p:stCondLst>
+                                    <p:cond delay="0"/>
+                                  </p:stCondLst>
+                                  <p:childTnLst>
+                                    <p:set>
+                                      <p:cBhvr>
+                                        <p:cTn id="28" dur="1" fill="hold">
+                                          <p:stCondLst>
+                                            <p:cond delay="0"/>
+                                          </p:stCondLst>
+                                        </p:cTn>
+                                        <p:tgtEl>
+                                          <p:spTgt spid="5"/>
+                                        </p:tgtEl>
+                                        <p:attrNameLst>
+                                          <p:attrName>style.visibility</p:attrName>
+                                        </p:attrNameLst>
+                                      </p:cBhvr>
+                                      <p:to>
+                                        <p:strVal val="visible"/>
+                                      </p:to>
+                                    </p:set>
+                                    <p:anim calcmode="lin" valueType="num">
+                                      <p:cBhvr additive="base">
+                                        <p:cTn id="29" dur="500" fill="hold"/>
+                                        <p:tgtEl>
+                                          <p:spTgt spid="5"/>
+                                        </p:tgtEl>
+                                        <p:attrNameLst>
+                                          <p:attrName>ppt_x</p:attrName>
+                                        </p:attrNameLst>
+                                      </p:cBhvr>
+                                      <p:tavLst>
+                                        <p:tav tm="0">
+                                          <p:val>
+                                            <p:strVal val="#ppt_x"/>
+                                          </p:val>
+                                        </p:tav>
+                                        <p:tav tm="100000">
+                                          <p:val>
+                                            <p:strVal val="#ppt_x"/>
+                                          </p:val>
+                                        </p:tav>
+                                      </p:tavLst>
+                                    </p:anim>
+                                    <p:anim calcmode="lin" valueType="num">
+                                      <p:cBhvr additive="base">
+                                        <p:cTn id="30" dur="500" fill="hold"/>
+                                        <p:tgtEl>
+                                          <p:spTgt spid="5"/>
+                                        </p:tgtEl>
+                                        <p:attrNameLst>
+                                          <p:attrName>ppt_y</p:attrName>
+                                        </p:attrNameLst>
+                                      </p:cBhvr>
+                                      <p:tavLst>
+                                        <p:tav tm="0">
+                                          <p:val>
+                                            <p:strVal val="1+#ppt_h/2"/>
+                                          </p:val>
+                                        </p:tav>
+                                        <p:tav tm="100000">
+                                          <p:val>
+                                            <p:strVal val="#ppt_y"/>
+                                          </p:val>
+                                        </p:tav>
+                                      </p:tavLst>
+                                    </p:anim>
+                                  </p:childTnLst>
+                                </p:cTn>
+                              </p:par>
+                            </p:childTnLst>
+                          </p:cTn>
+                        </p:par>
                       </p:childTnLst>
                     </p:cTn>
                   </p:par>
@@ -17031,6 +16059,1217 @@
     <p:bldLst>
       <p:bldP spid="2" grpId="0"/>
     </p:bldLst>
+  </p:timing>
+</p:sld>
+</file>
+
+<file path=ppt/slides/slide7.xml><?xml version="1.0" encoding="utf-8"?>
+<p:sld xmlns:a="http://schemas.openxmlformats.org/drawingml/2006/main" xmlns:r="http://schemas.openxmlformats.org/officeDocument/2006/relationships" xmlns:p="http://schemas.openxmlformats.org/presentationml/2006/main">
+  <p:cSld>
+    <p:spTree>
+      <p:nvGrpSpPr>
+        <p:cNvPr id="1" name=""/>
+        <p:cNvGrpSpPr/>
+        <p:nvPr/>
+      </p:nvGrpSpPr>
+      <p:grpSpPr>
+        <a:xfrm>
+          <a:off x="0" y="0"/>
+          <a:ext cx="0" cy="0"/>
+          <a:chOff x="0" y="0"/>
+          <a:chExt cx="0" cy="0"/>
+        </a:xfrm>
+      </p:grpSpPr>
+      <p:sp>
+        <p:nvSpPr>
+          <p:cNvPr id="2" name="Cím 1"/>
+          <p:cNvSpPr>
+            <a:spLocks noGrp="1"/>
+          </p:cNvSpPr>
+          <p:nvPr>
+            <p:ph type="title"/>
+          </p:nvPr>
+        </p:nvSpPr>
+        <p:spPr/>
+        <p:txBody>
+          <a:bodyPr/>
+          <a:lstStyle/>
+          <a:p>
+            <a:pPr algn="ctr"/>
+            <a:r>
+              <a:rPr lang="hu-HU" dirty="0" err="1" smtClean="0"/>
+              <a:t>features</a:t>
+            </a:r>
+            <a:endParaRPr lang="hu-HU" dirty="0"/>
+          </a:p>
+        </p:txBody>
+      </p:sp>
+      <p:sp>
+        <p:nvSpPr>
+          <p:cNvPr id="5" name="Szövegdoboz 4"/>
+          <p:cNvSpPr txBox="1"/>
+          <p:nvPr/>
+        </p:nvSpPr>
+        <p:spPr>
+          <a:xfrm>
+            <a:off x="375809" y="2097088"/>
+            <a:ext cx="6312876" cy="1938992"/>
+          </a:xfrm>
+          <a:prstGeom prst="rect">
+            <a:avLst/>
+          </a:prstGeom>
+          <a:noFill/>
+        </p:spPr>
+        <p:txBody>
+          <a:bodyPr wrap="square" rtlCol="0">
+            <a:spAutoFit/>
+          </a:bodyPr>
+          <a:lstStyle/>
+          <a:p>
+            <a:r>
+              <a:rPr lang="hu-HU" sz="2400" dirty="0"/>
+              <a:t>Játékok visszavételezése:</a:t>
+            </a:r>
+          </a:p>
+          <a:p>
+            <a:r>
+              <a:rPr lang="hu-HU" sz="2400" dirty="0"/>
+              <a:t>-kiválasztjuk a listából az adott játékot</a:t>
+            </a:r>
+          </a:p>
+          <a:p>
+            <a:r>
+              <a:rPr lang="hu-HU" sz="2400" dirty="0"/>
+              <a:t>-visszavisz gombra kattintva töröljük a </a:t>
+            </a:r>
+            <a:r>
+              <a:rPr lang="hu-HU" sz="2400" dirty="0" smtClean="0"/>
+              <a:t>kölcsönzést</a:t>
+            </a:r>
+          </a:p>
+          <a:p>
+            <a:endParaRPr lang="hu-HU" sz="2400" dirty="0"/>
+          </a:p>
+          <a:p>
+            <a:endParaRPr lang="hu-HU" sz="2400" dirty="0"/>
+          </a:p>
+        </p:txBody>
+      </p:sp>
+      <p:pic>
+        <p:nvPicPr>
+          <p:cNvPr id="6" name="Tartalom helye 5"/>
+          <p:cNvPicPr>
+            <a:picLocks noGrp="1" noChangeAspect="1"/>
+          </p:cNvPicPr>
+          <p:nvPr>
+            <p:ph idx="1"/>
+          </p:nvPr>
+        </p:nvPicPr>
+        <p:blipFill>
+          <a:blip r:embed="rId2"/>
+          <a:stretch>
+            <a:fillRect/>
+          </a:stretch>
+        </p:blipFill>
+        <p:spPr>
+          <a:xfrm>
+            <a:off x="6688685" y="1816250"/>
+            <a:ext cx="4358726" cy="4263754"/>
+          </a:xfrm>
+          <a:prstGeom prst="rect">
+            <a:avLst/>
+          </a:prstGeom>
+        </p:spPr>
+      </p:pic>
+    </p:spTree>
+    <p:extLst>
+      <p:ext uri="{BB962C8B-B14F-4D97-AF65-F5344CB8AC3E}">
+        <p14:creationId xmlns:p14="http://schemas.microsoft.com/office/powerpoint/2010/main" val="2466119580"/>
+      </p:ext>
+    </p:extLst>
+  </p:cSld>
+  <p:clrMapOvr>
+    <a:masterClrMapping/>
+  </p:clrMapOvr>
+  <p:timing>
+    <p:tnLst>
+      <p:par>
+        <p:cTn id="1" dur="indefinite" restart="never" nodeType="tmRoot">
+          <p:childTnLst>
+            <p:seq concurrent="1" nextAc="seek">
+              <p:cTn id="2" dur="indefinite" nodeType="mainSeq">
+                <p:childTnLst>
+                  <p:par>
+                    <p:cTn id="3" fill="hold">
+                      <p:stCondLst>
+                        <p:cond delay="indefinite"/>
+                        <p:cond evt="onBegin" delay="0">
+                          <p:tn val="2"/>
+                        </p:cond>
+                      </p:stCondLst>
+                      <p:childTnLst>
+                        <p:par>
+                          <p:cTn id="4" fill="hold">
+                            <p:stCondLst>
+                              <p:cond delay="0"/>
+                            </p:stCondLst>
+                            <p:childTnLst>
+                              <p:par>
+                                <p:cTn id="5" presetID="6" presetClass="entr" presetSubtype="16" fill="hold" grpId="0" nodeType="afterEffect">
+                                  <p:stCondLst>
+                                    <p:cond delay="0"/>
+                                  </p:stCondLst>
+                                  <p:childTnLst>
+                                    <p:set>
+                                      <p:cBhvr>
+                                        <p:cTn id="6" dur="1" fill="hold">
+                                          <p:stCondLst>
+                                            <p:cond delay="0"/>
+                                          </p:stCondLst>
+                                        </p:cTn>
+                                        <p:tgtEl>
+                                          <p:spTgt spid="2"/>
+                                        </p:tgtEl>
+                                        <p:attrNameLst>
+                                          <p:attrName>style.visibility</p:attrName>
+                                        </p:attrNameLst>
+                                      </p:cBhvr>
+                                      <p:to>
+                                        <p:strVal val="visible"/>
+                                      </p:to>
+                                    </p:set>
+                                    <p:animEffect transition="in" filter="circle(in)">
+                                      <p:cBhvr>
+                                        <p:cTn id="7" dur="2000"/>
+                                        <p:tgtEl>
+                                          <p:spTgt spid="2"/>
+                                        </p:tgtEl>
+                                      </p:cBhvr>
+                                    </p:animEffect>
+                                  </p:childTnLst>
+                                </p:cTn>
+                              </p:par>
+                            </p:childTnLst>
+                          </p:cTn>
+                        </p:par>
+                      </p:childTnLst>
+                    </p:cTn>
+                  </p:par>
+                  <p:par>
+                    <p:cTn id="8" fill="hold">
+                      <p:stCondLst>
+                        <p:cond delay="indefinite"/>
+                      </p:stCondLst>
+                      <p:childTnLst>
+                        <p:par>
+                          <p:cTn id="9" fill="hold">
+                            <p:stCondLst>
+                              <p:cond delay="0"/>
+                            </p:stCondLst>
+                            <p:childTnLst>
+                              <p:par>
+                                <p:cTn id="10" presetID="2" presetClass="entr" presetSubtype="8" fill="hold" nodeType="clickEffect">
+                                  <p:stCondLst>
+                                    <p:cond delay="0"/>
+                                  </p:stCondLst>
+                                  <p:childTnLst>
+                                    <p:set>
+                                      <p:cBhvr>
+                                        <p:cTn id="11" dur="1" fill="hold">
+                                          <p:stCondLst>
+                                            <p:cond delay="0"/>
+                                          </p:stCondLst>
+                                        </p:cTn>
+                                        <p:tgtEl>
+                                          <p:spTgt spid="5">
+                                            <p:txEl>
+                                              <p:pRg st="0" end="0"/>
+                                            </p:txEl>
+                                          </p:spTgt>
+                                        </p:tgtEl>
+                                        <p:attrNameLst>
+                                          <p:attrName>style.visibility</p:attrName>
+                                        </p:attrNameLst>
+                                      </p:cBhvr>
+                                      <p:to>
+                                        <p:strVal val="visible"/>
+                                      </p:to>
+                                    </p:set>
+                                    <p:anim calcmode="lin" valueType="num">
+                                      <p:cBhvr additive="base">
+                                        <p:cTn id="12" dur="500" fill="hold"/>
+                                        <p:tgtEl>
+                                          <p:spTgt spid="5">
+                                            <p:txEl>
+                                              <p:pRg st="0" end="0"/>
+                                            </p:txEl>
+                                          </p:spTgt>
+                                        </p:tgtEl>
+                                        <p:attrNameLst>
+                                          <p:attrName>ppt_x</p:attrName>
+                                        </p:attrNameLst>
+                                      </p:cBhvr>
+                                      <p:tavLst>
+                                        <p:tav tm="0">
+                                          <p:val>
+                                            <p:strVal val="0-#ppt_w/2"/>
+                                          </p:val>
+                                        </p:tav>
+                                        <p:tav tm="100000">
+                                          <p:val>
+                                            <p:strVal val="#ppt_x"/>
+                                          </p:val>
+                                        </p:tav>
+                                      </p:tavLst>
+                                    </p:anim>
+                                    <p:anim calcmode="lin" valueType="num">
+                                      <p:cBhvr additive="base">
+                                        <p:cTn id="13" dur="500" fill="hold"/>
+                                        <p:tgtEl>
+                                          <p:spTgt spid="5">
+                                            <p:txEl>
+                                              <p:pRg st="0" end="0"/>
+                                            </p:txEl>
+                                          </p:spTgt>
+                                        </p:tgtEl>
+                                        <p:attrNameLst>
+                                          <p:attrName>ppt_y</p:attrName>
+                                        </p:attrNameLst>
+                                      </p:cBhvr>
+                                      <p:tavLst>
+                                        <p:tav tm="0">
+                                          <p:val>
+                                            <p:strVal val="#ppt_y"/>
+                                          </p:val>
+                                        </p:tav>
+                                        <p:tav tm="100000">
+                                          <p:val>
+                                            <p:strVal val="#ppt_y"/>
+                                          </p:val>
+                                        </p:tav>
+                                      </p:tavLst>
+                                    </p:anim>
+                                  </p:childTnLst>
+                                </p:cTn>
+                              </p:par>
+                              <p:par>
+                                <p:cTn id="14" presetID="2" presetClass="entr" presetSubtype="8" fill="hold" nodeType="withEffect">
+                                  <p:stCondLst>
+                                    <p:cond delay="0"/>
+                                  </p:stCondLst>
+                                  <p:childTnLst>
+                                    <p:set>
+                                      <p:cBhvr>
+                                        <p:cTn id="15" dur="1" fill="hold">
+                                          <p:stCondLst>
+                                            <p:cond delay="0"/>
+                                          </p:stCondLst>
+                                        </p:cTn>
+                                        <p:tgtEl>
+                                          <p:spTgt spid="5">
+                                            <p:txEl>
+                                              <p:pRg st="1" end="1"/>
+                                            </p:txEl>
+                                          </p:spTgt>
+                                        </p:tgtEl>
+                                        <p:attrNameLst>
+                                          <p:attrName>style.visibility</p:attrName>
+                                        </p:attrNameLst>
+                                      </p:cBhvr>
+                                      <p:to>
+                                        <p:strVal val="visible"/>
+                                      </p:to>
+                                    </p:set>
+                                    <p:anim calcmode="lin" valueType="num">
+                                      <p:cBhvr additive="base">
+                                        <p:cTn id="16" dur="500" fill="hold"/>
+                                        <p:tgtEl>
+                                          <p:spTgt spid="5">
+                                            <p:txEl>
+                                              <p:pRg st="1" end="1"/>
+                                            </p:txEl>
+                                          </p:spTgt>
+                                        </p:tgtEl>
+                                        <p:attrNameLst>
+                                          <p:attrName>ppt_x</p:attrName>
+                                        </p:attrNameLst>
+                                      </p:cBhvr>
+                                      <p:tavLst>
+                                        <p:tav tm="0">
+                                          <p:val>
+                                            <p:strVal val="0-#ppt_w/2"/>
+                                          </p:val>
+                                        </p:tav>
+                                        <p:tav tm="100000">
+                                          <p:val>
+                                            <p:strVal val="#ppt_x"/>
+                                          </p:val>
+                                        </p:tav>
+                                      </p:tavLst>
+                                    </p:anim>
+                                    <p:anim calcmode="lin" valueType="num">
+                                      <p:cBhvr additive="base">
+                                        <p:cTn id="17" dur="500" fill="hold"/>
+                                        <p:tgtEl>
+                                          <p:spTgt spid="5">
+                                            <p:txEl>
+                                              <p:pRg st="1" end="1"/>
+                                            </p:txEl>
+                                          </p:spTgt>
+                                        </p:tgtEl>
+                                        <p:attrNameLst>
+                                          <p:attrName>ppt_y</p:attrName>
+                                        </p:attrNameLst>
+                                      </p:cBhvr>
+                                      <p:tavLst>
+                                        <p:tav tm="0">
+                                          <p:val>
+                                            <p:strVal val="#ppt_y"/>
+                                          </p:val>
+                                        </p:tav>
+                                        <p:tav tm="100000">
+                                          <p:val>
+                                            <p:strVal val="#ppt_y"/>
+                                          </p:val>
+                                        </p:tav>
+                                      </p:tavLst>
+                                    </p:anim>
+                                  </p:childTnLst>
+                                </p:cTn>
+                              </p:par>
+                              <p:par>
+                                <p:cTn id="18" presetID="2" presetClass="entr" presetSubtype="8" fill="hold" nodeType="withEffect">
+                                  <p:stCondLst>
+                                    <p:cond delay="0"/>
+                                  </p:stCondLst>
+                                  <p:childTnLst>
+                                    <p:set>
+                                      <p:cBhvr>
+                                        <p:cTn id="19" dur="1" fill="hold">
+                                          <p:stCondLst>
+                                            <p:cond delay="0"/>
+                                          </p:stCondLst>
+                                        </p:cTn>
+                                        <p:tgtEl>
+                                          <p:spTgt spid="5">
+                                            <p:txEl>
+                                              <p:pRg st="2" end="2"/>
+                                            </p:txEl>
+                                          </p:spTgt>
+                                        </p:tgtEl>
+                                        <p:attrNameLst>
+                                          <p:attrName>style.visibility</p:attrName>
+                                        </p:attrNameLst>
+                                      </p:cBhvr>
+                                      <p:to>
+                                        <p:strVal val="visible"/>
+                                      </p:to>
+                                    </p:set>
+                                    <p:anim calcmode="lin" valueType="num">
+                                      <p:cBhvr additive="base">
+                                        <p:cTn id="20" dur="500" fill="hold"/>
+                                        <p:tgtEl>
+                                          <p:spTgt spid="5">
+                                            <p:txEl>
+                                              <p:pRg st="2" end="2"/>
+                                            </p:txEl>
+                                          </p:spTgt>
+                                        </p:tgtEl>
+                                        <p:attrNameLst>
+                                          <p:attrName>ppt_x</p:attrName>
+                                        </p:attrNameLst>
+                                      </p:cBhvr>
+                                      <p:tavLst>
+                                        <p:tav tm="0">
+                                          <p:val>
+                                            <p:strVal val="0-#ppt_w/2"/>
+                                          </p:val>
+                                        </p:tav>
+                                        <p:tav tm="100000">
+                                          <p:val>
+                                            <p:strVal val="#ppt_x"/>
+                                          </p:val>
+                                        </p:tav>
+                                      </p:tavLst>
+                                    </p:anim>
+                                    <p:anim calcmode="lin" valueType="num">
+                                      <p:cBhvr additive="base">
+                                        <p:cTn id="21" dur="500" fill="hold"/>
+                                        <p:tgtEl>
+                                          <p:spTgt spid="5">
+                                            <p:txEl>
+                                              <p:pRg st="2" end="2"/>
+                                            </p:txEl>
+                                          </p:spTgt>
+                                        </p:tgtEl>
+                                        <p:attrNameLst>
+                                          <p:attrName>ppt_y</p:attrName>
+                                        </p:attrNameLst>
+                                      </p:cBhvr>
+                                      <p:tavLst>
+                                        <p:tav tm="0">
+                                          <p:val>
+                                            <p:strVal val="#ppt_y"/>
+                                          </p:val>
+                                        </p:tav>
+                                        <p:tav tm="100000">
+                                          <p:val>
+                                            <p:strVal val="#ppt_y"/>
+                                          </p:val>
+                                        </p:tav>
+                                      </p:tavLst>
+                                    </p:anim>
+                                  </p:childTnLst>
+                                </p:cTn>
+                              </p:par>
+                            </p:childTnLst>
+                          </p:cTn>
+                        </p:par>
+                        <p:par>
+                          <p:cTn id="22" fill="hold">
+                            <p:stCondLst>
+                              <p:cond delay="500"/>
+                            </p:stCondLst>
+                            <p:childTnLst>
+                              <p:par>
+                                <p:cTn id="23" presetID="2" presetClass="entr" presetSubtype="4" fill="hold" nodeType="afterEffect">
+                                  <p:stCondLst>
+                                    <p:cond delay="0"/>
+                                  </p:stCondLst>
+                                  <p:childTnLst>
+                                    <p:set>
+                                      <p:cBhvr>
+                                        <p:cTn id="24" dur="1" fill="hold">
+                                          <p:stCondLst>
+                                            <p:cond delay="0"/>
+                                          </p:stCondLst>
+                                        </p:cTn>
+                                        <p:tgtEl>
+                                          <p:spTgt spid="6"/>
+                                        </p:tgtEl>
+                                        <p:attrNameLst>
+                                          <p:attrName>style.visibility</p:attrName>
+                                        </p:attrNameLst>
+                                      </p:cBhvr>
+                                      <p:to>
+                                        <p:strVal val="visible"/>
+                                      </p:to>
+                                    </p:set>
+                                    <p:anim calcmode="lin" valueType="num">
+                                      <p:cBhvr additive="base">
+                                        <p:cTn id="25" dur="500" fill="hold"/>
+                                        <p:tgtEl>
+                                          <p:spTgt spid="6"/>
+                                        </p:tgtEl>
+                                        <p:attrNameLst>
+                                          <p:attrName>ppt_x</p:attrName>
+                                        </p:attrNameLst>
+                                      </p:cBhvr>
+                                      <p:tavLst>
+                                        <p:tav tm="0">
+                                          <p:val>
+                                            <p:strVal val="#ppt_x"/>
+                                          </p:val>
+                                        </p:tav>
+                                        <p:tav tm="100000">
+                                          <p:val>
+                                            <p:strVal val="#ppt_x"/>
+                                          </p:val>
+                                        </p:tav>
+                                      </p:tavLst>
+                                    </p:anim>
+                                    <p:anim calcmode="lin" valueType="num">
+                                      <p:cBhvr additive="base">
+                                        <p:cTn id="26" dur="500" fill="hold"/>
+                                        <p:tgtEl>
+                                          <p:spTgt spid="6"/>
+                                        </p:tgtEl>
+                                        <p:attrNameLst>
+                                          <p:attrName>ppt_y</p:attrName>
+                                        </p:attrNameLst>
+                                      </p:cBhvr>
+                                      <p:tavLst>
+                                        <p:tav tm="0">
+                                          <p:val>
+                                            <p:strVal val="1+#ppt_h/2"/>
+                                          </p:val>
+                                        </p:tav>
+                                        <p:tav tm="100000">
+                                          <p:val>
+                                            <p:strVal val="#ppt_y"/>
+                                          </p:val>
+                                        </p:tav>
+                                      </p:tavLst>
+                                    </p:anim>
+                                  </p:childTnLst>
+                                </p:cTn>
+                              </p:par>
+                            </p:childTnLst>
+                          </p:cTn>
+                        </p:par>
+                      </p:childTnLst>
+                    </p:cTn>
+                  </p:par>
+                </p:childTnLst>
+              </p:cTn>
+              <p:prevCondLst>
+                <p:cond evt="onPrev" delay="0">
+                  <p:tgtEl>
+                    <p:sldTgt/>
+                  </p:tgtEl>
+                </p:cond>
+              </p:prevCondLst>
+              <p:nextCondLst>
+                <p:cond evt="onNext" delay="0">
+                  <p:tgtEl>
+                    <p:sldTgt/>
+                  </p:tgtEl>
+                </p:cond>
+              </p:nextCondLst>
+            </p:seq>
+          </p:childTnLst>
+        </p:cTn>
+      </p:par>
+    </p:tnLst>
+    <p:bldLst>
+      <p:bldP spid="2" grpId="0"/>
+    </p:bldLst>
+  </p:timing>
+</p:sld>
+</file>
+
+<file path=ppt/slides/slide8.xml><?xml version="1.0" encoding="utf-8"?>
+<p:sld xmlns:a="http://schemas.openxmlformats.org/drawingml/2006/main" xmlns:r="http://schemas.openxmlformats.org/officeDocument/2006/relationships" xmlns:p="http://schemas.openxmlformats.org/presentationml/2006/main">
+  <p:cSld>
+    <p:spTree>
+      <p:nvGrpSpPr>
+        <p:cNvPr id="1" name=""/>
+        <p:cNvGrpSpPr/>
+        <p:nvPr/>
+      </p:nvGrpSpPr>
+      <p:grpSpPr>
+        <a:xfrm>
+          <a:off x="0" y="0"/>
+          <a:ext cx="0" cy="0"/>
+          <a:chOff x="0" y="0"/>
+          <a:chExt cx="0" cy="0"/>
+        </a:xfrm>
+      </p:grpSpPr>
+      <p:sp>
+        <p:nvSpPr>
+          <p:cNvPr id="2" name="Cím 1"/>
+          <p:cNvSpPr>
+            <a:spLocks noGrp="1"/>
+          </p:cNvSpPr>
+          <p:nvPr>
+            <p:ph type="title"/>
+          </p:nvPr>
+        </p:nvSpPr>
+        <p:spPr/>
+        <p:txBody>
+          <a:bodyPr/>
+          <a:lstStyle/>
+          <a:p>
+            <a:pPr algn="ctr"/>
+            <a:r>
+              <a:rPr lang="hu-HU" dirty="0" err="1" smtClean="0"/>
+              <a:t>Features</a:t>
+            </a:r>
+            <a:endParaRPr lang="hu-HU" dirty="0"/>
+          </a:p>
+        </p:txBody>
+      </p:sp>
+      <p:sp>
+        <p:nvSpPr>
+          <p:cNvPr id="3" name="Tartalom helye 2"/>
+          <p:cNvSpPr>
+            <a:spLocks noGrp="1"/>
+          </p:cNvSpPr>
+          <p:nvPr>
+            <p:ph idx="1"/>
+          </p:nvPr>
+        </p:nvSpPr>
+        <p:spPr/>
+        <p:txBody>
+          <a:bodyPr/>
+          <a:lstStyle/>
+          <a:p>
+            <a:r>
+              <a:rPr lang="hu-HU" dirty="0"/>
+              <a:t>Keresések játékok és kölcsönzések között</a:t>
+            </a:r>
+          </a:p>
+          <a:p>
+            <a:endParaRPr lang="hu-HU" dirty="0"/>
+          </a:p>
+        </p:txBody>
+      </p:sp>
+      <p:pic>
+        <p:nvPicPr>
+          <p:cNvPr id="4" name="Kép 3"/>
+          <p:cNvPicPr>
+            <a:picLocks noChangeAspect="1"/>
+          </p:cNvPicPr>
+          <p:nvPr/>
+        </p:nvPicPr>
+        <p:blipFill>
+          <a:blip r:embed="rId2"/>
+          <a:stretch>
+            <a:fillRect/>
+          </a:stretch>
+        </p:blipFill>
+        <p:spPr>
+          <a:xfrm>
+            <a:off x="1141412" y="2797495"/>
+            <a:ext cx="4004306" cy="3908093"/>
+          </a:xfrm>
+          <a:prstGeom prst="rect">
+            <a:avLst/>
+          </a:prstGeom>
+        </p:spPr>
+      </p:pic>
+    </p:spTree>
+    <p:extLst>
+      <p:ext uri="{BB962C8B-B14F-4D97-AF65-F5344CB8AC3E}">
+        <p14:creationId xmlns:p14="http://schemas.microsoft.com/office/powerpoint/2010/main" val="943159366"/>
+      </p:ext>
+    </p:extLst>
+  </p:cSld>
+  <p:clrMapOvr>
+    <a:masterClrMapping/>
+  </p:clrMapOvr>
+  <p:timing>
+    <p:tnLst>
+      <p:par>
+        <p:cTn id="1" dur="indefinite" restart="never" nodeType="tmRoot">
+          <p:childTnLst>
+            <p:seq concurrent="1" nextAc="seek">
+              <p:cTn id="2" dur="indefinite" nodeType="mainSeq">
+                <p:childTnLst>
+                  <p:par>
+                    <p:cTn id="3" fill="hold">
+                      <p:stCondLst>
+                        <p:cond delay="indefinite"/>
+                      </p:stCondLst>
+                      <p:childTnLst>
+                        <p:par>
+                          <p:cTn id="4" fill="hold">
+                            <p:stCondLst>
+                              <p:cond delay="0"/>
+                            </p:stCondLst>
+                            <p:childTnLst>
+                              <p:par>
+                                <p:cTn id="5" presetID="2" presetClass="entr" presetSubtype="8" fill="hold" nodeType="clickEffect">
+                                  <p:stCondLst>
+                                    <p:cond delay="0"/>
+                                  </p:stCondLst>
+                                  <p:childTnLst>
+                                    <p:set>
+                                      <p:cBhvr>
+                                        <p:cTn id="6" dur="1" fill="hold">
+                                          <p:stCondLst>
+                                            <p:cond delay="0"/>
+                                          </p:stCondLst>
+                                        </p:cTn>
+                                        <p:tgtEl>
+                                          <p:spTgt spid="3">
+                                            <p:txEl>
+                                              <p:pRg st="0" end="0"/>
+                                            </p:txEl>
+                                          </p:spTgt>
+                                        </p:tgtEl>
+                                        <p:attrNameLst>
+                                          <p:attrName>style.visibility</p:attrName>
+                                        </p:attrNameLst>
+                                      </p:cBhvr>
+                                      <p:to>
+                                        <p:strVal val="visible"/>
+                                      </p:to>
+                                    </p:set>
+                                    <p:anim calcmode="lin" valueType="num">
+                                      <p:cBhvr additive="base">
+                                        <p:cTn id="7" dur="500" fill="hold"/>
+                                        <p:tgtEl>
+                                          <p:spTgt spid="3">
+                                            <p:txEl>
+                                              <p:pRg st="0" end="0"/>
+                                            </p:txEl>
+                                          </p:spTgt>
+                                        </p:tgtEl>
+                                        <p:attrNameLst>
+                                          <p:attrName>ppt_x</p:attrName>
+                                        </p:attrNameLst>
+                                      </p:cBhvr>
+                                      <p:tavLst>
+                                        <p:tav tm="0">
+                                          <p:val>
+                                            <p:strVal val="0-#ppt_w/2"/>
+                                          </p:val>
+                                        </p:tav>
+                                        <p:tav tm="100000">
+                                          <p:val>
+                                            <p:strVal val="#ppt_x"/>
+                                          </p:val>
+                                        </p:tav>
+                                      </p:tavLst>
+                                    </p:anim>
+                                    <p:anim calcmode="lin" valueType="num">
+                                      <p:cBhvr additive="base">
+                                        <p:cTn id="8" dur="500" fill="hold"/>
+                                        <p:tgtEl>
+                                          <p:spTgt spid="3">
+                                            <p:txEl>
+                                              <p:pRg st="0" end="0"/>
+                                            </p:txEl>
+                                          </p:spTgt>
+                                        </p:tgtEl>
+                                        <p:attrNameLst>
+                                          <p:attrName>ppt_y</p:attrName>
+                                        </p:attrNameLst>
+                                      </p:cBhvr>
+                                      <p:tavLst>
+                                        <p:tav tm="0">
+                                          <p:val>
+                                            <p:strVal val="#ppt_y"/>
+                                          </p:val>
+                                        </p:tav>
+                                        <p:tav tm="100000">
+                                          <p:val>
+                                            <p:strVal val="#ppt_y"/>
+                                          </p:val>
+                                        </p:tav>
+                                      </p:tavLst>
+                                    </p:anim>
+                                  </p:childTnLst>
+                                </p:cTn>
+                              </p:par>
+                            </p:childTnLst>
+                          </p:cTn>
+                        </p:par>
+                        <p:par>
+                          <p:cTn id="9" fill="hold">
+                            <p:stCondLst>
+                              <p:cond delay="500"/>
+                            </p:stCondLst>
+                            <p:childTnLst>
+                              <p:par>
+                                <p:cTn id="10" presetID="2" presetClass="entr" presetSubtype="4" fill="hold" nodeType="afterEffect">
+                                  <p:stCondLst>
+                                    <p:cond delay="0"/>
+                                  </p:stCondLst>
+                                  <p:childTnLst>
+                                    <p:set>
+                                      <p:cBhvr>
+                                        <p:cTn id="11" dur="1" fill="hold">
+                                          <p:stCondLst>
+                                            <p:cond delay="0"/>
+                                          </p:stCondLst>
+                                        </p:cTn>
+                                        <p:tgtEl>
+                                          <p:spTgt spid="4"/>
+                                        </p:tgtEl>
+                                        <p:attrNameLst>
+                                          <p:attrName>style.visibility</p:attrName>
+                                        </p:attrNameLst>
+                                      </p:cBhvr>
+                                      <p:to>
+                                        <p:strVal val="visible"/>
+                                      </p:to>
+                                    </p:set>
+                                    <p:anim calcmode="lin" valueType="num">
+                                      <p:cBhvr additive="base">
+                                        <p:cTn id="12" dur="500" fill="hold"/>
+                                        <p:tgtEl>
+                                          <p:spTgt spid="4"/>
+                                        </p:tgtEl>
+                                        <p:attrNameLst>
+                                          <p:attrName>ppt_x</p:attrName>
+                                        </p:attrNameLst>
+                                      </p:cBhvr>
+                                      <p:tavLst>
+                                        <p:tav tm="0">
+                                          <p:val>
+                                            <p:strVal val="#ppt_x"/>
+                                          </p:val>
+                                        </p:tav>
+                                        <p:tav tm="100000">
+                                          <p:val>
+                                            <p:strVal val="#ppt_x"/>
+                                          </p:val>
+                                        </p:tav>
+                                      </p:tavLst>
+                                    </p:anim>
+                                    <p:anim calcmode="lin" valueType="num">
+                                      <p:cBhvr additive="base">
+                                        <p:cTn id="13" dur="500" fill="hold"/>
+                                        <p:tgtEl>
+                                          <p:spTgt spid="4"/>
+                                        </p:tgtEl>
+                                        <p:attrNameLst>
+                                          <p:attrName>ppt_y</p:attrName>
+                                        </p:attrNameLst>
+                                      </p:cBhvr>
+                                      <p:tavLst>
+                                        <p:tav tm="0">
+                                          <p:val>
+                                            <p:strVal val="1+#ppt_h/2"/>
+                                          </p:val>
+                                        </p:tav>
+                                        <p:tav tm="100000">
+                                          <p:val>
+                                            <p:strVal val="#ppt_y"/>
+                                          </p:val>
+                                        </p:tav>
+                                      </p:tavLst>
+                                    </p:anim>
+                                  </p:childTnLst>
+                                </p:cTn>
+                              </p:par>
+                            </p:childTnLst>
+                          </p:cTn>
+                        </p:par>
+                      </p:childTnLst>
+                    </p:cTn>
+                  </p:par>
+                </p:childTnLst>
+              </p:cTn>
+              <p:prevCondLst>
+                <p:cond evt="onPrev" delay="0">
+                  <p:tgtEl>
+                    <p:sldTgt/>
+                  </p:tgtEl>
+                </p:cond>
+              </p:prevCondLst>
+              <p:nextCondLst>
+                <p:cond evt="onNext" delay="0">
+                  <p:tgtEl>
+                    <p:sldTgt/>
+                  </p:tgtEl>
+                </p:cond>
+              </p:nextCondLst>
+            </p:seq>
+          </p:childTnLst>
+        </p:cTn>
+      </p:par>
+    </p:tnLst>
+  </p:timing>
+</p:sld>
+</file>
+
+<file path=ppt/slides/slide9.xml><?xml version="1.0" encoding="utf-8"?>
+<p:sld xmlns:a="http://schemas.openxmlformats.org/drawingml/2006/main" xmlns:r="http://schemas.openxmlformats.org/officeDocument/2006/relationships" xmlns:p="http://schemas.openxmlformats.org/presentationml/2006/main">
+  <p:cSld>
+    <p:spTree>
+      <p:nvGrpSpPr>
+        <p:cNvPr id="1" name=""/>
+        <p:cNvGrpSpPr/>
+        <p:nvPr/>
+      </p:nvGrpSpPr>
+      <p:grpSpPr>
+        <a:xfrm>
+          <a:off x="0" y="0"/>
+          <a:ext cx="0" cy="0"/>
+          <a:chOff x="0" y="0"/>
+          <a:chExt cx="0" cy="0"/>
+        </a:xfrm>
+      </p:grpSpPr>
+      <p:sp>
+        <p:nvSpPr>
+          <p:cNvPr id="2" name="Cím 1"/>
+          <p:cNvSpPr>
+            <a:spLocks noGrp="1"/>
+          </p:cNvSpPr>
+          <p:nvPr>
+            <p:ph type="title"/>
+          </p:nvPr>
+        </p:nvSpPr>
+        <p:spPr/>
+        <p:txBody>
+          <a:bodyPr/>
+          <a:lstStyle/>
+          <a:p>
+            <a:pPr algn="ctr"/>
+            <a:r>
+              <a:rPr lang="hu-HU" dirty="0" err="1" smtClean="0"/>
+              <a:t>Features</a:t>
+            </a:r>
+            <a:endParaRPr lang="hu-HU" dirty="0"/>
+          </a:p>
+        </p:txBody>
+      </p:sp>
+      <p:sp>
+        <p:nvSpPr>
+          <p:cNvPr id="3" name="Tartalom helye 2"/>
+          <p:cNvSpPr>
+            <a:spLocks noGrp="1"/>
+          </p:cNvSpPr>
+          <p:nvPr>
+            <p:ph idx="1"/>
+          </p:nvPr>
+        </p:nvSpPr>
+        <p:spPr/>
+        <p:txBody>
+          <a:bodyPr/>
+          <a:lstStyle/>
+          <a:p>
+            <a:r>
+              <a:rPr lang="hu-HU" dirty="0"/>
+              <a:t>Korhatár ellenőrzése</a:t>
+            </a:r>
+          </a:p>
+          <a:p>
+            <a:endParaRPr lang="hu-HU" dirty="0"/>
+          </a:p>
+        </p:txBody>
+      </p:sp>
+      <p:pic>
+        <p:nvPicPr>
+          <p:cNvPr id="4" name="Kép 3"/>
+          <p:cNvPicPr>
+            <a:picLocks noChangeAspect="1"/>
+          </p:cNvPicPr>
+          <p:nvPr/>
+        </p:nvPicPr>
+        <p:blipFill>
+          <a:blip r:embed="rId2"/>
+          <a:stretch>
+            <a:fillRect/>
+          </a:stretch>
+        </p:blipFill>
+        <p:spPr>
+          <a:xfrm>
+            <a:off x="1141412" y="2813539"/>
+            <a:ext cx="4024460" cy="3946271"/>
+          </a:xfrm>
+          <a:prstGeom prst="rect">
+            <a:avLst/>
+          </a:prstGeom>
+        </p:spPr>
+      </p:pic>
+    </p:spTree>
+    <p:extLst>
+      <p:ext uri="{BB962C8B-B14F-4D97-AF65-F5344CB8AC3E}">
+        <p14:creationId xmlns:p14="http://schemas.microsoft.com/office/powerpoint/2010/main" val="3037420583"/>
+      </p:ext>
+    </p:extLst>
+  </p:cSld>
+  <p:clrMapOvr>
+    <a:masterClrMapping/>
+  </p:clrMapOvr>
+  <p:timing>
+    <p:tnLst>
+      <p:par>
+        <p:cTn id="1" dur="indefinite" restart="never" nodeType="tmRoot">
+          <p:childTnLst>
+            <p:seq concurrent="1" nextAc="seek">
+              <p:cTn id="2" dur="indefinite" nodeType="mainSeq">
+                <p:childTnLst>
+                  <p:par>
+                    <p:cTn id="3" fill="hold">
+                      <p:stCondLst>
+                        <p:cond delay="indefinite"/>
+                      </p:stCondLst>
+                      <p:childTnLst>
+                        <p:par>
+                          <p:cTn id="4" fill="hold">
+                            <p:stCondLst>
+                              <p:cond delay="0"/>
+                            </p:stCondLst>
+                            <p:childTnLst>
+                              <p:par>
+                                <p:cTn id="5" presetID="2" presetClass="entr" presetSubtype="8" fill="hold" nodeType="clickEffect">
+                                  <p:stCondLst>
+                                    <p:cond delay="0"/>
+                                  </p:stCondLst>
+                                  <p:childTnLst>
+                                    <p:set>
+                                      <p:cBhvr>
+                                        <p:cTn id="6" dur="1" fill="hold">
+                                          <p:stCondLst>
+                                            <p:cond delay="0"/>
+                                          </p:stCondLst>
+                                        </p:cTn>
+                                        <p:tgtEl>
+                                          <p:spTgt spid="3">
+                                            <p:txEl>
+                                              <p:pRg st="0" end="0"/>
+                                            </p:txEl>
+                                          </p:spTgt>
+                                        </p:tgtEl>
+                                        <p:attrNameLst>
+                                          <p:attrName>style.visibility</p:attrName>
+                                        </p:attrNameLst>
+                                      </p:cBhvr>
+                                      <p:to>
+                                        <p:strVal val="visible"/>
+                                      </p:to>
+                                    </p:set>
+                                    <p:anim calcmode="lin" valueType="num">
+                                      <p:cBhvr additive="base">
+                                        <p:cTn id="7" dur="500" fill="hold"/>
+                                        <p:tgtEl>
+                                          <p:spTgt spid="3">
+                                            <p:txEl>
+                                              <p:pRg st="0" end="0"/>
+                                            </p:txEl>
+                                          </p:spTgt>
+                                        </p:tgtEl>
+                                        <p:attrNameLst>
+                                          <p:attrName>ppt_x</p:attrName>
+                                        </p:attrNameLst>
+                                      </p:cBhvr>
+                                      <p:tavLst>
+                                        <p:tav tm="0">
+                                          <p:val>
+                                            <p:strVal val="0-#ppt_w/2"/>
+                                          </p:val>
+                                        </p:tav>
+                                        <p:tav tm="100000">
+                                          <p:val>
+                                            <p:strVal val="#ppt_x"/>
+                                          </p:val>
+                                        </p:tav>
+                                      </p:tavLst>
+                                    </p:anim>
+                                    <p:anim calcmode="lin" valueType="num">
+                                      <p:cBhvr additive="base">
+                                        <p:cTn id="8" dur="500" fill="hold"/>
+                                        <p:tgtEl>
+                                          <p:spTgt spid="3">
+                                            <p:txEl>
+                                              <p:pRg st="0" end="0"/>
+                                            </p:txEl>
+                                          </p:spTgt>
+                                        </p:tgtEl>
+                                        <p:attrNameLst>
+                                          <p:attrName>ppt_y</p:attrName>
+                                        </p:attrNameLst>
+                                      </p:cBhvr>
+                                      <p:tavLst>
+                                        <p:tav tm="0">
+                                          <p:val>
+                                            <p:strVal val="#ppt_y"/>
+                                          </p:val>
+                                        </p:tav>
+                                        <p:tav tm="100000">
+                                          <p:val>
+                                            <p:strVal val="#ppt_y"/>
+                                          </p:val>
+                                        </p:tav>
+                                      </p:tavLst>
+                                    </p:anim>
+                                  </p:childTnLst>
+                                </p:cTn>
+                              </p:par>
+                            </p:childTnLst>
+                          </p:cTn>
+                        </p:par>
+                        <p:par>
+                          <p:cTn id="9" fill="hold">
+                            <p:stCondLst>
+                              <p:cond delay="500"/>
+                            </p:stCondLst>
+                            <p:childTnLst>
+                              <p:par>
+                                <p:cTn id="10" presetID="2" presetClass="entr" presetSubtype="4" fill="hold" nodeType="afterEffect">
+                                  <p:stCondLst>
+                                    <p:cond delay="0"/>
+                                  </p:stCondLst>
+                                  <p:childTnLst>
+                                    <p:set>
+                                      <p:cBhvr>
+                                        <p:cTn id="11" dur="1" fill="hold">
+                                          <p:stCondLst>
+                                            <p:cond delay="0"/>
+                                          </p:stCondLst>
+                                        </p:cTn>
+                                        <p:tgtEl>
+                                          <p:spTgt spid="4"/>
+                                        </p:tgtEl>
+                                        <p:attrNameLst>
+                                          <p:attrName>style.visibility</p:attrName>
+                                        </p:attrNameLst>
+                                      </p:cBhvr>
+                                      <p:to>
+                                        <p:strVal val="visible"/>
+                                      </p:to>
+                                    </p:set>
+                                    <p:anim calcmode="lin" valueType="num">
+                                      <p:cBhvr additive="base">
+                                        <p:cTn id="12" dur="500" fill="hold"/>
+                                        <p:tgtEl>
+                                          <p:spTgt spid="4"/>
+                                        </p:tgtEl>
+                                        <p:attrNameLst>
+                                          <p:attrName>ppt_x</p:attrName>
+                                        </p:attrNameLst>
+                                      </p:cBhvr>
+                                      <p:tavLst>
+                                        <p:tav tm="0">
+                                          <p:val>
+                                            <p:strVal val="#ppt_x"/>
+                                          </p:val>
+                                        </p:tav>
+                                        <p:tav tm="100000">
+                                          <p:val>
+                                            <p:strVal val="#ppt_x"/>
+                                          </p:val>
+                                        </p:tav>
+                                      </p:tavLst>
+                                    </p:anim>
+                                    <p:anim calcmode="lin" valueType="num">
+                                      <p:cBhvr additive="base">
+                                        <p:cTn id="13" dur="500" fill="hold"/>
+                                        <p:tgtEl>
+                                          <p:spTgt spid="4"/>
+                                        </p:tgtEl>
+                                        <p:attrNameLst>
+                                          <p:attrName>ppt_y</p:attrName>
+                                        </p:attrNameLst>
+                                      </p:cBhvr>
+                                      <p:tavLst>
+                                        <p:tav tm="0">
+                                          <p:val>
+                                            <p:strVal val="1+#ppt_h/2"/>
+                                          </p:val>
+                                        </p:tav>
+                                        <p:tav tm="100000">
+                                          <p:val>
+                                            <p:strVal val="#ppt_y"/>
+                                          </p:val>
+                                        </p:tav>
+                                      </p:tavLst>
+                                    </p:anim>
+                                  </p:childTnLst>
+                                </p:cTn>
+                              </p:par>
+                            </p:childTnLst>
+                          </p:cTn>
+                        </p:par>
+                      </p:childTnLst>
+                    </p:cTn>
+                  </p:par>
+                </p:childTnLst>
+              </p:cTn>
+              <p:prevCondLst>
+                <p:cond evt="onPrev" delay="0">
+                  <p:tgtEl>
+                    <p:sldTgt/>
+                  </p:tgtEl>
+                </p:cond>
+              </p:prevCondLst>
+              <p:nextCondLst>
+                <p:cond evt="onNext" delay="0">
+                  <p:tgtEl>
+                    <p:sldTgt/>
+                  </p:tgtEl>
+                </p:cond>
+              </p:nextCondLst>
+            </p:seq>
+          </p:childTnLst>
+        </p:cTn>
+      </p:par>
+    </p:tnLst>
   </p:timing>
 </p:sld>
 </file>
